--- a/MÓDULOS DE AULA/Módulo 00 - Apresentação da Disciplina_GERAL.pptx
+++ b/MÓDULOS DE AULA/Módulo 00 - Apresentação da Disciplina_GERAL.pptx
@@ -929,7 +929,7 @@
               <a:pPr>
                 <a:defRPr/>
               </a:pPr>
-              <a:t>17/04/2016</a:t>
+              <a:t>21/08/2017</a:t>
             </a:fld>
             <a:endParaRPr lang="pt-BR" dirty="0"/>
           </a:p>
@@ -1052,7 +1052,7 @@
               <a:pPr>
                 <a:defRPr/>
               </a:pPr>
-              <a:t>17/04/2016</a:t>
+              <a:t>21/08/2017</a:t>
             </a:fld>
             <a:endParaRPr lang="pt-BR" dirty="0"/>
           </a:p>
@@ -1175,7 +1175,7 @@
               <a:pPr>
                 <a:defRPr/>
               </a:pPr>
-              <a:t>17/04/2016</a:t>
+              <a:t>21/08/2017</a:t>
             </a:fld>
             <a:endParaRPr lang="pt-BR" dirty="0"/>
           </a:p>
@@ -1505,7 +1505,7 @@
               <a:pPr>
                 <a:defRPr/>
               </a:pPr>
-              <a:t>17/04/2016</a:t>
+              <a:t>21/08/2017</a:t>
             </a:fld>
             <a:endParaRPr lang="pt-BR" dirty="0"/>
           </a:p>
@@ -1688,7 +1688,7 @@
               <a:pPr>
                 <a:defRPr/>
               </a:pPr>
-              <a:t>17/04/2016</a:t>
+              <a:t>21/08/2017</a:t>
             </a:fld>
             <a:endParaRPr lang="pt-BR" dirty="0"/>
           </a:p>
@@ -1844,7 +1844,7 @@
               <a:pPr>
                 <a:defRPr/>
               </a:pPr>
-              <a:t>17/04/2016</a:t>
+              <a:t>21/08/2017</a:t>
             </a:fld>
             <a:endParaRPr lang="pt-BR" dirty="0"/>
           </a:p>
@@ -2601,6 +2601,12 @@
               </a:rPr>
               <a:t> 113476</a:t>
             </a:r>
+            <a:r>
+              <a:rPr lang="en-US" sz="1600" b="1" dirty="0">
+                <a:latin typeface="Verdana" pitchFamily="34" charset="0"/>
+              </a:rPr>
+              <a:t/>
+            </a:r>
             <a:br>
               <a:rPr lang="en-US" sz="1600" b="1" dirty="0">
                 <a:latin typeface="Verdana" pitchFamily="34" charset="0"/>
@@ -2923,7 +2929,7 @@
               <a:pPr>
                 <a:defRPr/>
               </a:pPr>
-              <a:t>17/04/2016</a:t>
+              <a:t>21/08/2017</a:t>
             </a:fld>
             <a:endParaRPr lang="pt-BR" dirty="0"/>
           </a:p>
@@ -3131,25 +3137,18 @@
               <a:t> URI Online Judge será utilizado para arredondar a </a:t>
             </a:r>
             <a:r>
-              <a:rPr lang="pt-BR" sz="1800" b="1" dirty="0">
+              <a:rPr lang="pt-BR" sz="1800" b="1">
                 <a:latin typeface="Verdana" pitchFamily="34" charset="0"/>
                 <a:cs typeface="Times New Roman" pitchFamily="18" charset="0"/>
               </a:rPr>
               <a:t>Média </a:t>
             </a:r>
             <a:r>
-              <a:rPr lang="pt-BR" sz="1800" b="1" dirty="0" err="1">
-                <a:latin typeface="Verdana" pitchFamily="34" charset="0"/>
-                <a:cs typeface="Times New Roman" pitchFamily="18" charset="0"/>
-              </a:rPr>
-              <a:t>Teorica</a:t>
-            </a:r>
-            <a:r>
-              <a:rPr lang="pt-BR" sz="1800" b="1" dirty="0">
-                <a:latin typeface="Verdana" pitchFamily="34" charset="0"/>
-                <a:cs typeface="Times New Roman" pitchFamily="18" charset="0"/>
-              </a:rPr>
-              <a:t> </a:t>
+              <a:rPr lang="pt-BR" sz="1800" b="1" smtClean="0">
+                <a:latin typeface="Verdana" pitchFamily="34" charset="0"/>
+                <a:cs typeface="Times New Roman" pitchFamily="18" charset="0"/>
+              </a:rPr>
+              <a:t>Teórica </a:t>
             </a:r>
             <a:r>
               <a:rPr lang="pt-BR" sz="1800" dirty="0">
@@ -3375,7 +3374,7 @@
               <a:pPr>
                 <a:defRPr/>
               </a:pPr>
-              <a:t>17/04/2016</a:t>
+              <a:t>21/08/2017</a:t>
             </a:fld>
             <a:endParaRPr lang="pt-BR" dirty="0"/>
           </a:p>
@@ -3977,7 +3976,7 @@
               <a:pPr>
                 <a:defRPr/>
               </a:pPr>
-              <a:t>17/04/2016</a:t>
+              <a:t>21/08/2017</a:t>
             </a:fld>
             <a:endParaRPr lang="pt-BR" dirty="0"/>
           </a:p>
@@ -4605,7 +4604,7 @@
               <a:pPr>
                 <a:defRPr/>
               </a:pPr>
-              <a:t>17/04/2016</a:t>
+              <a:t>21/08/2017</a:t>
             </a:fld>
             <a:endParaRPr lang="pt-BR" dirty="0"/>
           </a:p>
@@ -4951,7 +4950,7 @@
               <a:pPr>
                 <a:defRPr/>
               </a:pPr>
-              <a:t>17/04/2016</a:t>
+              <a:t>21/08/2017</a:t>
             </a:fld>
             <a:endParaRPr lang="pt-BR" dirty="0"/>
           </a:p>
@@ -6318,7 +6317,7 @@
               <a:pPr>
                 <a:defRPr/>
               </a:pPr>
-              <a:t>17/04/2016</a:t>
+              <a:t>21/08/2017</a:t>
             </a:fld>
             <a:endParaRPr lang="pt-BR" dirty="0"/>
           </a:p>
@@ -6652,7 +6651,7 @@
               <a:pPr>
                 <a:defRPr/>
               </a:pPr>
-              <a:t>17/04/2016</a:t>
+              <a:t>21/08/2017</a:t>
             </a:fld>
             <a:endParaRPr lang="pt-BR" dirty="0"/>
           </a:p>
@@ -6904,7 +6903,7 @@
               <a:pPr>
                 <a:defRPr/>
               </a:pPr>
-              <a:t>17/04/2016</a:t>
+              <a:t>21/08/2017</a:t>
             </a:fld>
             <a:endParaRPr lang="pt-BR" dirty="0"/>
           </a:p>
@@ -7275,7 +7274,7 @@
               <a:pPr>
                 <a:defRPr/>
               </a:pPr>
-              <a:t>17/04/2016</a:t>
+              <a:t>21/08/2017</a:t>
             </a:fld>
             <a:endParaRPr lang="pt-BR" dirty="0"/>
           </a:p>
@@ -7715,7 +7714,7 @@
               <a:pPr>
                 <a:defRPr/>
               </a:pPr>
-              <a:t>17/04/2016</a:t>
+              <a:t>21/08/2017</a:t>
             </a:fld>
             <a:endParaRPr lang="pt-BR" dirty="0"/>
           </a:p>
@@ -7942,7 +7941,7 @@
               <a:pPr>
                 <a:defRPr/>
               </a:pPr>
-              <a:t>17/04/2016</a:t>
+              <a:t>21/08/2017</a:t>
             </a:fld>
             <a:endParaRPr lang="pt-BR" dirty="0"/>
           </a:p>
@@ -8362,7 +8361,7 @@
           <a:graphicData uri="http://schemas.openxmlformats.org/presentationml/2006/ole">
             <mc:AlternateContent xmlns:mc="http://schemas.openxmlformats.org/markup-compatibility/2006">
               <mc:Choice xmlns:v="urn:schemas-microsoft-com:vml" Requires="v">
-                <p:oleObj spid="_x0000_s8272" name="Equação" r:id="rId3" imgW="2463480" imgH="393480" progId="Equation.3">
+                <p:oleObj spid="_x0000_s8276" name="Equação" r:id="rId3" imgW="2463480" imgH="393480" progId="Equation.3">
                   <p:embed/>
                 </p:oleObj>
               </mc:Choice>
@@ -8419,7 +8418,7 @@
           <a:graphicData uri="http://schemas.openxmlformats.org/presentationml/2006/ole">
             <mc:AlternateContent xmlns:mc="http://schemas.openxmlformats.org/markup-compatibility/2006">
               <mc:Choice xmlns:v="urn:schemas-microsoft-com:vml" Requires="v">
-                <p:oleObj spid="_x0000_s8273" name="Equação" r:id="rId5" imgW="1130040" imgH="622080" progId="Equation.3">
+                <p:oleObj spid="_x0000_s8277" name="Equação" r:id="rId5" imgW="1130040" imgH="622080" progId="Equation.3">
                   <p:embed/>
                 </p:oleObj>
               </mc:Choice>
@@ -8476,7 +8475,7 @@
           <a:graphicData uri="http://schemas.openxmlformats.org/presentationml/2006/ole">
             <mc:AlternateContent xmlns:mc="http://schemas.openxmlformats.org/markup-compatibility/2006">
               <mc:Choice xmlns:v="urn:schemas-microsoft-com:vml" Requires="v">
-                <p:oleObj spid="_x0000_s8274" name="Equação" r:id="rId7" imgW="1244520" imgH="431640" progId="Equation.3">
+                <p:oleObj spid="_x0000_s8278" name="Equação" r:id="rId7" imgW="1244520" imgH="431640" progId="Equation.3">
                   <p:embed/>
                 </p:oleObj>
               </mc:Choice>
@@ -8533,7 +8532,7 @@
           <a:graphicData uri="http://schemas.openxmlformats.org/presentationml/2006/ole">
             <mc:AlternateContent xmlns:mc="http://schemas.openxmlformats.org/markup-compatibility/2006">
               <mc:Choice xmlns:v="urn:schemas-microsoft-com:vml" Requires="v">
-                <p:oleObj spid="_x0000_s8275" name="Equação" r:id="rId9" imgW="1346040" imgH="393480" progId="Equation.3">
+                <p:oleObj spid="_x0000_s8279" name="Equação" r:id="rId9" imgW="1346040" imgH="393480" progId="Equation.3">
                   <p:embed/>
                 </p:oleObj>
               </mc:Choice>
@@ -8621,7 +8620,7 @@
               <a:pPr>
                 <a:defRPr/>
               </a:pPr>
-              <a:t>17/04/2016</a:t>
+              <a:t>21/08/2017</a:t>
             </a:fld>
             <a:endParaRPr lang="pt-BR" dirty="0"/>
           </a:p>
@@ -8897,7 +8896,7 @@
           <a:graphicData uri="http://schemas.openxmlformats.org/presentationml/2006/ole">
             <mc:AlternateContent xmlns:mc="http://schemas.openxmlformats.org/markup-compatibility/2006">
               <mc:Choice xmlns:v="urn:schemas-microsoft-com:vml" Requires="v">
-                <p:oleObj spid="_x0000_s9271" name="Equação" r:id="rId3" imgW="3466800" imgH="228600" progId="Equation.3">
+                <p:oleObj spid="_x0000_s9274" name="Equação" r:id="rId3" imgW="3466800" imgH="228600" progId="Equation.3">
                   <p:embed/>
                 </p:oleObj>
               </mc:Choice>
@@ -8954,7 +8953,7 @@
           <a:graphicData uri="http://schemas.openxmlformats.org/presentationml/2006/ole">
             <mc:AlternateContent xmlns:mc="http://schemas.openxmlformats.org/markup-compatibility/2006">
               <mc:Choice xmlns:v="urn:schemas-microsoft-com:vml" Requires="v">
-                <p:oleObj spid="_x0000_s9272" name="Equação" r:id="rId5" imgW="1218960" imgH="393480" progId="Equation.3">
+                <p:oleObj spid="_x0000_s9275" name="Equação" r:id="rId5" imgW="1218960" imgH="393480" progId="Equation.3">
                   <p:embed/>
                 </p:oleObj>
               </mc:Choice>
@@ -9011,7 +9010,7 @@
           <a:graphicData uri="http://schemas.openxmlformats.org/presentationml/2006/ole">
             <mc:AlternateContent xmlns:mc="http://schemas.openxmlformats.org/markup-compatibility/2006">
               <mc:Choice xmlns:v="urn:schemas-microsoft-com:vml" Requires="v">
-                <p:oleObj spid="_x0000_s9273" name="Equação" r:id="rId7" imgW="495000" imgH="228600" progId="Equation.3">
+                <p:oleObj spid="_x0000_s9276" name="Equação" r:id="rId7" imgW="495000" imgH="228600" progId="Equation.3">
                   <p:embed/>
                 </p:oleObj>
               </mc:Choice>
@@ -9099,7 +9098,7 @@
               <a:pPr>
                 <a:defRPr/>
               </a:pPr>
-              <a:t>17/04/2016</a:t>
+              <a:t>21/08/2017</a:t>
             </a:fld>
             <a:endParaRPr lang="pt-BR" dirty="0"/>
           </a:p>

--- a/MÓDULOS DE AULA/Módulo 00 - Apresentação da Disciplina_GERAL.pptx
+++ b/MÓDULOS DE AULA/Módulo 00 - Apresentação da Disciplina_GERAL.pptx
@@ -5,10 +5,10 @@
     <p:sldMasterId id="2147483648" r:id="rId1"/>
   </p:sldMasterIdLst>
   <p:notesMasterIdLst>
-    <p:notesMasterId r:id="rId21"/>
+    <p:notesMasterId r:id="rId17"/>
   </p:notesMasterIdLst>
   <p:handoutMasterIdLst>
-    <p:handoutMasterId r:id="rId22"/>
+    <p:handoutMasterId r:id="rId18"/>
   </p:handoutMasterIdLst>
   <p:sldIdLst>
     <p:sldId id="385" r:id="rId2"/>
@@ -26,10 +26,6 @@
     <p:sldId id="437" r:id="rId14"/>
     <p:sldId id="438" r:id="rId15"/>
     <p:sldId id="441" r:id="rId16"/>
-    <p:sldId id="440" r:id="rId17"/>
-    <p:sldId id="442" r:id="rId18"/>
-    <p:sldId id="439" r:id="rId19"/>
-    <p:sldId id="443" r:id="rId20"/>
   </p:sldIdLst>
   <p:sldSz cx="9144000" cy="6858000" type="screen4x3"/>
   <p:notesSz cx="7104063" cy="10234613"/>
@@ -929,7 +925,7 @@
               <a:pPr>
                 <a:defRPr/>
               </a:pPr>
-              <a:t>21/08/2017</a:t>
+              <a:t>28/02/2018</a:t>
             </a:fld>
             <a:endParaRPr lang="pt-BR" dirty="0"/>
           </a:p>
@@ -1052,7 +1048,7 @@
               <a:pPr>
                 <a:defRPr/>
               </a:pPr>
-              <a:t>21/08/2017</a:t>
+              <a:t>28/02/2018</a:t>
             </a:fld>
             <a:endParaRPr lang="pt-BR" dirty="0"/>
           </a:p>
@@ -1175,7 +1171,7 @@
               <a:pPr>
                 <a:defRPr/>
               </a:pPr>
-              <a:t>21/08/2017</a:t>
+              <a:t>28/02/2018</a:t>
             </a:fld>
             <a:endParaRPr lang="pt-BR" dirty="0"/>
           </a:p>
@@ -1505,7 +1501,7 @@
               <a:pPr>
                 <a:defRPr/>
               </a:pPr>
-              <a:t>21/08/2017</a:t>
+              <a:t>28/02/2018</a:t>
             </a:fld>
             <a:endParaRPr lang="pt-BR" dirty="0"/>
           </a:p>
@@ -1688,7 +1684,7 @@
               <a:pPr>
                 <a:defRPr/>
               </a:pPr>
-              <a:t>21/08/2017</a:t>
+              <a:t>28/02/2018</a:t>
             </a:fld>
             <a:endParaRPr lang="pt-BR" dirty="0"/>
           </a:p>
@@ -1844,7 +1840,7 @@
               <a:pPr>
                 <a:defRPr/>
               </a:pPr>
-              <a:t>21/08/2017</a:t>
+              <a:t>28/02/2018</a:t>
             </a:fld>
             <a:endParaRPr lang="pt-BR" dirty="0"/>
           </a:p>
@@ -2601,12 +2597,6 @@
               </a:rPr>
               <a:t> 113476</a:t>
             </a:r>
-            <a:r>
-              <a:rPr lang="en-US" sz="1600" b="1" dirty="0">
-                <a:latin typeface="Verdana" pitchFamily="34" charset="0"/>
-              </a:rPr>
-              <a:t/>
-            </a:r>
             <a:br>
               <a:rPr lang="en-US" sz="1600" b="1" dirty="0">
                 <a:latin typeface="Verdana" pitchFamily="34" charset="0"/>
@@ -2929,7 +2919,7 @@
               <a:pPr>
                 <a:defRPr/>
               </a:pPr>
-              <a:t>21/08/2017</a:t>
+              <a:t>28/02/2018</a:t>
             </a:fld>
             <a:endParaRPr lang="pt-BR" dirty="0"/>
           </a:p>
@@ -3141,14 +3131,7 @@
                 <a:latin typeface="Verdana" pitchFamily="34" charset="0"/>
                 <a:cs typeface="Times New Roman" pitchFamily="18" charset="0"/>
               </a:rPr>
-              <a:t>Média </a:t>
-            </a:r>
-            <a:r>
-              <a:rPr lang="pt-BR" sz="1800" b="1" smtClean="0">
-                <a:latin typeface="Verdana" pitchFamily="34" charset="0"/>
-                <a:cs typeface="Times New Roman" pitchFamily="18" charset="0"/>
-              </a:rPr>
-              <a:t>Teórica </a:t>
+              <a:t>Média Teórica </a:t>
             </a:r>
             <a:r>
               <a:rPr lang="pt-BR" sz="1800" dirty="0">
@@ -3374,7 +3357,7 @@
               <a:pPr>
                 <a:defRPr/>
               </a:pPr>
-              <a:t>21/08/2017</a:t>
+              <a:t>28/02/2018</a:t>
             </a:fld>
             <a:endParaRPr lang="pt-BR" dirty="0"/>
           </a:p>
@@ -3976,7 +3959,7 @@
               <a:pPr>
                 <a:defRPr/>
               </a:pPr>
-              <a:t>21/08/2017</a:t>
+              <a:t>28/02/2018</a:t>
             </a:fld>
             <a:endParaRPr lang="pt-BR" dirty="0"/>
           </a:p>
@@ -4604,7 +4587,7 @@
               <a:pPr>
                 <a:defRPr/>
               </a:pPr>
-              <a:t>21/08/2017</a:t>
+              <a:t>28/02/2018</a:t>
             </a:fld>
             <a:endParaRPr lang="pt-BR" dirty="0"/>
           </a:p>
@@ -4950,7 +4933,7 @@
               <a:pPr>
                 <a:defRPr/>
               </a:pPr>
-              <a:t>21/08/2017</a:t>
+              <a:t>28/02/2018</a:t>
             </a:fld>
             <a:endParaRPr lang="pt-BR" dirty="0"/>
           </a:p>
@@ -5669,614 +5652,6 @@
 </p:sld>
 </file>
 
-<file path=ppt/slides/slide16.xml><?xml version="1.0" encoding="utf-8"?>
-<p:sld xmlns:a="http://schemas.openxmlformats.org/drawingml/2006/main" xmlns:r="http://schemas.openxmlformats.org/officeDocument/2006/relationships" xmlns:p="http://schemas.openxmlformats.org/presentationml/2006/main">
-  <p:cSld>
-    <p:spTree>
-      <p:nvGrpSpPr>
-        <p:cNvPr id="1" name=""/>
-        <p:cNvGrpSpPr/>
-        <p:nvPr/>
-      </p:nvGrpSpPr>
-      <p:grpSpPr>
-        <a:xfrm>
-          <a:off x="0" y="0"/>
-          <a:ext cx="0" cy="0"/>
-          <a:chOff x="0" y="0"/>
-          <a:chExt cx="0" cy="0"/>
-        </a:xfrm>
-      </p:grpSpPr>
-      <p:sp>
-        <p:nvSpPr>
-          <p:cNvPr id="30723" name="Rectangle 3"/>
-          <p:cNvSpPr>
-            <a:spLocks noGrp="1" noChangeArrowheads="1"/>
-          </p:cNvSpPr>
-          <p:nvPr>
-            <p:ph type="body" idx="4294967295"/>
-          </p:nvPr>
-        </p:nvSpPr>
-        <p:spPr bwMode="auto">
-          <a:xfrm>
-            <a:off x="2802009" y="1700808"/>
-            <a:ext cx="5298383" cy="1000132"/>
-          </a:xfrm>
-          <a:prstGeom prst="rect">
-            <a:avLst/>
-          </a:prstGeom>
-          <a:ln>
-            <a:miter lim="800000"/>
-            <a:headEnd/>
-            <a:tailEnd/>
-          </a:ln>
-        </p:spPr>
-        <p:txBody>
-          <a:bodyPr/>
-          <a:lstStyle/>
-          <a:p>
-            <a:pPr algn="r">
-              <a:buFontTx/>
-              <a:buNone/>
-              <a:defRPr/>
-            </a:pPr>
-            <a:r>
-              <a:rPr lang="pt-BR" sz="1800" dirty="0">
-                <a:latin typeface="Verdana" pitchFamily="34" charset="0"/>
-              </a:rPr>
-              <a:t>“Os números têm muitos charmes, ocultos aos olhares vulgares, e descobertos somente para os bem-dispostos e respeitosos filhos da Arte. Uma doce alegria pode emanar de contemplações desse tipo.”</a:t>
-            </a:r>
-            <a:endParaRPr lang="pt-BR" sz="1400" dirty="0">
-              <a:latin typeface="Verdana" pitchFamily="34" charset="0"/>
-            </a:endParaRPr>
-          </a:p>
-          <a:p>
-            <a:pPr algn="r">
-              <a:buFontTx/>
-              <a:buNone/>
-              <a:defRPr/>
-            </a:pPr>
-            <a:endParaRPr lang="pt-BR" sz="1800" dirty="0">
-              <a:latin typeface="Verdana" pitchFamily="34" charset="0"/>
-            </a:endParaRPr>
-          </a:p>
-          <a:p>
-            <a:pPr algn="r">
-              <a:buFontTx/>
-              <a:buNone/>
-              <a:defRPr/>
-            </a:pPr>
-            <a:r>
-              <a:rPr lang="pt-BR" sz="1800" dirty="0" err="1">
-                <a:latin typeface="Verdana" pitchFamily="34" charset="0"/>
-              </a:rPr>
-              <a:t>Chales</a:t>
-            </a:r>
-            <a:r>
-              <a:rPr lang="pt-BR" sz="1800" dirty="0">
-                <a:latin typeface="Verdana" pitchFamily="34" charset="0"/>
-              </a:rPr>
-              <a:t> Babbage</a:t>
-            </a:r>
-            <a:endParaRPr lang="en-US" sz="1800" dirty="0">
-              <a:latin typeface="Verdana" pitchFamily="34" charset="0"/>
-            </a:endParaRPr>
-          </a:p>
-        </p:txBody>
-      </p:sp>
-      <p:pic>
-        <p:nvPicPr>
-          <p:cNvPr id="2" name="Picture 2" descr="https://upload.wikimedia.org/wikipedia/commons/6/6b/Charles_Babbage_-_1860.jpg"/>
-          <p:cNvPicPr>
-            <a:picLocks noChangeAspect="1" noChangeArrowheads="1"/>
-          </p:cNvPicPr>
-          <p:nvPr/>
-        </p:nvPicPr>
-        <p:blipFill>
-          <a:blip r:embed="rId2" cstate="print">
-            <a:extLst>
-              <a:ext uri="{28A0092B-C50C-407E-A947-70E740481C1C}">
-                <a14:useLocalDpi xmlns:a14="http://schemas.microsoft.com/office/drawing/2010/main" val="0"/>
-              </a:ext>
-            </a:extLst>
-          </a:blip>
-          <a:srcRect/>
-          <a:stretch>
-            <a:fillRect/>
-          </a:stretch>
-        </p:blipFill>
-        <p:spPr bwMode="auto">
-          <a:xfrm>
-            <a:off x="1085641" y="2289299"/>
-            <a:ext cx="2190215" cy="2867893"/>
-          </a:xfrm>
-          <a:prstGeom prst="rect">
-            <a:avLst/>
-          </a:prstGeom>
-          <a:noFill/>
-          <a:extLst>
-            <a:ext uri="{909E8E84-426E-40DD-AFC4-6F175D3DCCD1}">
-              <a14:hiddenFill xmlns:a14="http://schemas.microsoft.com/office/drawing/2010/main">
-                <a:solidFill>
-                  <a:srgbClr val="FFFFFF"/>
-                </a:solidFill>
-              </a14:hiddenFill>
-            </a:ext>
-          </a:extLst>
-        </p:spPr>
-      </p:pic>
-    </p:spTree>
-    <p:extLst>
-      <p:ext uri="{BB962C8B-B14F-4D97-AF65-F5344CB8AC3E}">
-        <p14:creationId xmlns:p14="http://schemas.microsoft.com/office/powerpoint/2010/main" val="3812354904"/>
-      </p:ext>
-    </p:extLst>
-  </p:cSld>
-  <p:clrMapOvr>
-    <a:masterClrMapping/>
-  </p:clrMapOvr>
-</p:sld>
-</file>
-
-<file path=ppt/slides/slide17.xml><?xml version="1.0" encoding="utf-8"?>
-<p:sld xmlns:a="http://schemas.openxmlformats.org/drawingml/2006/main" xmlns:r="http://schemas.openxmlformats.org/officeDocument/2006/relationships" xmlns:p="http://schemas.openxmlformats.org/presentationml/2006/main">
-  <p:cSld>
-    <p:spTree>
-      <p:nvGrpSpPr>
-        <p:cNvPr id="1" name=""/>
-        <p:cNvGrpSpPr/>
-        <p:nvPr/>
-      </p:nvGrpSpPr>
-      <p:grpSpPr>
-        <a:xfrm>
-          <a:off x="0" y="0"/>
-          <a:ext cx="0" cy="0"/>
-          <a:chOff x="0" y="0"/>
-          <a:chExt cx="0" cy="0"/>
-        </a:xfrm>
-      </p:grpSpPr>
-      <p:sp>
-        <p:nvSpPr>
-          <p:cNvPr id="30723" name="Rectangle 3"/>
-          <p:cNvSpPr>
-            <a:spLocks noGrp="1" noChangeArrowheads="1"/>
-          </p:cNvSpPr>
-          <p:nvPr>
-            <p:ph type="body" idx="4294967295"/>
-          </p:nvPr>
-        </p:nvSpPr>
-        <p:spPr bwMode="auto">
-          <a:xfrm>
-            <a:off x="2285984" y="1214422"/>
-            <a:ext cx="6143641" cy="4071966"/>
-          </a:xfrm>
-          <a:prstGeom prst="rect">
-            <a:avLst/>
-          </a:prstGeom>
-          <a:ln>
-            <a:miter lim="800000"/>
-            <a:headEnd/>
-            <a:tailEnd/>
-          </a:ln>
-        </p:spPr>
-        <p:txBody>
-          <a:bodyPr/>
-          <a:lstStyle/>
-          <a:p>
-            <a:pPr marL="0" indent="0" algn="just">
-              <a:buFontTx/>
-              <a:buNone/>
-              <a:defRPr/>
-            </a:pPr>
-            <a:r>
-              <a:rPr lang="pt-BR" sz="1400" dirty="0">
-                <a:latin typeface="Verdana" pitchFamily="34" charset="0"/>
-                <a:ea typeface="Verdana" pitchFamily="34" charset="0"/>
-                <a:cs typeface="Verdana" pitchFamily="34" charset="0"/>
-              </a:rPr>
-              <a:t>“Por que digo que os engenheiros são como artistas? Os engenheiros geralmente lutam para fazer coisas com maior perfeição do que até mesmo pensariam ser possível. Cada peça minúscula ou linha de programação precisa ter um motivo, e a abordagem precisa ser direta, curta e rápida. Nós projetamos pequenos componentes de software e hardware e os agrupamos em outros maiores. Sabemos como estabelecer a rota dos elétrons através de resistores e transistores para fazer portas lógicas. Combinamos algumas portas para constituir registros. Combinamos muitos registros para fazer um ainda maior. Combinamos portas lógicas para constituir circuitos que somam, e combinamos circuitos que somam para criar outros que podem ser usados para criar todo um computador. Escrevemos minúsculos bits de codificações para ligar ou desligar coisas. Desenvolvemos em cima dessa base, e depois novamente em cima, e ainda mais uma vez, exatamente como um pintor, que comporia as cores com um pincel, ou como um compositor faria com as notas musicais. É essa busca pela perfeição - essa luta para juntar tudo com perfeição, de uma forma que ninguém havia feito antes - que faz de um engenheiro ou de qualquer outro um verdadeiro artista.”</a:t>
-            </a:r>
-          </a:p>
-          <a:p>
-            <a:pPr algn="r">
-              <a:buFontTx/>
-              <a:buNone/>
-              <a:defRPr/>
-            </a:pPr>
-            <a:r>
-              <a:rPr lang="pt-BR" sz="1400" dirty="0">
-                <a:effectLst>
-                  <a:outerShdw blurRad="38100" dist="38100" dir="2700000" algn="tl">
-                    <a:srgbClr val="C0C0C0"/>
-                  </a:outerShdw>
-                </a:effectLst>
-                <a:latin typeface="Verdana" pitchFamily="34" charset="0"/>
-              </a:rPr>
-              <a:t>Steve </a:t>
-            </a:r>
-            <a:r>
-              <a:rPr lang="pt-BR" sz="1400" dirty="0" err="1">
-                <a:effectLst>
-                  <a:outerShdw blurRad="38100" dist="38100" dir="2700000" algn="tl">
-                    <a:srgbClr val="C0C0C0"/>
-                  </a:outerShdw>
-                </a:effectLst>
-                <a:latin typeface="Verdana" pitchFamily="34" charset="0"/>
-              </a:rPr>
-              <a:t>Wozniak</a:t>
-            </a:r>
-            <a:endParaRPr lang="en-US" sz="1400" dirty="0">
-              <a:effectLst>
-                <a:outerShdw blurRad="38100" dist="38100" dir="2700000" algn="tl">
-                  <a:srgbClr val="C0C0C0"/>
-                </a:outerShdw>
-              </a:effectLst>
-              <a:latin typeface="Verdana" pitchFamily="34" charset="0"/>
-            </a:endParaRPr>
-          </a:p>
-        </p:txBody>
-      </p:sp>
-      <p:pic>
-        <p:nvPicPr>
-          <p:cNvPr id="9" name="Picture 2" descr="https://encrypted-tbn1.gstatic.com/images?q=tbn:ANd9GcRObL1I1FZnF8b5tX3kHIEoiAM5L0165xO0dOtcd1jdJrzwwc6d"/>
-          <p:cNvPicPr>
-            <a:picLocks noChangeAspect="1" noChangeArrowheads="1"/>
-          </p:cNvPicPr>
-          <p:nvPr/>
-        </p:nvPicPr>
-        <p:blipFill>
-          <a:blip r:embed="rId2" cstate="print"/>
-          <a:srcRect/>
-          <a:stretch>
-            <a:fillRect/>
-          </a:stretch>
-        </p:blipFill>
-        <p:spPr bwMode="auto">
-          <a:xfrm>
-            <a:off x="571472" y="1285860"/>
-            <a:ext cx="1643074" cy="1643074"/>
-          </a:xfrm>
-          <a:prstGeom prst="rect">
-            <a:avLst/>
-          </a:prstGeom>
-          <a:noFill/>
-        </p:spPr>
-      </p:pic>
-      <p:pic>
-        <p:nvPicPr>
-          <p:cNvPr id="3074" name="Picture 2" descr="http://www.mac-history.net/wp-content/uploads/2008/10/apple_i1.jpg"/>
-          <p:cNvPicPr>
-            <a:picLocks noChangeAspect="1" noChangeArrowheads="1"/>
-          </p:cNvPicPr>
-          <p:nvPr/>
-        </p:nvPicPr>
-        <p:blipFill>
-          <a:blip r:embed="rId3" cstate="print"/>
-          <a:srcRect/>
-          <a:stretch>
-            <a:fillRect/>
-          </a:stretch>
-        </p:blipFill>
-        <p:spPr bwMode="auto">
-          <a:xfrm>
-            <a:off x="571472" y="3156311"/>
-            <a:ext cx="1697095" cy="1272821"/>
-          </a:xfrm>
-          <a:prstGeom prst="rect">
-            <a:avLst/>
-          </a:prstGeom>
-          <a:noFill/>
-        </p:spPr>
-      </p:pic>
-      <p:pic>
-        <p:nvPicPr>
-          <p:cNvPr id="3078" name="Picture 6" descr="http://www.wired.com/news/images/full/apple-1-front.jpg"/>
-          <p:cNvPicPr>
-            <a:picLocks noChangeAspect="1" noChangeArrowheads="1"/>
-          </p:cNvPicPr>
-          <p:nvPr/>
-        </p:nvPicPr>
-        <p:blipFill>
-          <a:blip r:embed="rId4" cstate="print"/>
-          <a:srcRect/>
-          <a:stretch>
-            <a:fillRect/>
-          </a:stretch>
-        </p:blipFill>
-        <p:spPr bwMode="auto">
-          <a:xfrm>
-            <a:off x="571472" y="4686330"/>
-            <a:ext cx="1699031" cy="1028686"/>
-          </a:xfrm>
-          <a:prstGeom prst="rect">
-            <a:avLst/>
-          </a:prstGeom>
-          <a:noFill/>
-        </p:spPr>
-      </p:pic>
-    </p:spTree>
-    <p:extLst>
-      <p:ext uri="{BB962C8B-B14F-4D97-AF65-F5344CB8AC3E}">
-        <p14:creationId xmlns:p14="http://schemas.microsoft.com/office/powerpoint/2010/main" val="974736809"/>
-      </p:ext>
-    </p:extLst>
-  </p:cSld>
-  <p:clrMapOvr>
-    <a:masterClrMapping/>
-  </p:clrMapOvr>
-</p:sld>
-</file>
-
-<file path=ppt/slides/slide18.xml><?xml version="1.0" encoding="utf-8"?>
-<p:sld xmlns:a="http://schemas.openxmlformats.org/drawingml/2006/main" xmlns:r="http://schemas.openxmlformats.org/officeDocument/2006/relationships" xmlns:p="http://schemas.openxmlformats.org/presentationml/2006/main">
-  <p:cSld>
-    <p:spTree>
-      <p:nvGrpSpPr>
-        <p:cNvPr id="1" name=""/>
-        <p:cNvGrpSpPr/>
-        <p:nvPr/>
-      </p:nvGrpSpPr>
-      <p:grpSpPr>
-        <a:xfrm>
-          <a:off x="0" y="0"/>
-          <a:ext cx="0" cy="0"/>
-          <a:chOff x="0" y="0"/>
-          <a:chExt cx="0" cy="0"/>
-        </a:xfrm>
-      </p:grpSpPr>
-      <p:sp>
-        <p:nvSpPr>
-          <p:cNvPr id="30723" name="Rectangle 3"/>
-          <p:cNvSpPr>
-            <a:spLocks noGrp="1" noChangeArrowheads="1"/>
-          </p:cNvSpPr>
-          <p:nvPr>
-            <p:ph type="body" idx="4294967295"/>
-          </p:nvPr>
-        </p:nvSpPr>
-        <p:spPr bwMode="auto">
-          <a:xfrm>
-            <a:off x="214282" y="2500306"/>
-            <a:ext cx="8143933" cy="1000132"/>
-          </a:xfrm>
-          <a:prstGeom prst="rect">
-            <a:avLst/>
-          </a:prstGeom>
-          <a:ln>
-            <a:miter lim="800000"/>
-            <a:headEnd/>
-            <a:tailEnd/>
-          </a:ln>
-        </p:spPr>
-        <p:txBody>
-          <a:bodyPr/>
-          <a:lstStyle/>
-          <a:p>
-            <a:pPr algn="r">
-              <a:buFontTx/>
-              <a:buNone/>
-              <a:defRPr/>
-            </a:pPr>
-            <a:r>
-              <a:rPr lang="pt-BR" sz="1800" dirty="0">
-                <a:latin typeface="Verdana" pitchFamily="34" charset="0"/>
-              </a:rPr>
-              <a:t>“Arte é eliminar o desnecessário.”</a:t>
-            </a:r>
-          </a:p>
-          <a:p>
-            <a:pPr algn="r">
-              <a:buFontTx/>
-              <a:buNone/>
-              <a:defRPr/>
-            </a:pPr>
-            <a:endParaRPr lang="pt-BR" sz="1400" dirty="0">
-              <a:latin typeface="Verdana" pitchFamily="34" charset="0"/>
-            </a:endParaRPr>
-          </a:p>
-          <a:p>
-            <a:pPr algn="r">
-              <a:buFontTx/>
-              <a:buNone/>
-              <a:defRPr/>
-            </a:pPr>
-            <a:r>
-              <a:rPr lang="pt-BR" sz="1800" dirty="0">
-                <a:latin typeface="Verdana" pitchFamily="34" charset="0"/>
-              </a:rPr>
-              <a:t>Pablo Picasso</a:t>
-            </a:r>
-            <a:endParaRPr lang="en-US" sz="1800" dirty="0">
-              <a:latin typeface="Verdana" pitchFamily="34" charset="0"/>
-            </a:endParaRPr>
-          </a:p>
-        </p:txBody>
-      </p:sp>
-      <p:pic>
-        <p:nvPicPr>
-          <p:cNvPr id="1026" name="Picture 2" descr="http://www.pablopicasso.org/images/picasso.jpg"/>
-          <p:cNvPicPr>
-            <a:picLocks noChangeAspect="1" noChangeArrowheads="1"/>
-          </p:cNvPicPr>
-          <p:nvPr/>
-        </p:nvPicPr>
-        <p:blipFill>
-          <a:blip r:embed="rId2" cstate="print"/>
-          <a:srcRect/>
-          <a:stretch>
-            <a:fillRect/>
-          </a:stretch>
-        </p:blipFill>
-        <p:spPr bwMode="auto">
-          <a:xfrm>
-            <a:off x="1071538" y="1966926"/>
-            <a:ext cx="2857500" cy="3390900"/>
-          </a:xfrm>
-          <a:prstGeom prst="rect">
-            <a:avLst/>
-          </a:prstGeom>
-          <a:noFill/>
-        </p:spPr>
-      </p:pic>
-      <p:pic>
-        <p:nvPicPr>
-          <p:cNvPr id="2050" name="Picture 2" descr="http://www.artquotes.net/masters/picasso/picasso_selfport1907.jpg"/>
-          <p:cNvPicPr>
-            <a:picLocks noChangeAspect="1" noChangeArrowheads="1"/>
-          </p:cNvPicPr>
-          <p:nvPr/>
-        </p:nvPicPr>
-        <p:blipFill>
-          <a:blip r:embed="rId3" cstate="print"/>
-          <a:srcRect/>
-          <a:stretch>
-            <a:fillRect/>
-          </a:stretch>
-        </p:blipFill>
-        <p:spPr bwMode="auto">
-          <a:xfrm>
-            <a:off x="4143372" y="3214686"/>
-            <a:ext cx="1643074" cy="2106505"/>
-          </a:xfrm>
-          <a:prstGeom prst="rect">
-            <a:avLst/>
-          </a:prstGeom>
-          <a:noFill/>
-        </p:spPr>
-      </p:pic>
-    </p:spTree>
-    <p:extLst>
-      <p:ext uri="{BB962C8B-B14F-4D97-AF65-F5344CB8AC3E}">
-        <p14:creationId xmlns:p14="http://schemas.microsoft.com/office/powerpoint/2010/main" val="2591887164"/>
-      </p:ext>
-    </p:extLst>
-  </p:cSld>
-  <p:clrMapOvr>
-    <a:masterClrMapping/>
-  </p:clrMapOvr>
-</p:sld>
-</file>
-
-<file path=ppt/slides/slide19.xml><?xml version="1.0" encoding="utf-8"?>
-<p:sld xmlns:a="http://schemas.openxmlformats.org/drawingml/2006/main" xmlns:r="http://schemas.openxmlformats.org/officeDocument/2006/relationships" xmlns:p="http://schemas.openxmlformats.org/presentationml/2006/main">
-  <p:cSld>
-    <p:spTree>
-      <p:nvGrpSpPr>
-        <p:cNvPr id="1" name=""/>
-        <p:cNvGrpSpPr/>
-        <p:nvPr/>
-      </p:nvGrpSpPr>
-      <p:grpSpPr>
-        <a:xfrm>
-          <a:off x="0" y="0"/>
-          <a:ext cx="0" cy="0"/>
-          <a:chOff x="0" y="0"/>
-          <a:chExt cx="0" cy="0"/>
-        </a:xfrm>
-      </p:grpSpPr>
-      <p:sp>
-        <p:nvSpPr>
-          <p:cNvPr id="30723" name="Rectangle 3"/>
-          <p:cNvSpPr>
-            <a:spLocks noGrp="1" noChangeArrowheads="1"/>
-          </p:cNvSpPr>
-          <p:nvPr>
-            <p:ph type="body" idx="4294967295"/>
-          </p:nvPr>
-        </p:nvSpPr>
-        <p:spPr bwMode="auto">
-          <a:xfrm>
-            <a:off x="2285984" y="1214422"/>
-            <a:ext cx="6143641" cy="3643338"/>
-          </a:xfrm>
-          <a:prstGeom prst="rect">
-            <a:avLst/>
-          </a:prstGeom>
-          <a:ln>
-            <a:miter lim="800000"/>
-            <a:headEnd/>
-            <a:tailEnd/>
-          </a:ln>
-        </p:spPr>
-        <p:txBody>
-          <a:bodyPr/>
-          <a:lstStyle/>
-          <a:p>
-            <a:pPr marL="0" indent="0" algn="just">
-              <a:buFontTx/>
-              <a:buNone/>
-              <a:defRPr/>
-            </a:pPr>
-            <a:r>
-              <a:rPr lang="pt-BR" sz="1400" dirty="0">
-                <a:latin typeface="Verdana" pitchFamily="34" charset="0"/>
-              </a:rPr>
-              <a:t>“Mesmo com nosso mundo sendo diariamente transformado por inovações científicas e tecnológicas empolgantes, muita gente continua a conceber matemática e ciência como simples memorização de fórmulas para obter 'a resposta certa'. Mesmo a engenharia, que é o processo de criar algo a partir do zero ou juntar as coisas de uma forma nova e nada óbvia, é impressionante encarada como uma área mecânica e automática. Esse ponto de vista, com franqueza, só pode ser sustentado por pessoas que nunca aprenderam matemática ou ciências de fato, teimosamente instaladas em um dos lados certa entre ciências exatas e humanas. A verdade é que qualquer descoberta significativa em matemática, ciências ou engenharia é resultado de elevada intuição e criatividade. Isso é arte com outro nome(...).”</a:t>
-            </a:r>
-          </a:p>
-          <a:p>
-            <a:pPr algn="r">
-              <a:buFontTx/>
-              <a:buNone/>
-              <a:defRPr/>
-            </a:pPr>
-            <a:endParaRPr lang="pt-BR" sz="1400" dirty="0">
-              <a:latin typeface="Verdana" pitchFamily="34" charset="0"/>
-            </a:endParaRPr>
-          </a:p>
-          <a:p>
-            <a:pPr algn="r">
-              <a:buFontTx/>
-              <a:buNone/>
-              <a:defRPr/>
-            </a:pPr>
-            <a:r>
-              <a:rPr lang="pt-BR" sz="1400" dirty="0">
-                <a:latin typeface="Verdana" pitchFamily="34" charset="0"/>
-              </a:rPr>
-              <a:t>Salman Khan</a:t>
-            </a:r>
-          </a:p>
-        </p:txBody>
-      </p:sp>
-      <p:pic>
-        <p:nvPicPr>
-          <p:cNvPr id="1026" name="Picture 2" descr="http://upload.wikimedia.org/wikipedia/commons/thumb/d/d2/Salman_Khan_TED_2011.jpg/220px-Salman_Khan_TED_2011.jpg"/>
-          <p:cNvPicPr>
-            <a:picLocks noChangeAspect="1" noChangeArrowheads="1"/>
-          </p:cNvPicPr>
-          <p:nvPr/>
-        </p:nvPicPr>
-        <p:blipFill>
-          <a:blip r:embed="rId2" cstate="print"/>
-          <a:srcRect/>
-          <a:stretch>
-            <a:fillRect/>
-          </a:stretch>
-        </p:blipFill>
-        <p:spPr bwMode="auto">
-          <a:xfrm>
-            <a:off x="500034" y="1285860"/>
-            <a:ext cx="1688039" cy="2071685"/>
-          </a:xfrm>
-          <a:prstGeom prst="rect">
-            <a:avLst/>
-          </a:prstGeom>
-          <a:noFill/>
-        </p:spPr>
-      </p:pic>
-    </p:spTree>
-    <p:extLst>
-      <p:ext uri="{BB962C8B-B14F-4D97-AF65-F5344CB8AC3E}">
-        <p14:creationId xmlns:p14="http://schemas.microsoft.com/office/powerpoint/2010/main" val="1370242892"/>
-      </p:ext>
-    </p:extLst>
-  </p:cSld>
-  <p:clrMapOvr>
-    <a:masterClrMapping/>
-  </p:clrMapOvr>
-</p:sld>
-</file>
-
 <file path=ppt/slides/slide2.xml><?xml version="1.0" encoding="utf-8"?>
 <p:sld xmlns:a="http://schemas.openxmlformats.org/drawingml/2006/main" xmlns:r="http://schemas.openxmlformats.org/officeDocument/2006/relationships" xmlns:p="http://schemas.openxmlformats.org/presentationml/2006/main">
   <p:cSld>
@@ -6317,7 +5692,7 @@
               <a:pPr>
                 <a:defRPr/>
               </a:pPr>
-              <a:t>21/08/2017</a:t>
+              <a:t>28/02/2018</a:t>
             </a:fld>
             <a:endParaRPr lang="pt-BR" dirty="0"/>
           </a:p>
@@ -6651,7 +6026,7 @@
               <a:pPr>
                 <a:defRPr/>
               </a:pPr>
-              <a:t>21/08/2017</a:t>
+              <a:t>28/02/2018</a:t>
             </a:fld>
             <a:endParaRPr lang="pt-BR" dirty="0"/>
           </a:p>
@@ -6903,7 +6278,7 @@
               <a:pPr>
                 <a:defRPr/>
               </a:pPr>
-              <a:t>21/08/2017</a:t>
+              <a:t>28/02/2018</a:t>
             </a:fld>
             <a:endParaRPr lang="pt-BR" dirty="0"/>
           </a:p>
@@ -7274,7 +6649,7 @@
               <a:pPr>
                 <a:defRPr/>
               </a:pPr>
-              <a:t>21/08/2017</a:t>
+              <a:t>28/02/2018</a:t>
             </a:fld>
             <a:endParaRPr lang="pt-BR" dirty="0"/>
           </a:p>
@@ -7714,7 +7089,7 @@
               <a:pPr>
                 <a:defRPr/>
               </a:pPr>
-              <a:t>21/08/2017</a:t>
+              <a:t>28/02/2018</a:t>
             </a:fld>
             <a:endParaRPr lang="pt-BR" dirty="0"/>
           </a:p>
@@ -7941,7 +7316,7 @@
               <a:pPr>
                 <a:defRPr/>
               </a:pPr>
-              <a:t>21/08/2017</a:t>
+              <a:t>28/02/2018</a:t>
             </a:fld>
             <a:endParaRPr lang="pt-BR" dirty="0"/>
           </a:p>
@@ -8361,7 +7736,7 @@
           <a:graphicData uri="http://schemas.openxmlformats.org/presentationml/2006/ole">
             <mc:AlternateContent xmlns:mc="http://schemas.openxmlformats.org/markup-compatibility/2006">
               <mc:Choice xmlns:v="urn:schemas-microsoft-com:vml" Requires="v">
-                <p:oleObj spid="_x0000_s8276" name="Equação" r:id="rId3" imgW="2463480" imgH="393480" progId="Equation.3">
+                <p:oleObj spid="_x0000_s8280" name="Equação" r:id="rId3" imgW="2463480" imgH="393480" progId="Equation.3">
                   <p:embed/>
                 </p:oleObj>
               </mc:Choice>
@@ -8418,7 +7793,7 @@
           <a:graphicData uri="http://schemas.openxmlformats.org/presentationml/2006/ole">
             <mc:AlternateContent xmlns:mc="http://schemas.openxmlformats.org/markup-compatibility/2006">
               <mc:Choice xmlns:v="urn:schemas-microsoft-com:vml" Requires="v">
-                <p:oleObj spid="_x0000_s8277" name="Equação" r:id="rId5" imgW="1130040" imgH="622080" progId="Equation.3">
+                <p:oleObj spid="_x0000_s8281" name="Equação" r:id="rId5" imgW="1130040" imgH="622080" progId="Equation.3">
                   <p:embed/>
                 </p:oleObj>
               </mc:Choice>
@@ -8475,7 +7850,7 @@
           <a:graphicData uri="http://schemas.openxmlformats.org/presentationml/2006/ole">
             <mc:AlternateContent xmlns:mc="http://schemas.openxmlformats.org/markup-compatibility/2006">
               <mc:Choice xmlns:v="urn:schemas-microsoft-com:vml" Requires="v">
-                <p:oleObj spid="_x0000_s8278" name="Equação" r:id="rId7" imgW="1244520" imgH="431640" progId="Equation.3">
+                <p:oleObj spid="_x0000_s8282" name="Equação" r:id="rId7" imgW="1244520" imgH="431640" progId="Equation.3">
                   <p:embed/>
                 </p:oleObj>
               </mc:Choice>
@@ -8532,7 +7907,7 @@
           <a:graphicData uri="http://schemas.openxmlformats.org/presentationml/2006/ole">
             <mc:AlternateContent xmlns:mc="http://schemas.openxmlformats.org/markup-compatibility/2006">
               <mc:Choice xmlns:v="urn:schemas-microsoft-com:vml" Requires="v">
-                <p:oleObj spid="_x0000_s8279" name="Equação" r:id="rId9" imgW="1346040" imgH="393480" progId="Equation.3">
+                <p:oleObj spid="_x0000_s8283" name="Equação" r:id="rId9" imgW="1346040" imgH="393480" progId="Equation.3">
                   <p:embed/>
                 </p:oleObj>
               </mc:Choice>
@@ -8620,7 +7995,7 @@
               <a:pPr>
                 <a:defRPr/>
               </a:pPr>
-              <a:t>21/08/2017</a:t>
+              <a:t>28/02/2018</a:t>
             </a:fld>
             <a:endParaRPr lang="pt-BR" dirty="0"/>
           </a:p>
@@ -8896,7 +8271,7 @@
           <a:graphicData uri="http://schemas.openxmlformats.org/presentationml/2006/ole">
             <mc:AlternateContent xmlns:mc="http://schemas.openxmlformats.org/markup-compatibility/2006">
               <mc:Choice xmlns:v="urn:schemas-microsoft-com:vml" Requires="v">
-                <p:oleObj spid="_x0000_s9274" name="Equação" r:id="rId3" imgW="3466800" imgH="228600" progId="Equation.3">
+                <p:oleObj spid="_x0000_s9277" name="Equação" r:id="rId3" imgW="3466800" imgH="228600" progId="Equation.3">
                   <p:embed/>
                 </p:oleObj>
               </mc:Choice>
@@ -8953,7 +8328,7 @@
           <a:graphicData uri="http://schemas.openxmlformats.org/presentationml/2006/ole">
             <mc:AlternateContent xmlns:mc="http://schemas.openxmlformats.org/markup-compatibility/2006">
               <mc:Choice xmlns:v="urn:schemas-microsoft-com:vml" Requires="v">
-                <p:oleObj spid="_x0000_s9275" name="Equação" r:id="rId5" imgW="1218960" imgH="393480" progId="Equation.3">
+                <p:oleObj spid="_x0000_s9278" name="Equação" r:id="rId5" imgW="1218960" imgH="393480" progId="Equation.3">
                   <p:embed/>
                 </p:oleObj>
               </mc:Choice>
@@ -9010,7 +8385,7 @@
           <a:graphicData uri="http://schemas.openxmlformats.org/presentationml/2006/ole">
             <mc:AlternateContent xmlns:mc="http://schemas.openxmlformats.org/markup-compatibility/2006">
               <mc:Choice xmlns:v="urn:schemas-microsoft-com:vml" Requires="v">
-                <p:oleObj spid="_x0000_s9276" name="Equação" r:id="rId7" imgW="495000" imgH="228600" progId="Equation.3">
+                <p:oleObj spid="_x0000_s9279" name="Equação" r:id="rId7" imgW="495000" imgH="228600" progId="Equation.3">
                   <p:embed/>
                 </p:oleObj>
               </mc:Choice>
@@ -9098,7 +8473,7 @@
               <a:pPr>
                 <a:defRPr/>
               </a:pPr>
-              <a:t>21/08/2017</a:t>
+              <a:t>28/02/2018</a:t>
             </a:fld>
             <a:endParaRPr lang="pt-BR" dirty="0"/>
           </a:p>

--- a/MÓDULOS DE AULA/Módulo 00 - Apresentação da Disciplina_GERAL.pptx
+++ b/MÓDULOS DE AULA/Módulo 00 - Apresentação da Disciplina_GERAL.pptx
@@ -5,10 +5,10 @@
     <p:sldMasterId id="2147483648" r:id="rId1"/>
   </p:sldMasterIdLst>
   <p:notesMasterIdLst>
-    <p:notesMasterId r:id="rId17"/>
+    <p:notesMasterId r:id="rId15"/>
   </p:notesMasterIdLst>
   <p:handoutMasterIdLst>
-    <p:handoutMasterId r:id="rId18"/>
+    <p:handoutMasterId r:id="rId16"/>
   </p:handoutMasterIdLst>
   <p:sldIdLst>
     <p:sldId id="385" r:id="rId2"/>
@@ -20,12 +20,10 @@
     <p:sldId id="431" r:id="rId8"/>
     <p:sldId id="432" r:id="rId9"/>
     <p:sldId id="433" r:id="rId10"/>
-    <p:sldId id="434" r:id="rId11"/>
-    <p:sldId id="435" r:id="rId12"/>
-    <p:sldId id="436" r:id="rId13"/>
-    <p:sldId id="437" r:id="rId14"/>
-    <p:sldId id="438" r:id="rId15"/>
-    <p:sldId id="441" r:id="rId16"/>
+    <p:sldId id="436" r:id="rId11"/>
+    <p:sldId id="437" r:id="rId12"/>
+    <p:sldId id="438" r:id="rId13"/>
+    <p:sldId id="441" r:id="rId14"/>
   </p:sldIdLst>
   <p:sldSz cx="9144000" cy="6858000" type="screen4x3"/>
   <p:notesSz cx="7104063" cy="10234613"/>
@@ -2943,7 +2941,7 @@
             <a:pPr>
               <a:defRPr/>
             </a:pPr>
-            <a:fld id="{8CBB5416-059D-4998-BF06-CA0A87FA1185}" type="slidenum">
+            <a:fld id="{CCF7F4CE-2FE1-469C-B86D-2B2AE944AA62}" type="slidenum">
               <a:rPr lang="pt-BR" smtClean="0"/>
               <a:pPr>
                 <a:defRPr/>
@@ -2964,8 +2962,8 @@
         </p:nvSpPr>
         <p:spPr bwMode="auto">
           <a:xfrm>
-            <a:off x="990600" y="1349375"/>
-            <a:ext cx="6934200" cy="3970318"/>
+            <a:off x="1071563" y="1285875"/>
+            <a:ext cx="6934200" cy="1816100"/>
           </a:xfrm>
           <a:prstGeom prst="rect">
             <a:avLst/>
@@ -2985,32 +2983,56 @@
           </a:bodyPr>
           <a:lstStyle/>
           <a:p>
+            <a:pPr>
+              <a:defRPr/>
+            </a:pPr>
+            <a:r>
+              <a:rPr lang="pt-BR" sz="1600" dirty="0">
+                <a:effectLst>
+                  <a:outerShdw blurRad="38100" dist="38100" dir="2700000" algn="tl">
+                    <a:srgbClr val="C0C0C0"/>
+                  </a:outerShdw>
+                </a:effectLst>
+                <a:latin typeface="Verdana" pitchFamily="34" charset="0"/>
+                <a:cs typeface="Times New Roman" pitchFamily="18" charset="0"/>
+              </a:rPr>
+              <a:t>  </a:t>
+            </a:r>
+            <a:endParaRPr lang="pt-BR" sz="1600" b="1" dirty="0"/>
+          </a:p>
+          <a:p>
+            <a:pPr>
+              <a:defRPr/>
+            </a:pPr>
+            <a:r>
+              <a:rPr lang="pt-BR" sz="1600" b="1" dirty="0"/>
+              <a:t> </a:t>
+            </a:r>
+          </a:p>
+          <a:p>
+            <a:pPr>
+              <a:defRPr/>
+            </a:pPr>
+            <a:r>
+              <a:rPr lang="pt-BR" sz="1600" b="1" dirty="0"/>
+              <a:t> </a:t>
+            </a:r>
+          </a:p>
+          <a:p>
             <a:pPr algn="just">
               <a:buFontTx/>
               <a:buChar char="•"/>
               <a:defRPr/>
             </a:pPr>
-            <a:r>
-              <a:rPr lang="pt-BR" sz="1800" dirty="0">
-                <a:latin typeface="Verdana" pitchFamily="34" charset="0"/>
-                <a:cs typeface="Times New Roman" pitchFamily="18" charset="0"/>
-              </a:rPr>
-              <a:t> Lista de exercícios realizada no URI Online </a:t>
-            </a:r>
-            <a:r>
-              <a:rPr lang="pt-BR" sz="1800" dirty="0" err="1">
-                <a:latin typeface="Verdana" pitchFamily="34" charset="0"/>
-                <a:cs typeface="Times New Roman" pitchFamily="18" charset="0"/>
-              </a:rPr>
-              <a:t>Judge</a:t>
-            </a:r>
-            <a:r>
-              <a:rPr lang="pt-BR" sz="1800" dirty="0">
-                <a:latin typeface="Verdana" pitchFamily="34" charset="0"/>
-                <a:cs typeface="Times New Roman" pitchFamily="18" charset="0"/>
-              </a:rPr>
-              <a:t>:</a:t>
-            </a:r>
+            <a:endParaRPr lang="pt-BR" sz="1600" dirty="0">
+              <a:effectLst>
+                <a:outerShdw blurRad="38100" dist="38100" dir="2700000" algn="tl">
+                  <a:srgbClr val="C0C0C0"/>
+                </a:outerShdw>
+              </a:effectLst>
+              <a:latin typeface="Verdana" pitchFamily="34" charset="0"/>
+              <a:cs typeface="Times New Roman" pitchFamily="18" charset="0"/>
+            </a:endParaRPr>
           </a:p>
           <a:p>
             <a:pPr algn="just">
@@ -3018,252 +3040,53 @@
               <a:buChar char="•"/>
               <a:defRPr/>
             </a:pPr>
-            <a:endParaRPr lang="pt-BR" sz="1800" dirty="0">
+            <a:endParaRPr lang="pt-BR" sz="1600" dirty="0">
+              <a:effectLst>
+                <a:outerShdw blurRad="38100" dist="38100" dir="2700000" algn="tl">
+                  <a:srgbClr val="C0C0C0"/>
+                </a:outerShdw>
+              </a:effectLst>
               <a:latin typeface="Verdana" pitchFamily="34" charset="0"/>
               <a:cs typeface="Times New Roman" pitchFamily="18" charset="0"/>
             </a:endParaRPr>
           </a:p>
           <a:p>
-            <a:pPr lvl="1" algn="just">
-              <a:buFont typeface="Wingdings" pitchFamily="2" charset="2"/>
-              <a:buChar char="ü"/>
-              <a:defRPr/>
-            </a:pPr>
-            <a:r>
-              <a:rPr lang="pt-BR" sz="1800" dirty="0">
-                <a:latin typeface="Verdana" pitchFamily="34" charset="0"/>
-                <a:cs typeface="Times New Roman" pitchFamily="18" charset="0"/>
-              </a:rPr>
-              <a:t> http://bit.ly/1KyUOgf</a:t>
-            </a:r>
-          </a:p>
-          <a:p>
-            <a:pPr lvl="1" algn="just">
-              <a:buFont typeface="Wingdings" pitchFamily="2" charset="2"/>
-              <a:buChar char="ü"/>
-              <a:defRPr/>
-            </a:pPr>
-            <a:endParaRPr lang="pt-BR" sz="1800" dirty="0">
+            <a:pPr algn="just">
+              <a:buFontTx/>
+              <a:buChar char="•"/>
+              <a:defRPr/>
+            </a:pPr>
+            <a:endParaRPr lang="pt-BR" sz="1600" dirty="0">
+              <a:effectLst>
+                <a:outerShdw blurRad="38100" dist="38100" dir="2700000" algn="tl">
+                  <a:srgbClr val="C0C0C0"/>
+                </a:outerShdw>
+              </a:effectLst>
               <a:latin typeface="Verdana" pitchFamily="34" charset="0"/>
               <a:cs typeface="Times New Roman" pitchFamily="18" charset="0"/>
             </a:endParaRPr>
           </a:p>
           <a:p>
-            <a:pPr lvl="1" algn="just">
-              <a:buFont typeface="Wingdings" pitchFamily="2" charset="2"/>
-              <a:buChar char="ü"/>
-              <a:defRPr/>
-            </a:pPr>
-            <a:r>
-              <a:rPr lang="pt-BR" sz="1800" dirty="0">
-                <a:latin typeface="Verdana" pitchFamily="34" charset="0"/>
-                <a:cs typeface="Times New Roman" pitchFamily="18" charset="0"/>
-              </a:rPr>
-              <a:t> Vocês precisam fazer um cadastro na </a:t>
-            </a:r>
-            <a:r>
-              <a:rPr lang="pt-BR" sz="1800" dirty="0" err="1">
-                <a:latin typeface="Verdana" pitchFamily="34" charset="0"/>
-                <a:cs typeface="Times New Roman" pitchFamily="18" charset="0"/>
-              </a:rPr>
-              <a:t>platafrma</a:t>
-            </a:r>
-            <a:r>
-              <a:rPr lang="pt-BR" sz="1800" dirty="0">
-                <a:latin typeface="Verdana" pitchFamily="34" charset="0"/>
-                <a:cs typeface="Times New Roman" pitchFamily="18" charset="0"/>
-              </a:rPr>
-              <a:t> e submeter os </a:t>
-            </a:r>
-            <a:r>
-              <a:rPr lang="pt-BR" sz="1800" dirty="0" err="1">
-                <a:latin typeface="Verdana" pitchFamily="34" charset="0"/>
-                <a:cs typeface="Times New Roman" pitchFamily="18" charset="0"/>
-              </a:rPr>
-              <a:t>IDs</a:t>
-            </a:r>
-            <a:r>
-              <a:rPr lang="pt-BR" sz="1800" dirty="0">
-                <a:latin typeface="Verdana" pitchFamily="34" charset="0"/>
-                <a:cs typeface="Times New Roman" pitchFamily="18" charset="0"/>
-              </a:rPr>
-              <a:t> de vocês via </a:t>
-            </a:r>
-            <a:r>
-              <a:rPr lang="pt-BR" sz="1800" dirty="0" err="1">
-                <a:latin typeface="Verdana" pitchFamily="34" charset="0"/>
-                <a:cs typeface="Times New Roman" pitchFamily="18" charset="0"/>
-              </a:rPr>
-              <a:t>Moodle</a:t>
-            </a:r>
-            <a:r>
-              <a:rPr lang="pt-BR" sz="1800" dirty="0">
-                <a:latin typeface="Verdana" pitchFamily="34" charset="0"/>
-                <a:cs typeface="Times New Roman" pitchFamily="18" charset="0"/>
-              </a:rPr>
-              <a:t>.</a:t>
-            </a:r>
-          </a:p>
-          <a:p>
-            <a:pPr lvl="1" algn="just">
-              <a:defRPr/>
-            </a:pPr>
-            <a:endParaRPr lang="pt-BR" sz="1800" dirty="0">
+            <a:pPr algn="just">
+              <a:buFontTx/>
+              <a:buChar char="•"/>
+              <a:defRPr/>
+            </a:pPr>
+            <a:endParaRPr lang="pt-BR" sz="1600" dirty="0">
+              <a:effectLst>
+                <a:outerShdw blurRad="38100" dist="38100" dir="2700000" algn="tl">
+                  <a:srgbClr val="C0C0C0"/>
+                </a:outerShdw>
+              </a:effectLst>
               <a:latin typeface="Verdana" pitchFamily="34" charset="0"/>
               <a:cs typeface="Times New Roman" pitchFamily="18" charset="0"/>
             </a:endParaRPr>
           </a:p>
-          <a:p>
-            <a:pPr algn="just">
-              <a:buFontTx/>
-              <a:buChar char="•"/>
-              <a:defRPr/>
-            </a:pPr>
-            <a:r>
-              <a:rPr lang="pt-BR" sz="1800" dirty="0">
-                <a:latin typeface="Verdana" pitchFamily="34" charset="0"/>
-                <a:cs typeface="Times New Roman" pitchFamily="18" charset="0"/>
-              </a:rPr>
-              <a:t> URI Online Judge será utilizado para arredondar a </a:t>
-            </a:r>
-            <a:r>
-              <a:rPr lang="pt-BR" sz="1800" b="1">
-                <a:latin typeface="Verdana" pitchFamily="34" charset="0"/>
-                <a:cs typeface="Times New Roman" pitchFamily="18" charset="0"/>
-              </a:rPr>
-              <a:t>Média Teórica </a:t>
-            </a:r>
-            <a:r>
-              <a:rPr lang="pt-BR" sz="1800" dirty="0">
-                <a:latin typeface="Verdana" pitchFamily="34" charset="0"/>
-                <a:cs typeface="Times New Roman" pitchFamily="18" charset="0"/>
-              </a:rPr>
-              <a:t>em até ½ ponto.</a:t>
-            </a:r>
-          </a:p>
-          <a:p>
-            <a:pPr algn="just">
-              <a:buFontTx/>
-              <a:buChar char="•"/>
-              <a:defRPr/>
-            </a:pPr>
-            <a:endParaRPr lang="pt-BR" sz="1800" dirty="0">
-              <a:latin typeface="Verdana" pitchFamily="34" charset="0"/>
-              <a:cs typeface="Times New Roman" pitchFamily="18" charset="0"/>
-            </a:endParaRPr>
-          </a:p>
-          <a:p>
-            <a:pPr algn="just">
-              <a:buFontTx/>
-              <a:buChar char="•"/>
-              <a:defRPr/>
-            </a:pPr>
-            <a:r>
-              <a:rPr lang="pt-BR" sz="1800" dirty="0">
-                <a:latin typeface="Verdana" pitchFamily="34" charset="0"/>
-                <a:cs typeface="Times New Roman" pitchFamily="18" charset="0"/>
-              </a:rPr>
-              <a:t> Listas de exercícios não obrigatórios e exercícios esporádicos:</a:t>
-            </a:r>
-          </a:p>
-          <a:p>
-            <a:pPr algn="just">
-              <a:buFontTx/>
-              <a:buChar char="•"/>
-              <a:defRPr/>
-            </a:pPr>
-            <a:endParaRPr lang="pt-BR" sz="1800" dirty="0">
-              <a:latin typeface="Verdana" pitchFamily="34" charset="0"/>
-              <a:cs typeface="Times New Roman" pitchFamily="18" charset="0"/>
-            </a:endParaRPr>
-          </a:p>
-          <a:p>
-            <a:pPr lvl="1" algn="just">
-              <a:buFont typeface="Wingdings" pitchFamily="2" charset="2"/>
-              <a:buChar char="ü"/>
-              <a:defRPr/>
-            </a:pPr>
-            <a:r>
-              <a:rPr lang="pt-BR" sz="1800" dirty="0">
-                <a:latin typeface="Verdana" pitchFamily="34" charset="0"/>
-                <a:cs typeface="Times New Roman" pitchFamily="18" charset="0"/>
-              </a:rPr>
-              <a:t> O aluno é livre para fazer ou não.</a:t>
-            </a:r>
-          </a:p>
-        </p:txBody>
-      </p:sp>
-      <p:sp>
-        <p:nvSpPr>
-          <p:cNvPr id="2055" name="Rectangle 5"/>
-          <p:cNvSpPr>
-            <a:spLocks noChangeArrowheads="1"/>
-          </p:cNvSpPr>
-          <p:nvPr/>
-        </p:nvSpPr>
-        <p:spPr bwMode="auto">
-          <a:xfrm>
-            <a:off x="0" y="0"/>
-            <a:ext cx="9144000" cy="0"/>
-          </a:xfrm>
-          <a:prstGeom prst="rect">
-            <a:avLst/>
-          </a:prstGeom>
-          <a:noFill/>
-          <a:ln w="9525">
-            <a:noFill/>
-            <a:miter lim="800000"/>
-            <a:headEnd/>
-            <a:tailEnd/>
-          </a:ln>
-        </p:spPr>
-        <p:txBody>
-          <a:bodyPr wrap="none" anchor="ctr">
-            <a:spAutoFit/>
-          </a:bodyPr>
-          <a:lstStyle/>
-          <a:p>
-            <a:endParaRPr lang="pt-BR"/>
-          </a:p>
-        </p:txBody>
-      </p:sp>
-      <p:sp>
-        <p:nvSpPr>
-          <p:cNvPr id="2056" name="Rectangle 8"/>
-          <p:cNvSpPr>
-            <a:spLocks noChangeArrowheads="1"/>
-          </p:cNvSpPr>
-          <p:nvPr/>
-        </p:nvSpPr>
-        <p:spPr bwMode="auto">
-          <a:xfrm>
-            <a:off x="0" y="0"/>
-            <a:ext cx="9144000" cy="0"/>
-          </a:xfrm>
-          <a:prstGeom prst="rect">
-            <a:avLst/>
-          </a:prstGeom>
-          <a:noFill/>
-          <a:ln w="9525">
-            <a:noFill/>
-            <a:miter lim="800000"/>
-            <a:headEnd/>
-            <a:tailEnd/>
-          </a:ln>
-        </p:spPr>
-        <p:txBody>
-          <a:bodyPr wrap="none" anchor="ctr">
-            <a:spAutoFit/>
-          </a:bodyPr>
-          <a:lstStyle/>
-          <a:p>
-            <a:endParaRPr lang="pt-BR"/>
-          </a:p>
-        </p:txBody>
-      </p:sp>
-      <p:sp>
-        <p:nvSpPr>
-          <p:cNvPr id="8" name="Text Box 2051"/>
+        </p:txBody>
+      </p:sp>
+      <p:sp>
+        <p:nvSpPr>
+          <p:cNvPr id="6" name="Text Box 2051"/>
           <p:cNvSpPr txBox="1">
             <a:spLocks noChangeArrowheads="1"/>
           </p:cNvSpPr>
@@ -3299,15 +3122,365 @@
               <a:rPr lang="pt-BR" sz="1800" b="1" dirty="0">
                 <a:latin typeface="Verdana" pitchFamily="34" charset="0"/>
               </a:rPr>
-              <a:t>3. Avaliação</a:t>
-            </a:r>
+              <a:t>5. Calendário Acadêmico</a:t>
+            </a:r>
+          </a:p>
+        </p:txBody>
+      </p:sp>
+      <p:sp>
+        <p:nvSpPr>
+          <p:cNvPr id="12294" name="Rectangle 5"/>
+          <p:cNvSpPr>
+            <a:spLocks noChangeArrowheads="1"/>
+          </p:cNvSpPr>
+          <p:nvPr/>
+        </p:nvSpPr>
+        <p:spPr bwMode="auto">
+          <a:xfrm>
+            <a:off x="0" y="0"/>
+            <a:ext cx="9144000" cy="0"/>
+          </a:xfrm>
+          <a:prstGeom prst="rect">
+            <a:avLst/>
+          </a:prstGeom>
+          <a:noFill/>
+          <a:ln w="9525">
+            <a:noFill/>
+            <a:miter lim="800000"/>
+            <a:headEnd/>
+            <a:tailEnd/>
+          </a:ln>
+        </p:spPr>
+        <p:txBody>
+          <a:bodyPr wrap="none" anchor="ctr">
+            <a:spAutoFit/>
+          </a:bodyPr>
+          <a:lstStyle/>
+          <a:p>
+            <a:endParaRPr lang="pt-BR"/>
+          </a:p>
+        </p:txBody>
+      </p:sp>
+      <p:sp>
+        <p:nvSpPr>
+          <p:cNvPr id="12295" name="Rectangle 8"/>
+          <p:cNvSpPr>
+            <a:spLocks noChangeArrowheads="1"/>
+          </p:cNvSpPr>
+          <p:nvPr/>
+        </p:nvSpPr>
+        <p:spPr bwMode="auto">
+          <a:xfrm>
+            <a:off x="0" y="0"/>
+            <a:ext cx="9144000" cy="0"/>
+          </a:xfrm>
+          <a:prstGeom prst="rect">
+            <a:avLst/>
+          </a:prstGeom>
+          <a:noFill/>
+          <a:ln w="9525">
+            <a:noFill/>
+            <a:miter lim="800000"/>
+            <a:headEnd/>
+            <a:tailEnd/>
+          </a:ln>
+        </p:spPr>
+        <p:txBody>
+          <a:bodyPr wrap="none" anchor="ctr">
+            <a:spAutoFit/>
+          </a:bodyPr>
+          <a:lstStyle/>
+          <a:p>
+            <a:endParaRPr lang="pt-BR"/>
+          </a:p>
+        </p:txBody>
+      </p:sp>
+      <p:sp>
+        <p:nvSpPr>
+          <p:cNvPr id="12296" name="Rectangle 3"/>
+          <p:cNvSpPr>
+            <a:spLocks noChangeArrowheads="1"/>
+          </p:cNvSpPr>
+          <p:nvPr/>
+        </p:nvSpPr>
+        <p:spPr bwMode="auto">
+          <a:xfrm>
+            <a:off x="0" y="0"/>
+            <a:ext cx="9144000" cy="457200"/>
+          </a:xfrm>
+          <a:prstGeom prst="rect">
+            <a:avLst/>
+          </a:prstGeom>
+          <a:noFill/>
+          <a:ln w="9525">
+            <a:noFill/>
+            <a:miter lim="800000"/>
+            <a:headEnd/>
+            <a:tailEnd/>
+          </a:ln>
+        </p:spPr>
+        <p:txBody>
+          <a:bodyPr wrap="none" anchor="ctr">
+            <a:spAutoFit/>
+          </a:bodyPr>
+          <a:lstStyle/>
+          <a:p>
+            <a:endParaRPr lang="pt-BR"/>
+          </a:p>
+        </p:txBody>
+      </p:sp>
+      <p:sp>
+        <p:nvSpPr>
+          <p:cNvPr id="12297" name="Rectangle 5"/>
+          <p:cNvSpPr>
+            <a:spLocks noChangeArrowheads="1"/>
+          </p:cNvSpPr>
+          <p:nvPr/>
+        </p:nvSpPr>
+        <p:spPr bwMode="auto">
+          <a:xfrm>
+            <a:off x="0" y="5029200"/>
+            <a:ext cx="9144000" cy="0"/>
+          </a:xfrm>
+          <a:prstGeom prst="rect">
+            <a:avLst/>
+          </a:prstGeom>
+          <a:noFill/>
+          <a:ln w="9525">
+            <a:noFill/>
+            <a:miter lim="800000"/>
+            <a:headEnd/>
+            <a:tailEnd/>
+          </a:ln>
+        </p:spPr>
+        <p:txBody>
+          <a:bodyPr wrap="none" anchor="ctr">
+            <a:spAutoFit/>
+          </a:bodyPr>
+          <a:lstStyle/>
+          <a:p>
+            <a:pPr eaLnBrk="0" hangingPunct="0"/>
+            <a:endParaRPr lang="pt-BR"/>
+          </a:p>
+        </p:txBody>
+      </p:sp>
+      <p:sp>
+        <p:nvSpPr>
+          <p:cNvPr id="11" name="Text Box 2052">
+            <a:extLst>
+              <a:ext uri="{FF2B5EF4-FFF2-40B4-BE49-F238E27FC236}">
+                <a16:creationId xmlns:a16="http://schemas.microsoft.com/office/drawing/2014/main" id="{ACD7EA1E-7EE6-424F-9D70-94D08C3C863D}"/>
+              </a:ext>
+            </a:extLst>
+          </p:cNvPr>
+          <p:cNvSpPr txBox="1">
+            <a:spLocks noChangeArrowheads="1"/>
+          </p:cNvSpPr>
+          <p:nvPr/>
+        </p:nvSpPr>
+        <p:spPr bwMode="auto">
+          <a:xfrm>
+            <a:off x="989355" y="1349645"/>
+            <a:ext cx="6934200" cy="4031873"/>
+          </a:xfrm>
+          <a:prstGeom prst="rect">
+            <a:avLst/>
+          </a:prstGeom>
+          <a:noFill/>
+          <a:ln w="9525">
+            <a:noFill/>
+            <a:miter lim="800000"/>
+            <a:headEnd/>
+            <a:tailEnd/>
+          </a:ln>
+          <a:effectLst/>
+        </p:spPr>
+        <p:txBody>
+          <a:bodyPr>
+            <a:spAutoFit/>
+          </a:bodyPr>
+          <a:lstStyle/>
+          <a:p>
+            <a:pPr algn="just">
+              <a:buFontTx/>
+              <a:buChar char="•"/>
+              <a:defRPr/>
+            </a:pPr>
+            <a:r>
+              <a:rPr lang="pt-BR" sz="1600" dirty="0">
+                <a:latin typeface="Verdana" pitchFamily="34" charset="0"/>
+                <a:cs typeface="Times New Roman" pitchFamily="18" charset="0"/>
+              </a:rPr>
+              <a:t> Primeiro dia de aula: 05/03</a:t>
+            </a:r>
+          </a:p>
+          <a:p>
+            <a:pPr algn="just">
+              <a:buFontTx/>
+              <a:buChar char="•"/>
+              <a:defRPr/>
+            </a:pPr>
+            <a:endParaRPr lang="pt-BR" sz="1600" dirty="0">
+              <a:latin typeface="Verdana" pitchFamily="34" charset="0"/>
+              <a:cs typeface="Times New Roman" pitchFamily="18" charset="0"/>
+            </a:endParaRPr>
+          </a:p>
+          <a:p>
+            <a:pPr algn="just">
+              <a:buFontTx/>
+              <a:buChar char="•"/>
+              <a:defRPr/>
+            </a:pPr>
+            <a:r>
+              <a:rPr lang="pt-BR" sz="1600" dirty="0">
+                <a:latin typeface="Verdana" pitchFamily="34" charset="0"/>
+                <a:cs typeface="Times New Roman" pitchFamily="18" charset="0"/>
+              </a:rPr>
+              <a:t> Último dia de aula: 06/07</a:t>
+            </a:r>
+          </a:p>
+          <a:p>
+            <a:pPr algn="just">
+              <a:defRPr/>
+            </a:pPr>
+            <a:endParaRPr lang="pt-BR" sz="1600" dirty="0">
+              <a:latin typeface="Verdana" pitchFamily="34" charset="0"/>
+              <a:cs typeface="Times New Roman" pitchFamily="18" charset="0"/>
+            </a:endParaRPr>
+          </a:p>
+          <a:p>
+            <a:pPr algn="just">
+              <a:buFontTx/>
+              <a:buChar char="•"/>
+              <a:defRPr/>
+            </a:pPr>
+            <a:r>
+              <a:rPr lang="pt-BR" sz="1600" dirty="0">
+                <a:latin typeface="Verdana" pitchFamily="34" charset="0"/>
+                <a:cs typeface="Times New Roman" pitchFamily="18" charset="0"/>
+              </a:rPr>
+              <a:t> Turma E</a:t>
+            </a:r>
+          </a:p>
+          <a:p>
+            <a:pPr algn="just">
+              <a:buFontTx/>
+              <a:buChar char="•"/>
+              <a:defRPr/>
+            </a:pPr>
+            <a:endParaRPr lang="pt-BR" sz="1600" dirty="0">
+              <a:latin typeface="Verdana" pitchFamily="34" charset="0"/>
+              <a:cs typeface="Times New Roman" pitchFamily="18" charset="0"/>
+            </a:endParaRPr>
+          </a:p>
+          <a:p>
+            <a:pPr lvl="1" algn="just">
+              <a:buFont typeface="Wingdings" pitchFamily="2" charset="2"/>
+              <a:buChar char="ü"/>
+              <a:defRPr/>
+            </a:pPr>
+            <a:r>
+              <a:rPr lang="pt-BR" sz="1600" dirty="0">
+                <a:latin typeface="Verdana" pitchFamily="34" charset="0"/>
+                <a:cs typeface="Times New Roman" pitchFamily="18" charset="0"/>
+              </a:rPr>
+              <a:t> Prova 1: 02/05</a:t>
+            </a:r>
+          </a:p>
+          <a:p>
+            <a:pPr lvl="2" algn="just">
+              <a:defRPr/>
+            </a:pPr>
+            <a:endParaRPr lang="pt-BR" sz="1600" dirty="0">
+              <a:latin typeface="Verdana" pitchFamily="34" charset="0"/>
+              <a:cs typeface="Times New Roman" pitchFamily="18" charset="0"/>
+            </a:endParaRPr>
+          </a:p>
+          <a:p>
+            <a:pPr lvl="1" algn="just">
+              <a:buFont typeface="Wingdings" pitchFamily="2" charset="2"/>
+              <a:buChar char="ü"/>
+              <a:defRPr/>
+            </a:pPr>
+            <a:r>
+              <a:rPr lang="pt-BR" sz="1600" dirty="0">
+                <a:latin typeface="Verdana" pitchFamily="34" charset="0"/>
+                <a:cs typeface="Times New Roman" pitchFamily="18" charset="0"/>
+              </a:rPr>
+              <a:t> Prova 2 e Trabalho: 29/06</a:t>
+            </a:r>
+          </a:p>
+          <a:p>
+            <a:pPr lvl="1" algn="just">
+              <a:buFont typeface="Wingdings" pitchFamily="2" charset="2"/>
+              <a:buChar char="ü"/>
+              <a:defRPr/>
+            </a:pPr>
+            <a:endParaRPr lang="pt-BR" sz="1600" dirty="0">
+              <a:latin typeface="Verdana" pitchFamily="34" charset="0"/>
+              <a:cs typeface="Times New Roman" pitchFamily="18" charset="0"/>
+            </a:endParaRPr>
+          </a:p>
+          <a:p>
+            <a:pPr lvl="1" algn="just">
+              <a:buFont typeface="Wingdings" pitchFamily="2" charset="2"/>
+              <a:buChar char="ü"/>
+              <a:defRPr/>
+            </a:pPr>
+            <a:r>
+              <a:rPr lang="pt-BR" sz="1600" dirty="0">
+                <a:latin typeface="Verdana" pitchFamily="34" charset="0"/>
+                <a:cs typeface="Times New Roman" pitchFamily="18" charset="0"/>
+              </a:rPr>
+              <a:t> Prova substitutiva: 02/07</a:t>
+            </a:r>
+          </a:p>
+          <a:p>
+            <a:pPr algn="just">
+              <a:buFontTx/>
+              <a:buChar char="•"/>
+              <a:defRPr/>
+            </a:pPr>
+            <a:endParaRPr lang="pt-BR" sz="1600" dirty="0">
+              <a:latin typeface="Verdana" pitchFamily="34" charset="0"/>
+              <a:cs typeface="Times New Roman" pitchFamily="18" charset="0"/>
+              <a:sym typeface="Wingdings" pitchFamily="2" charset="2"/>
+            </a:endParaRPr>
+          </a:p>
+          <a:p>
+            <a:pPr lvl="2" algn="just">
+              <a:buFont typeface="Wingdings" pitchFamily="2" charset="2"/>
+              <a:buChar char="Ø"/>
+              <a:defRPr/>
+            </a:pPr>
+            <a:r>
+              <a:rPr lang="pt-BR" sz="1600" dirty="0">
+                <a:solidFill>
+                  <a:srgbClr val="C00000"/>
+                </a:solidFill>
+                <a:latin typeface="Verdana" pitchFamily="34" charset="0"/>
+                <a:cs typeface="Times New Roman" pitchFamily="18" charset="0"/>
+              </a:rPr>
+              <a:t> Só fará a prova substitutiva o aluno que faltar a alguma das Provas 1 ou 2. Esta prova substituirá apenas uma das nota.</a:t>
+            </a:r>
+          </a:p>
+          <a:p>
+            <a:pPr algn="just">
+              <a:buFontTx/>
+              <a:buChar char="•"/>
+              <a:defRPr/>
+            </a:pPr>
+            <a:endParaRPr lang="pt-BR" sz="1600" dirty="0">
+              <a:latin typeface="Verdana" pitchFamily="34" charset="0"/>
+              <a:cs typeface="Times New Roman" pitchFamily="18" charset="0"/>
+            </a:endParaRPr>
           </a:p>
         </p:txBody>
       </p:sp>
     </p:spTree>
     <p:extLst>
       <p:ext uri="{BB962C8B-B14F-4D97-AF65-F5344CB8AC3E}">
-        <p14:creationId xmlns:p14="http://schemas.microsoft.com/office/powerpoint/2010/main" val="2113793452"/>
+        <p14:creationId xmlns:p14="http://schemas.microsoft.com/office/powerpoint/2010/main" val="479949683"/>
       </p:ext>
     </p:extLst>
   </p:cSld>
@@ -3381,7 +3554,7 @@
             <a:pPr>
               <a:defRPr/>
             </a:pPr>
-            <a:fld id="{01246964-200D-45DF-BE7D-ECBA5C3B4056}" type="slidenum">
+            <a:fld id="{EE3FD203-000D-4E59-A3A7-5A7E1F53CF66}" type="slidenum">
               <a:rPr lang="pt-BR" smtClean="0"/>
               <a:pPr>
                 <a:defRPr/>
@@ -3389,409 +3562,6 @@
               <a:t>11</a:t>
             </a:fld>
             <a:endParaRPr lang="pt-BR"/>
-          </a:p>
-        </p:txBody>
-      </p:sp>
-      <p:sp>
-        <p:nvSpPr>
-          <p:cNvPr id="5" name="Text Box 2052"/>
-          <p:cNvSpPr txBox="1">
-            <a:spLocks noChangeArrowheads="1"/>
-          </p:cNvSpPr>
-          <p:nvPr/>
-        </p:nvSpPr>
-        <p:spPr bwMode="auto">
-          <a:xfrm>
-            <a:off x="1071563" y="1285875"/>
-            <a:ext cx="6934200" cy="4031873"/>
-          </a:xfrm>
-          <a:prstGeom prst="rect">
-            <a:avLst/>
-          </a:prstGeom>
-          <a:noFill/>
-          <a:ln w="9525">
-            <a:noFill/>
-            <a:miter lim="800000"/>
-            <a:headEnd/>
-            <a:tailEnd/>
-          </a:ln>
-          <a:effectLst/>
-        </p:spPr>
-        <p:txBody>
-          <a:bodyPr>
-            <a:spAutoFit/>
-          </a:bodyPr>
-          <a:lstStyle/>
-          <a:p>
-            <a:pPr algn="just">
-              <a:buFontTx/>
-              <a:buChar char="•"/>
-              <a:defRPr/>
-            </a:pPr>
-            <a:r>
-              <a:rPr lang="pt-BR" sz="1600" dirty="0">
-                <a:latin typeface="Verdana" pitchFamily="34" charset="0"/>
-                <a:cs typeface="Times New Roman" pitchFamily="18" charset="0"/>
-              </a:rPr>
-              <a:t>  A avaliação do desempenho acadêmico dos alunos é feita a partir:</a:t>
-            </a:r>
-          </a:p>
-          <a:p>
-            <a:pPr algn="just">
-              <a:buFontTx/>
-              <a:buChar char="•"/>
-              <a:defRPr/>
-            </a:pPr>
-            <a:endParaRPr lang="pt-BR" sz="1600" dirty="0">
-              <a:latin typeface="Verdana" pitchFamily="34" charset="0"/>
-              <a:cs typeface="Times New Roman" pitchFamily="18" charset="0"/>
-            </a:endParaRPr>
-          </a:p>
-          <a:p>
-            <a:pPr lvl="1" algn="just">
-              <a:buFont typeface="Wingdings" pitchFamily="2" charset="2"/>
-              <a:buChar char="ü"/>
-              <a:defRPr/>
-            </a:pPr>
-            <a:r>
-              <a:rPr lang="pt-BR" sz="1600" dirty="0">
-                <a:latin typeface="Verdana" pitchFamily="34" charset="0"/>
-                <a:cs typeface="Times New Roman" pitchFamily="18" charset="0"/>
-              </a:rPr>
-              <a:t> da nota </a:t>
-            </a:r>
-            <a:r>
-              <a:rPr lang="pt-BR" sz="1600" b="1" i="1" dirty="0" err="1">
-                <a:latin typeface="Verdana" pitchFamily="34" charset="0"/>
-                <a:cs typeface="Times New Roman" pitchFamily="18" charset="0"/>
-              </a:rPr>
-              <a:t>M</a:t>
-            </a:r>
-            <a:r>
-              <a:rPr lang="pt-BR" sz="1600" b="1" i="1" baseline="-25000" dirty="0" err="1">
-                <a:latin typeface="Verdana" pitchFamily="34" charset="0"/>
-                <a:cs typeface="Times New Roman" pitchFamily="18" charset="0"/>
-              </a:rPr>
-              <a:t>Final</a:t>
-            </a:r>
-            <a:r>
-              <a:rPr lang="pt-BR" sz="1600" b="1" i="1" baseline="-25000" dirty="0">
-                <a:latin typeface="Verdana" pitchFamily="34" charset="0"/>
-                <a:cs typeface="Times New Roman" pitchFamily="18" charset="0"/>
-              </a:rPr>
-              <a:t>,</a:t>
-            </a:r>
-            <a:r>
-              <a:rPr lang="pt-BR" sz="1000" b="1" dirty="0">
-                <a:latin typeface="Verdana" pitchFamily="34" charset="0"/>
-                <a:cs typeface="Times New Roman" pitchFamily="18" charset="0"/>
-              </a:rPr>
-              <a:t> </a:t>
-            </a:r>
-            <a:r>
-              <a:rPr lang="pt-BR" sz="1600" dirty="0">
-                <a:latin typeface="Verdana" pitchFamily="34" charset="0"/>
-                <a:cs typeface="Times New Roman" pitchFamily="18" charset="0"/>
-              </a:rPr>
-              <a:t>se </a:t>
-            </a:r>
-            <a:r>
-              <a:rPr lang="pt-BR" sz="1600" b="1" i="1" dirty="0" err="1">
-                <a:latin typeface="Verdana" pitchFamily="34" charset="0"/>
-                <a:cs typeface="Times New Roman" pitchFamily="18" charset="0"/>
-              </a:rPr>
-              <a:t>M</a:t>
-            </a:r>
-            <a:r>
-              <a:rPr lang="pt-BR" sz="1600" b="1" i="1" baseline="-25000" dirty="0" err="1">
-                <a:latin typeface="Verdana" pitchFamily="34" charset="0"/>
-                <a:cs typeface="Times New Roman" pitchFamily="18" charset="0"/>
-              </a:rPr>
-              <a:t>Trabs</a:t>
-            </a:r>
-            <a:r>
-              <a:rPr lang="pt-BR" sz="1600" dirty="0">
-                <a:latin typeface="Verdana" pitchFamily="34" charset="0"/>
-                <a:cs typeface="Times New Roman" pitchFamily="18" charset="0"/>
-              </a:rPr>
-              <a:t> e</a:t>
-            </a:r>
-            <a:r>
-              <a:rPr lang="pt-BR" sz="1600" b="1" i="1" dirty="0">
-                <a:latin typeface="Verdana" pitchFamily="34" charset="0"/>
-                <a:cs typeface="Times New Roman" pitchFamily="18" charset="0"/>
-              </a:rPr>
-              <a:t> </a:t>
-            </a:r>
-            <a:r>
-              <a:rPr lang="pt-BR" sz="1600" b="1" i="1" dirty="0" err="1">
-                <a:latin typeface="Verdana" pitchFamily="34" charset="0"/>
-                <a:cs typeface="Times New Roman" pitchFamily="18" charset="0"/>
-              </a:rPr>
-              <a:t>M</a:t>
-            </a:r>
-            <a:r>
-              <a:rPr lang="pt-BR" sz="1600" b="1" i="1" baseline="-25000" dirty="0" err="1">
-                <a:latin typeface="Verdana" pitchFamily="34" charset="0"/>
-                <a:cs typeface="Times New Roman" pitchFamily="18" charset="0"/>
-              </a:rPr>
-              <a:t>Provas</a:t>
-            </a:r>
-            <a:r>
-              <a:rPr lang="pt-BR" sz="1600" b="1" i="1" dirty="0">
-                <a:latin typeface="Verdana" pitchFamily="34" charset="0"/>
-                <a:cs typeface="Times New Roman" pitchFamily="18" charset="0"/>
-              </a:rPr>
-              <a:t> ≥</a:t>
-            </a:r>
-            <a:r>
-              <a:rPr lang="pt-BR" sz="1600" dirty="0">
-                <a:latin typeface="Verdana" pitchFamily="34" charset="0"/>
-                <a:cs typeface="Times New Roman" pitchFamily="18" charset="0"/>
-              </a:rPr>
-              <a:t> 5.0; ou</a:t>
-            </a:r>
-          </a:p>
-          <a:p>
-            <a:pPr lvl="1" algn="just">
-              <a:buFont typeface="Wingdings" pitchFamily="2" charset="2"/>
-              <a:buChar char="ü"/>
-              <a:defRPr/>
-            </a:pPr>
-            <a:endParaRPr lang="pt-BR" sz="1600" dirty="0">
-              <a:latin typeface="Verdana" pitchFamily="34" charset="0"/>
-              <a:cs typeface="Times New Roman" pitchFamily="18" charset="0"/>
-            </a:endParaRPr>
-          </a:p>
-          <a:p>
-            <a:pPr lvl="1" algn="just">
-              <a:buFont typeface="Wingdings" pitchFamily="2" charset="2"/>
-              <a:buChar char="ü"/>
-              <a:defRPr/>
-            </a:pPr>
-            <a:r>
-              <a:rPr lang="pt-BR" sz="1600" dirty="0">
-                <a:latin typeface="Verdana" pitchFamily="34" charset="0"/>
-                <a:cs typeface="Times New Roman" pitchFamily="18" charset="0"/>
-              </a:rPr>
-              <a:t> da </a:t>
-            </a:r>
-            <a:r>
-              <a:rPr lang="pt-BR" sz="1600" b="1" dirty="0">
-                <a:latin typeface="Verdana" pitchFamily="34" charset="0"/>
-                <a:cs typeface="Times New Roman" pitchFamily="18" charset="0"/>
-              </a:rPr>
-              <a:t>menor</a:t>
-            </a:r>
-            <a:r>
-              <a:rPr lang="pt-BR" sz="1600" dirty="0">
-                <a:latin typeface="Verdana" pitchFamily="34" charset="0"/>
-                <a:cs typeface="Times New Roman" pitchFamily="18" charset="0"/>
-              </a:rPr>
-              <a:t> entre </a:t>
-            </a:r>
-            <a:r>
-              <a:rPr lang="pt-BR" sz="1600" b="1" i="1" dirty="0" err="1">
-                <a:latin typeface="Verdana" pitchFamily="34" charset="0"/>
-                <a:cs typeface="Times New Roman" pitchFamily="18" charset="0"/>
-              </a:rPr>
-              <a:t>M</a:t>
-            </a:r>
-            <a:r>
-              <a:rPr lang="pt-BR" sz="1600" b="1" i="1" baseline="-25000" dirty="0" err="1">
-                <a:latin typeface="Verdana" pitchFamily="34" charset="0"/>
-                <a:cs typeface="Times New Roman" pitchFamily="18" charset="0"/>
-              </a:rPr>
-              <a:t>Trabs</a:t>
-            </a:r>
-            <a:r>
-              <a:rPr lang="pt-BR" sz="1600" dirty="0">
-                <a:latin typeface="Verdana" pitchFamily="34" charset="0"/>
-                <a:cs typeface="Times New Roman" pitchFamily="18" charset="0"/>
-              </a:rPr>
-              <a:t> e</a:t>
-            </a:r>
-            <a:r>
-              <a:rPr lang="pt-BR" sz="1600" b="1" i="1" dirty="0">
-                <a:latin typeface="Verdana" pitchFamily="34" charset="0"/>
-                <a:cs typeface="Times New Roman" pitchFamily="18" charset="0"/>
-              </a:rPr>
-              <a:t> </a:t>
-            </a:r>
-            <a:r>
-              <a:rPr lang="pt-BR" sz="1600" b="1" i="1" dirty="0" err="1">
-                <a:latin typeface="Verdana" pitchFamily="34" charset="0"/>
-                <a:cs typeface="Times New Roman" pitchFamily="18" charset="0"/>
-              </a:rPr>
-              <a:t>M</a:t>
-            </a:r>
-            <a:r>
-              <a:rPr lang="pt-BR" sz="1600" b="1" i="1" baseline="-25000" dirty="0" err="1">
-                <a:latin typeface="Verdana" pitchFamily="34" charset="0"/>
-                <a:cs typeface="Times New Roman" pitchFamily="18" charset="0"/>
-              </a:rPr>
-              <a:t>Provas</a:t>
-            </a:r>
-            <a:r>
-              <a:rPr lang="pt-BR" sz="1600" b="1" i="1" baseline="-25000" dirty="0">
-                <a:latin typeface="Verdana" pitchFamily="34" charset="0"/>
-                <a:cs typeface="Times New Roman" pitchFamily="18" charset="0"/>
-              </a:rPr>
-              <a:t> ,</a:t>
-            </a:r>
-            <a:r>
-              <a:rPr lang="pt-BR" sz="1600" b="1" i="1" dirty="0">
-                <a:latin typeface="Verdana" pitchFamily="34" charset="0"/>
-                <a:cs typeface="Times New Roman" pitchFamily="18" charset="0"/>
-              </a:rPr>
-              <a:t> </a:t>
-            </a:r>
-            <a:r>
-              <a:rPr lang="pt-BR" sz="1600" dirty="0">
-                <a:latin typeface="Verdana" pitchFamily="34" charset="0"/>
-                <a:cs typeface="Times New Roman" pitchFamily="18" charset="0"/>
-              </a:rPr>
-              <a:t>se uma das duas for menor que 5.0 (reprovação),</a:t>
-            </a:r>
-            <a:r>
-              <a:rPr lang="pt-BR" sz="1600" b="1" i="1" dirty="0">
-                <a:latin typeface="Verdana" pitchFamily="34" charset="0"/>
-                <a:cs typeface="Times New Roman" pitchFamily="18" charset="0"/>
-              </a:rPr>
-              <a:t> </a:t>
-            </a:r>
-            <a:r>
-              <a:rPr lang="pt-BR" sz="1600" dirty="0">
-                <a:latin typeface="Verdana" pitchFamily="34" charset="0"/>
-                <a:cs typeface="Times New Roman" pitchFamily="18" charset="0"/>
-              </a:rPr>
-              <a:t>com a atribuição de uma menção que correspondem, respectivamente, às seguintes equivalências numéricas:</a:t>
-            </a:r>
-          </a:p>
-          <a:p>
-            <a:pPr algn="just">
-              <a:buFontTx/>
-              <a:buChar char="•"/>
-              <a:defRPr/>
-            </a:pPr>
-            <a:endParaRPr lang="pt-BR" sz="1600" dirty="0">
-              <a:latin typeface="Verdana" pitchFamily="34" charset="0"/>
-              <a:cs typeface="Times New Roman" pitchFamily="18" charset="0"/>
-            </a:endParaRPr>
-          </a:p>
-          <a:p>
-            <a:pPr lvl="2" algn="just">
-              <a:defRPr/>
-            </a:pPr>
-            <a:r>
-              <a:rPr lang="pt-BR" sz="1600" b="1" dirty="0">
-                <a:latin typeface="Verdana" pitchFamily="34" charset="0"/>
-                <a:cs typeface="Times New Roman" pitchFamily="18" charset="0"/>
-              </a:rPr>
-              <a:t>SS</a:t>
-            </a:r>
-            <a:r>
-              <a:rPr lang="pt-BR" sz="1600" dirty="0">
-                <a:latin typeface="Verdana" pitchFamily="34" charset="0"/>
-                <a:cs typeface="Times New Roman" pitchFamily="18" charset="0"/>
-              </a:rPr>
-              <a:t> - Superior - 9,0 a 10,0</a:t>
-            </a:r>
-          </a:p>
-          <a:p>
-            <a:pPr lvl="2" algn="just">
-              <a:defRPr/>
-            </a:pPr>
-            <a:r>
-              <a:rPr lang="pt-BR" sz="1600" b="1" dirty="0">
-                <a:latin typeface="Verdana" pitchFamily="34" charset="0"/>
-                <a:cs typeface="Times New Roman" pitchFamily="18" charset="0"/>
-              </a:rPr>
-              <a:t>MS</a:t>
-            </a:r>
-            <a:r>
-              <a:rPr lang="pt-BR" sz="1600" dirty="0">
-                <a:latin typeface="Verdana" pitchFamily="34" charset="0"/>
-                <a:cs typeface="Times New Roman" pitchFamily="18" charset="0"/>
-              </a:rPr>
-              <a:t> - Médio Superior - 7,0 a 8,9</a:t>
-            </a:r>
-          </a:p>
-          <a:p>
-            <a:pPr lvl="2" algn="just">
-              <a:defRPr/>
-            </a:pPr>
-            <a:r>
-              <a:rPr lang="pt-BR" sz="1600" b="1" dirty="0">
-                <a:latin typeface="Verdana" pitchFamily="34" charset="0"/>
-                <a:cs typeface="Times New Roman" pitchFamily="18" charset="0"/>
-              </a:rPr>
-              <a:t>MM</a:t>
-            </a:r>
-            <a:r>
-              <a:rPr lang="pt-BR" sz="1600" dirty="0">
-                <a:latin typeface="Verdana" pitchFamily="34" charset="0"/>
-                <a:cs typeface="Times New Roman" pitchFamily="18" charset="0"/>
-              </a:rPr>
-              <a:t> - Médio - 5,0 a 6,9</a:t>
-            </a:r>
-          </a:p>
-          <a:p>
-            <a:pPr lvl="2" algn="just">
-              <a:defRPr/>
-            </a:pPr>
-            <a:r>
-              <a:rPr lang="pt-BR" sz="1600" b="1" dirty="0">
-                <a:latin typeface="Verdana" pitchFamily="34" charset="0"/>
-                <a:cs typeface="Times New Roman" pitchFamily="18" charset="0"/>
-              </a:rPr>
-              <a:t>MI</a:t>
-            </a:r>
-            <a:r>
-              <a:rPr lang="pt-BR" sz="1600" dirty="0">
-                <a:latin typeface="Verdana" pitchFamily="34" charset="0"/>
-                <a:cs typeface="Times New Roman" pitchFamily="18" charset="0"/>
-              </a:rPr>
-              <a:t> - Médio Inferior - 3,0 a 4,9</a:t>
-            </a:r>
-          </a:p>
-          <a:p>
-            <a:pPr lvl="2" algn="just">
-              <a:defRPr/>
-            </a:pPr>
-            <a:r>
-              <a:rPr lang="pt-BR" sz="1600" b="1" dirty="0">
-                <a:latin typeface="Verdana" pitchFamily="34" charset="0"/>
-                <a:cs typeface="Times New Roman" pitchFamily="18" charset="0"/>
-              </a:rPr>
-              <a:t>II</a:t>
-            </a:r>
-            <a:r>
-              <a:rPr lang="pt-BR" sz="1600" dirty="0">
-                <a:latin typeface="Verdana" pitchFamily="34" charset="0"/>
-                <a:cs typeface="Times New Roman" pitchFamily="18" charset="0"/>
-              </a:rPr>
-              <a:t> - Inferior - 0,1 a 2,9</a:t>
-            </a:r>
-          </a:p>
-          <a:p>
-            <a:pPr lvl="2" algn="just">
-              <a:defRPr/>
-            </a:pPr>
-            <a:r>
-              <a:rPr lang="pt-BR" sz="1600" b="1" dirty="0">
-                <a:latin typeface="Verdana" pitchFamily="34" charset="0"/>
-                <a:cs typeface="Times New Roman" pitchFamily="18" charset="0"/>
-              </a:rPr>
-              <a:t>SR</a:t>
-            </a:r>
-            <a:r>
-              <a:rPr lang="pt-BR" sz="1600" dirty="0">
-                <a:latin typeface="Verdana" pitchFamily="34" charset="0"/>
-                <a:cs typeface="Times New Roman" pitchFamily="18" charset="0"/>
-              </a:rPr>
-              <a:t> - Sem Rendimento - acima de 25% faltas</a:t>
-            </a:r>
           </a:p>
         </p:txBody>
       </p:sp>
@@ -3833,14 +3603,14 @@
               <a:rPr lang="pt-BR" sz="1800" b="1" dirty="0">
                 <a:latin typeface="Verdana" pitchFamily="34" charset="0"/>
               </a:rPr>
-              <a:t>4. Desempenho Acadêmico</a:t>
-            </a:r>
-          </a:p>
-        </p:txBody>
-      </p:sp>
-      <p:sp>
-        <p:nvSpPr>
-          <p:cNvPr id="11270" name="Rectangle 5"/>
+              <a:t>6. Moodle</a:t>
+            </a:r>
+          </a:p>
+        </p:txBody>
+      </p:sp>
+      <p:sp>
+        <p:nvSpPr>
+          <p:cNvPr id="13318" name="Rectangle 5"/>
           <p:cNvSpPr>
             <a:spLocks noChangeArrowheads="1"/>
           </p:cNvSpPr>
@@ -3874,7 +3644,7 @@
       </p:sp>
       <p:sp>
         <p:nvSpPr>
-          <p:cNvPr id="11271" name="Rectangle 8"/>
+          <p:cNvPr id="13319" name="Rectangle 8"/>
           <p:cNvSpPr>
             <a:spLocks noChangeArrowheads="1"/>
           </p:cNvSpPr>
@@ -3906,10 +3676,115 @@
           </a:p>
         </p:txBody>
       </p:sp>
+      <p:sp>
+        <p:nvSpPr>
+          <p:cNvPr id="8" name="Text Box 2052">
+            <a:extLst>
+              <a:ext uri="{FF2B5EF4-FFF2-40B4-BE49-F238E27FC236}">
+                <a16:creationId xmlns:a16="http://schemas.microsoft.com/office/drawing/2014/main" id="{9CB8E7E4-D9DB-4130-9573-9697DCE43D4F}"/>
+              </a:ext>
+            </a:extLst>
+          </p:cNvPr>
+          <p:cNvSpPr txBox="1">
+            <a:spLocks noChangeArrowheads="1"/>
+          </p:cNvSpPr>
+          <p:nvPr/>
+        </p:nvSpPr>
+        <p:spPr bwMode="auto">
+          <a:xfrm>
+            <a:off x="989355" y="1349645"/>
+            <a:ext cx="6934200" cy="1569660"/>
+          </a:xfrm>
+          <a:prstGeom prst="rect">
+            <a:avLst/>
+          </a:prstGeom>
+          <a:noFill/>
+          <a:ln w="9525">
+            <a:noFill/>
+            <a:miter lim="800000"/>
+            <a:headEnd/>
+            <a:tailEnd/>
+          </a:ln>
+          <a:effectLst/>
+        </p:spPr>
+        <p:txBody>
+          <a:bodyPr>
+            <a:spAutoFit/>
+          </a:bodyPr>
+          <a:lstStyle/>
+          <a:p>
+            <a:pPr algn="just">
+              <a:buFontTx/>
+              <a:buChar char="•"/>
+              <a:defRPr/>
+            </a:pPr>
+            <a:r>
+              <a:rPr lang="pt-BR" sz="1600" dirty="0">
+                <a:latin typeface="Verdana" pitchFamily="34" charset="0"/>
+                <a:cs typeface="Times New Roman" pitchFamily="18" charset="0"/>
+              </a:rPr>
+              <a:t> Endereço:  </a:t>
+            </a:r>
+          </a:p>
+          <a:p>
+            <a:pPr lvl="1" algn="just">
+              <a:buFont typeface="Wingdings" pitchFamily="2" charset="2"/>
+              <a:buChar char="ü"/>
+              <a:defRPr/>
+            </a:pPr>
+            <a:r>
+              <a:rPr lang="pt-BR" sz="1600" dirty="0">
+                <a:latin typeface="Verdana" pitchFamily="34" charset="0"/>
+                <a:cs typeface="Times New Roman" pitchFamily="18" charset="0"/>
+              </a:rPr>
+              <a:t> http://aprender.unb.br/</a:t>
+            </a:r>
+          </a:p>
+          <a:p>
+            <a:pPr algn="just">
+              <a:buFontTx/>
+              <a:buChar char="•"/>
+              <a:defRPr/>
+            </a:pPr>
+            <a:endParaRPr lang="pt-BR" sz="1600" dirty="0">
+              <a:latin typeface="Verdana" pitchFamily="34" charset="0"/>
+              <a:cs typeface="Times New Roman" pitchFamily="18" charset="0"/>
+            </a:endParaRPr>
+          </a:p>
+          <a:p>
+            <a:pPr algn="just">
+              <a:buFontTx/>
+              <a:buChar char="•"/>
+              <a:defRPr/>
+            </a:pPr>
+            <a:r>
+              <a:rPr lang="pt-BR" sz="1600" dirty="0">
+                <a:latin typeface="Verdana" pitchFamily="34" charset="0"/>
+                <a:cs typeface="Times New Roman" pitchFamily="18" charset="0"/>
+              </a:rPr>
+              <a:t> Disciplina:</a:t>
+            </a:r>
+          </a:p>
+          <a:p>
+            <a:pPr lvl="1" algn="just">
+              <a:buFont typeface="Wingdings" pitchFamily="2" charset="2"/>
+              <a:buChar char="ü"/>
+              <a:defRPr/>
+            </a:pPr>
+            <a:r>
+              <a:rPr lang="pt-BR" sz="1600" dirty="0">
+                <a:latin typeface="Verdana" pitchFamily="34" charset="0"/>
+                <a:cs typeface="Times New Roman" pitchFamily="18" charset="0"/>
+              </a:rPr>
+              <a:t> Algoritmos e Programação de Computadores - Prof. Alexandre Zaghetto</a:t>
+            </a:r>
+          </a:p>
+        </p:txBody>
+      </p:sp>
     </p:spTree>
     <p:extLst>
       <p:ext uri="{BB962C8B-B14F-4D97-AF65-F5344CB8AC3E}">
-        <p14:creationId xmlns:p14="http://schemas.microsoft.com/office/powerpoint/2010/main" val="167501507"/>
+        <p14:creationId xmlns:p14="http://schemas.microsoft.com/office/powerpoint/2010/main" val="420056327"/>
       </p:ext>
     </p:extLst>
   </p:cSld>
@@ -3983,7 +3858,7 @@
             <a:pPr>
               <a:defRPr/>
             </a:pPr>
-            <a:fld id="{CCF7F4CE-2FE1-469C-B86D-2B2AE944AA62}" type="slidenum">
+            <a:fld id="{66D2F62C-30AE-4521-B094-676FE0663369}" type="slidenum">
               <a:rPr lang="pt-BR" smtClean="0"/>
               <a:pPr>
                 <a:defRPr/>
@@ -4004,8 +3879,8 @@
         </p:nvSpPr>
         <p:spPr bwMode="auto">
           <a:xfrm>
-            <a:off x="1071563" y="1285875"/>
-            <a:ext cx="6934200" cy="1816100"/>
+            <a:off x="990600" y="1349375"/>
+            <a:ext cx="6934200" cy="4770438"/>
           </a:xfrm>
           <a:prstGeom prst="rect">
             <a:avLst/>
@@ -4025,48 +3900,10 @@
           </a:bodyPr>
           <a:lstStyle/>
           <a:p>
-            <a:pPr>
-              <a:defRPr/>
-            </a:pPr>
-            <a:r>
-              <a:rPr lang="pt-BR" sz="1600" dirty="0">
-                <a:effectLst>
-                  <a:outerShdw blurRad="38100" dist="38100" dir="2700000" algn="tl">
-                    <a:srgbClr val="C0C0C0"/>
-                  </a:outerShdw>
-                </a:effectLst>
-                <a:latin typeface="Verdana" pitchFamily="34" charset="0"/>
-                <a:cs typeface="Times New Roman" pitchFamily="18" charset="0"/>
-              </a:rPr>
-              <a:t>  </a:t>
-            </a:r>
-            <a:endParaRPr lang="pt-BR" sz="1600" b="1" dirty="0"/>
-          </a:p>
-          <a:p>
-            <a:pPr>
-              <a:defRPr/>
-            </a:pPr>
-            <a:r>
-              <a:rPr lang="pt-BR" sz="1600" b="1" dirty="0"/>
-              <a:t> </a:t>
-            </a:r>
-          </a:p>
-          <a:p>
-            <a:pPr>
-              <a:defRPr/>
-            </a:pPr>
-            <a:r>
-              <a:rPr lang="pt-BR" sz="1600" b="1" dirty="0"/>
-              <a:t> </a:t>
-            </a:r>
-          </a:p>
-          <a:p>
-            <a:pPr algn="just">
-              <a:buFontTx/>
-              <a:buChar char="•"/>
-              <a:defRPr/>
-            </a:pPr>
-            <a:endParaRPr lang="pt-BR" sz="1600" dirty="0">
+            <a:pPr algn="ctr">
+              <a:defRPr/>
+            </a:pPr>
+            <a:endParaRPr lang="pt-BR" sz="1800" dirty="0">
               <a:effectLst>
                 <a:outerShdw blurRad="38100" dist="38100" dir="2700000" algn="tl">
                   <a:srgbClr val="C0C0C0"/>
@@ -4082,12 +3919,33 @@
               <a:buChar char="•"/>
               <a:defRPr/>
             </a:pPr>
-            <a:endParaRPr lang="pt-BR" sz="1600" dirty="0">
-              <a:effectLst>
-                <a:outerShdw blurRad="38100" dist="38100" dir="2700000" algn="tl">
-                  <a:srgbClr val="C0C0C0"/>
-                </a:outerShdw>
-              </a:effectLst>
+            <a:r>
+              <a:rPr lang="pt-BR" sz="1300" dirty="0">
+                <a:latin typeface="Verdana" pitchFamily="34" charset="0"/>
+                <a:cs typeface="Times New Roman" pitchFamily="18" charset="0"/>
+              </a:rPr>
+              <a:t> GUIMARÃES, A. M. &amp; LAGES, N.  A. C., </a:t>
+            </a:r>
+            <a:r>
+              <a:rPr lang="pt-BR" sz="1300" b="1" i="1" dirty="0">
+                <a:latin typeface="Verdana" pitchFamily="34" charset="0"/>
+                <a:cs typeface="Times New Roman" pitchFamily="18" charset="0"/>
+              </a:rPr>
+              <a:t>Algoritmos e Estrutura de Dados</a:t>
+            </a:r>
+            <a:r>
+              <a:rPr lang="pt-BR" sz="1300" dirty="0">
+                <a:latin typeface="Verdana" pitchFamily="34" charset="0"/>
+                <a:cs typeface="Times New Roman" pitchFamily="18" charset="0"/>
+              </a:rPr>
+              <a:t>. LTC, 1994.</a:t>
+            </a:r>
+          </a:p>
+          <a:p>
+            <a:pPr algn="just">
+              <a:defRPr/>
+            </a:pPr>
+            <a:endParaRPr lang="pt-BR" sz="1300" dirty="0">
               <a:latin typeface="Verdana" pitchFamily="34" charset="0"/>
               <a:cs typeface="Times New Roman" pitchFamily="18" charset="0"/>
             </a:endParaRPr>
@@ -4098,12 +3956,56 @@
               <a:buChar char="•"/>
               <a:defRPr/>
             </a:pPr>
-            <a:endParaRPr lang="pt-BR" sz="1600" dirty="0">
-              <a:effectLst>
-                <a:outerShdw blurRad="38100" dist="38100" dir="2700000" algn="tl">
-                  <a:srgbClr val="C0C0C0"/>
-                </a:outerShdw>
-              </a:effectLst>
+            <a:r>
+              <a:rPr lang="pt-BR" sz="1300" dirty="0">
+                <a:latin typeface="Verdana" pitchFamily="34" charset="0"/>
+                <a:cs typeface="Times New Roman" pitchFamily="18" charset="0"/>
+              </a:rPr>
+              <a:t> MIZRAHI, V. V., </a:t>
+            </a:r>
+            <a:r>
+              <a:rPr lang="pt-BR" sz="1300" b="1" i="1" dirty="0">
+                <a:latin typeface="Verdana" pitchFamily="34" charset="0"/>
+                <a:cs typeface="Times New Roman" pitchFamily="18" charset="0"/>
+              </a:rPr>
+              <a:t>Treinamento em Linguagem C</a:t>
+            </a:r>
+            <a:r>
+              <a:rPr lang="pt-BR" sz="1300" i="1" dirty="0">
+                <a:latin typeface="Verdana" pitchFamily="34" charset="0"/>
+                <a:cs typeface="Times New Roman" pitchFamily="18" charset="0"/>
+              </a:rPr>
+              <a:t>: </a:t>
+            </a:r>
+            <a:r>
+              <a:rPr lang="pt-BR" sz="1300" b="1" i="1" dirty="0">
+                <a:latin typeface="Verdana" pitchFamily="34" charset="0"/>
+                <a:cs typeface="Times New Roman" pitchFamily="18" charset="0"/>
+              </a:rPr>
+              <a:t>C</a:t>
+            </a:r>
+            <a:r>
+              <a:rPr lang="pt-BR" sz="1300" b="1" dirty="0">
+                <a:latin typeface="Verdana" pitchFamily="34" charset="0"/>
+                <a:cs typeface="Times New Roman" pitchFamily="18" charset="0"/>
+              </a:rPr>
+              <a:t>urso completo em um volume. </a:t>
+            </a:r>
+            <a:r>
+              <a:rPr lang="pt-BR" sz="1300" dirty="0">
+                <a:latin typeface="Verdana" pitchFamily="34" charset="0"/>
+                <a:cs typeface="Times New Roman" pitchFamily="18" charset="0"/>
+              </a:rPr>
+              <a:t>3ª Ed. São Paulo: Pearson, 2008.</a:t>
+            </a:r>
+          </a:p>
+          <a:p>
+            <a:pPr algn="just">
+              <a:buFontTx/>
+              <a:buChar char="•"/>
+              <a:defRPr/>
+            </a:pPr>
+            <a:endParaRPr lang="pt-BR" sz="1300" dirty="0">
               <a:latin typeface="Verdana" pitchFamily="34" charset="0"/>
               <a:cs typeface="Times New Roman" pitchFamily="18" charset="0"/>
             </a:endParaRPr>
@@ -4114,15 +4016,267 @@
               <a:buChar char="•"/>
               <a:defRPr/>
             </a:pPr>
-            <a:endParaRPr lang="pt-BR" sz="1600" dirty="0">
-              <a:effectLst>
-                <a:outerShdw blurRad="38100" dist="38100" dir="2700000" algn="tl">
-                  <a:srgbClr val="C0C0C0"/>
-                </a:outerShdw>
-              </a:effectLst>
+            <a:r>
+              <a:rPr lang="pt-BR" sz="1300" dirty="0">
+                <a:latin typeface="Verdana" pitchFamily="34" charset="0"/>
+                <a:cs typeface="Times New Roman" pitchFamily="18" charset="0"/>
+              </a:rPr>
+              <a:t> SCHILDT, H., </a:t>
+            </a:r>
+            <a:r>
+              <a:rPr lang="pt-BR" sz="1300" b="1" i="1" dirty="0">
+                <a:latin typeface="Verdana" pitchFamily="34" charset="0"/>
+                <a:cs typeface="Times New Roman" pitchFamily="18" charset="0"/>
+              </a:rPr>
+              <a:t>C Completo e Total</a:t>
+            </a:r>
+            <a:r>
+              <a:rPr lang="pt-BR" sz="1300" dirty="0">
+                <a:latin typeface="Verdana" pitchFamily="34" charset="0"/>
+                <a:cs typeface="Times New Roman" pitchFamily="18" charset="0"/>
+              </a:rPr>
+              <a:t>. 3ª Ed. São Paulo: </a:t>
+            </a:r>
+            <a:r>
+              <a:rPr lang="pt-BR" sz="1300" dirty="0" err="1">
+                <a:latin typeface="Verdana" pitchFamily="34" charset="0"/>
+                <a:cs typeface="Times New Roman" pitchFamily="18" charset="0"/>
+              </a:rPr>
+              <a:t>Makron</a:t>
+            </a:r>
+            <a:r>
+              <a:rPr lang="pt-BR" sz="1300" dirty="0">
+                <a:latin typeface="Verdana" pitchFamily="34" charset="0"/>
+                <a:cs typeface="Times New Roman" pitchFamily="18" charset="0"/>
+              </a:rPr>
+              <a:t> Books, 1996.</a:t>
+            </a:r>
+          </a:p>
+          <a:p>
+            <a:pPr algn="just">
+              <a:buFontTx/>
+              <a:buChar char="•"/>
+              <a:defRPr/>
+            </a:pPr>
+            <a:endParaRPr lang="pt-BR" sz="1300" dirty="0">
               <a:latin typeface="Verdana" pitchFamily="34" charset="0"/>
               <a:cs typeface="Times New Roman" pitchFamily="18" charset="0"/>
             </a:endParaRPr>
+          </a:p>
+          <a:p>
+            <a:pPr algn="just">
+              <a:buFontTx/>
+              <a:buChar char="•"/>
+              <a:defRPr/>
+            </a:pPr>
+            <a:r>
+              <a:rPr lang="pt-BR" sz="1300" dirty="0">
+                <a:latin typeface="Verdana" pitchFamily="34" charset="0"/>
+                <a:cs typeface="Times New Roman" pitchFamily="18" charset="0"/>
+              </a:rPr>
+              <a:t> MENDONÇA, A. &amp; ZELENOVSKY, R., </a:t>
+            </a:r>
+            <a:r>
+              <a:rPr lang="pt-BR" sz="1300" b="1" i="1" dirty="0">
+                <a:latin typeface="Verdana" pitchFamily="34" charset="0"/>
+                <a:cs typeface="Times New Roman" pitchFamily="18" charset="0"/>
+              </a:rPr>
+              <a:t>Eletrônica Digital: Curso Prático e Exercícios</a:t>
+            </a:r>
+            <a:r>
+              <a:rPr lang="pt-BR" sz="1300" dirty="0">
+                <a:latin typeface="Verdana" pitchFamily="34" charset="0"/>
+                <a:cs typeface="Times New Roman" pitchFamily="18" charset="0"/>
+              </a:rPr>
+              <a:t>. MZ Editora, 2004. </a:t>
+            </a:r>
+          </a:p>
+          <a:p>
+            <a:pPr algn="just">
+              <a:buFontTx/>
+              <a:buChar char="•"/>
+              <a:defRPr/>
+            </a:pPr>
+            <a:endParaRPr lang="pt-BR" sz="1300" dirty="0">
+              <a:latin typeface="Verdana" pitchFamily="34" charset="0"/>
+              <a:cs typeface="Times New Roman" pitchFamily="18" charset="0"/>
+            </a:endParaRPr>
+          </a:p>
+          <a:p>
+            <a:pPr algn="just">
+              <a:buFontTx/>
+              <a:buChar char="•"/>
+              <a:defRPr/>
+            </a:pPr>
+            <a:r>
+              <a:rPr lang="pt-BR" sz="1300" dirty="0">
+                <a:latin typeface="Verdana" pitchFamily="34" charset="0"/>
+                <a:cs typeface="Times New Roman" pitchFamily="18" charset="0"/>
+              </a:rPr>
+              <a:t> GUIMARÂES, A. M.  &amp; LAGES, N. A. C., </a:t>
+            </a:r>
+            <a:r>
+              <a:rPr lang="pt-BR" sz="1300" b="1" i="1" dirty="0">
+                <a:latin typeface="Verdana" pitchFamily="34" charset="0"/>
+                <a:cs typeface="Times New Roman" pitchFamily="18" charset="0"/>
+              </a:rPr>
+              <a:t>Introdução à Ciência da Computação. </a:t>
+            </a:r>
+            <a:r>
+              <a:rPr lang="pt-BR" sz="1300" dirty="0">
+                <a:latin typeface="Verdana" pitchFamily="34" charset="0"/>
+                <a:cs typeface="Times New Roman" pitchFamily="18" charset="0"/>
+              </a:rPr>
+              <a:t>Rio de Janeiro: LTC, 1985.</a:t>
+            </a:r>
+          </a:p>
+          <a:p>
+            <a:pPr algn="just">
+              <a:buFontTx/>
+              <a:buChar char="•"/>
+              <a:defRPr/>
+            </a:pPr>
+            <a:endParaRPr lang="pt-BR" sz="1300" dirty="0">
+              <a:latin typeface="Verdana" pitchFamily="34" charset="0"/>
+              <a:cs typeface="Times New Roman" pitchFamily="18" charset="0"/>
+            </a:endParaRPr>
+          </a:p>
+          <a:p>
+            <a:pPr algn="just">
+              <a:buFontTx/>
+              <a:buChar char="•"/>
+              <a:defRPr/>
+            </a:pPr>
+            <a:r>
+              <a:rPr lang="pt-BR" sz="1300" dirty="0">
+                <a:latin typeface="Verdana" pitchFamily="34" charset="0"/>
+                <a:cs typeface="Times New Roman" pitchFamily="18" charset="0"/>
+              </a:rPr>
+              <a:t> MONTEIRO, M. A</a:t>
+            </a:r>
+            <a:r>
+              <a:rPr lang="pt-BR" sz="1300" b="1" i="1" dirty="0">
+                <a:latin typeface="Verdana" pitchFamily="34" charset="0"/>
+                <a:cs typeface="Times New Roman" pitchFamily="18" charset="0"/>
+              </a:rPr>
+              <a:t>., Introdução à Organização de Computadores</a:t>
+            </a:r>
+            <a:r>
+              <a:rPr lang="pt-BR" sz="1300" dirty="0">
+                <a:latin typeface="Verdana" pitchFamily="34" charset="0"/>
+                <a:cs typeface="Times New Roman" pitchFamily="18" charset="0"/>
+              </a:rPr>
+              <a:t>. 4ª Ed. Rio de Janeiro: LTC, 2002.</a:t>
+            </a:r>
+          </a:p>
+          <a:p>
+            <a:pPr algn="just">
+              <a:defRPr/>
+            </a:pPr>
+            <a:endParaRPr lang="pt-BR" sz="1300" dirty="0">
+              <a:latin typeface="Verdana" pitchFamily="34" charset="0"/>
+              <a:cs typeface="Times New Roman" pitchFamily="18" charset="0"/>
+            </a:endParaRPr>
+          </a:p>
+          <a:p>
+            <a:pPr algn="just">
+              <a:buFontTx/>
+              <a:buChar char="•"/>
+              <a:defRPr/>
+            </a:pPr>
+            <a:r>
+              <a:rPr lang="pt-BR" sz="1300" dirty="0">
+                <a:latin typeface="Verdana" pitchFamily="34" charset="0"/>
+                <a:cs typeface="Times New Roman" pitchFamily="18" charset="0"/>
+              </a:rPr>
+              <a:t> KERNIGHAN, B. W. &amp; RITCHIE, D. M., C</a:t>
+            </a:r>
+            <a:r>
+              <a:rPr lang="pt-BR" sz="1300" i="1" dirty="0">
+                <a:latin typeface="Verdana" pitchFamily="34" charset="0"/>
+                <a:cs typeface="Times New Roman" pitchFamily="18" charset="0"/>
+              </a:rPr>
+              <a:t>,</a:t>
+            </a:r>
+            <a:r>
+              <a:rPr lang="pt-BR" sz="1300" b="1" i="1" dirty="0">
+                <a:latin typeface="Verdana" pitchFamily="34" charset="0"/>
+                <a:cs typeface="Times New Roman" pitchFamily="18" charset="0"/>
+              </a:rPr>
+              <a:t> A Linguagem de Programação Padrão ANSI.</a:t>
+            </a:r>
+            <a:r>
+              <a:rPr lang="pt-BR" sz="1300" dirty="0">
+                <a:latin typeface="Verdana" pitchFamily="34" charset="0"/>
+                <a:cs typeface="Times New Roman" pitchFamily="18" charset="0"/>
+              </a:rPr>
+              <a:t> Campus, 1989.</a:t>
+            </a:r>
+          </a:p>
+          <a:p>
+            <a:pPr algn="just">
+              <a:defRPr/>
+            </a:pPr>
+            <a:endParaRPr lang="pt-BR" sz="1300" dirty="0">
+              <a:latin typeface="Verdana" pitchFamily="34" charset="0"/>
+              <a:cs typeface="Times New Roman" pitchFamily="18" charset="0"/>
+            </a:endParaRPr>
+          </a:p>
+          <a:p>
+            <a:pPr algn="just">
+              <a:buFontTx/>
+              <a:buChar char="•"/>
+              <a:defRPr/>
+            </a:pPr>
+            <a:r>
+              <a:rPr lang="pt-BR" sz="1300" dirty="0">
+                <a:latin typeface="Verdana" pitchFamily="34" charset="0"/>
+                <a:cs typeface="Times New Roman" pitchFamily="18" charset="0"/>
+              </a:rPr>
+              <a:t> TENENBAUM, A. M. </a:t>
+            </a:r>
+            <a:r>
+              <a:rPr lang="pt-BR" sz="1300" dirty="0" err="1">
+                <a:latin typeface="Verdana" pitchFamily="34" charset="0"/>
+                <a:cs typeface="Times New Roman" pitchFamily="18" charset="0"/>
+              </a:rPr>
+              <a:t>et</a:t>
+            </a:r>
+            <a:r>
+              <a:rPr lang="pt-BR" sz="1300" dirty="0">
+                <a:latin typeface="Verdana" pitchFamily="34" charset="0"/>
+                <a:cs typeface="Times New Roman" pitchFamily="18" charset="0"/>
+              </a:rPr>
+              <a:t> al., </a:t>
+            </a:r>
+            <a:r>
+              <a:rPr lang="pt-BR" sz="1300" b="1" i="1" dirty="0">
+                <a:latin typeface="Verdana" pitchFamily="34" charset="0"/>
+                <a:cs typeface="Times New Roman" pitchFamily="18" charset="0"/>
+              </a:rPr>
+              <a:t>Estrutura de Dados Usando C. </a:t>
+            </a:r>
+            <a:r>
+              <a:rPr lang="pt-BR" sz="1300" dirty="0">
+                <a:latin typeface="Verdana" pitchFamily="34" charset="0"/>
+                <a:cs typeface="Times New Roman" pitchFamily="18" charset="0"/>
+              </a:rPr>
+              <a:t>São Paulo: </a:t>
+            </a:r>
+            <a:r>
+              <a:rPr lang="pt-BR" sz="1300" dirty="0" err="1">
+                <a:latin typeface="Verdana" pitchFamily="34" charset="0"/>
+                <a:cs typeface="Times New Roman" pitchFamily="18" charset="0"/>
+              </a:rPr>
+              <a:t>Makron</a:t>
+            </a:r>
+            <a:r>
+              <a:rPr lang="pt-BR" sz="1300" dirty="0">
+                <a:latin typeface="Verdana" pitchFamily="34" charset="0"/>
+                <a:cs typeface="Times New Roman" pitchFamily="18" charset="0"/>
+              </a:rPr>
+              <a:t> Books,  1995.</a:t>
+            </a:r>
           </a:p>
         </p:txBody>
       </p:sp>
@@ -4164,14 +4318,14 @@
               <a:rPr lang="pt-BR" sz="1800" b="1" dirty="0">
                 <a:latin typeface="Verdana" pitchFamily="34" charset="0"/>
               </a:rPr>
-              <a:t>5. Calendário Acadêmico</a:t>
-            </a:r>
-          </a:p>
-        </p:txBody>
-      </p:sp>
-      <p:sp>
-        <p:nvSpPr>
-          <p:cNvPr id="12294" name="Rectangle 5"/>
+              <a:t>7. Bibliografia</a:t>
+            </a:r>
+          </a:p>
+        </p:txBody>
+      </p:sp>
+      <p:sp>
+        <p:nvSpPr>
+          <p:cNvPr id="14342" name="Rectangle 5"/>
           <p:cNvSpPr>
             <a:spLocks noChangeArrowheads="1"/>
           </p:cNvSpPr>
@@ -4205,7 +4359,7 @@
       </p:sp>
       <p:sp>
         <p:nvSpPr>
-          <p:cNvPr id="12295" name="Rectangle 8"/>
+          <p:cNvPr id="14343" name="Rectangle 8"/>
           <p:cNvSpPr>
             <a:spLocks noChangeArrowheads="1"/>
           </p:cNvSpPr>
@@ -4237,1259 +4391,6 @@
           </a:p>
         </p:txBody>
       </p:sp>
-      <p:sp>
-        <p:nvSpPr>
-          <p:cNvPr id="12296" name="Rectangle 3"/>
-          <p:cNvSpPr>
-            <a:spLocks noChangeArrowheads="1"/>
-          </p:cNvSpPr>
-          <p:nvPr/>
-        </p:nvSpPr>
-        <p:spPr bwMode="auto">
-          <a:xfrm>
-            <a:off x="0" y="0"/>
-            <a:ext cx="9144000" cy="457200"/>
-          </a:xfrm>
-          <a:prstGeom prst="rect">
-            <a:avLst/>
-          </a:prstGeom>
-          <a:noFill/>
-          <a:ln w="9525">
-            <a:noFill/>
-            <a:miter lim="800000"/>
-            <a:headEnd/>
-            <a:tailEnd/>
-          </a:ln>
-        </p:spPr>
-        <p:txBody>
-          <a:bodyPr wrap="none" anchor="ctr">
-            <a:spAutoFit/>
-          </a:bodyPr>
-          <a:lstStyle/>
-          <a:p>
-            <a:endParaRPr lang="pt-BR"/>
-          </a:p>
-        </p:txBody>
-      </p:sp>
-      <p:sp>
-        <p:nvSpPr>
-          <p:cNvPr id="12297" name="Rectangle 5"/>
-          <p:cNvSpPr>
-            <a:spLocks noChangeArrowheads="1"/>
-          </p:cNvSpPr>
-          <p:nvPr/>
-        </p:nvSpPr>
-        <p:spPr bwMode="auto">
-          <a:xfrm>
-            <a:off x="0" y="5029200"/>
-            <a:ext cx="9144000" cy="0"/>
-          </a:xfrm>
-          <a:prstGeom prst="rect">
-            <a:avLst/>
-          </a:prstGeom>
-          <a:noFill/>
-          <a:ln w="9525">
-            <a:noFill/>
-            <a:miter lim="800000"/>
-            <a:headEnd/>
-            <a:tailEnd/>
-          </a:ln>
-        </p:spPr>
-        <p:txBody>
-          <a:bodyPr wrap="none" anchor="ctr">
-            <a:spAutoFit/>
-          </a:bodyPr>
-          <a:lstStyle/>
-          <a:p>
-            <a:pPr eaLnBrk="0" hangingPunct="0"/>
-            <a:endParaRPr lang="pt-BR"/>
-          </a:p>
-        </p:txBody>
-      </p:sp>
-      <p:sp>
-        <p:nvSpPr>
-          <p:cNvPr id="15" name="Text Box 2052"/>
-          <p:cNvSpPr txBox="1">
-            <a:spLocks noChangeArrowheads="1"/>
-          </p:cNvSpPr>
-          <p:nvPr/>
-        </p:nvSpPr>
-        <p:spPr bwMode="auto">
-          <a:xfrm>
-            <a:off x="1071563" y="1285875"/>
-            <a:ext cx="6934200" cy="4770537"/>
-          </a:xfrm>
-          <a:prstGeom prst="rect">
-            <a:avLst/>
-          </a:prstGeom>
-          <a:noFill/>
-          <a:ln w="9525">
-            <a:noFill/>
-            <a:miter lim="800000"/>
-            <a:headEnd/>
-            <a:tailEnd/>
-          </a:ln>
-          <a:effectLst/>
-        </p:spPr>
-        <p:txBody>
-          <a:bodyPr>
-            <a:spAutoFit/>
-          </a:bodyPr>
-          <a:lstStyle/>
-          <a:p>
-            <a:pPr algn="just">
-              <a:buFontTx/>
-              <a:buChar char="•"/>
-              <a:defRPr/>
-            </a:pPr>
-            <a:r>
-              <a:rPr lang="pt-BR" sz="1600" dirty="0">
-                <a:latin typeface="Verdana" pitchFamily="34" charset="0"/>
-                <a:cs typeface="Times New Roman" pitchFamily="18" charset="0"/>
-              </a:rPr>
-              <a:t> </a:t>
-            </a:r>
-            <a:r>
-              <a:rPr lang="pt-BR" sz="1800" dirty="0">
-                <a:latin typeface="Verdana" pitchFamily="34" charset="0"/>
-                <a:cs typeface="Times New Roman" pitchFamily="18" charset="0"/>
-              </a:rPr>
-              <a:t>Primeiro dia de aula: &lt;a ser definido&gt;</a:t>
-            </a:r>
-          </a:p>
-          <a:p>
-            <a:pPr algn="just">
-              <a:buFontTx/>
-              <a:buChar char="•"/>
-              <a:defRPr/>
-            </a:pPr>
-            <a:endParaRPr lang="pt-BR" sz="1800" dirty="0">
-              <a:latin typeface="Verdana" pitchFamily="34" charset="0"/>
-              <a:cs typeface="Times New Roman" pitchFamily="18" charset="0"/>
-            </a:endParaRPr>
-          </a:p>
-          <a:p>
-            <a:pPr algn="just">
-              <a:buFontTx/>
-              <a:buChar char="•"/>
-              <a:defRPr/>
-            </a:pPr>
-            <a:r>
-              <a:rPr lang="pt-BR" sz="1800" dirty="0">
-                <a:latin typeface="Verdana" pitchFamily="34" charset="0"/>
-                <a:cs typeface="Times New Roman" pitchFamily="18" charset="0"/>
-              </a:rPr>
-              <a:t> Último dia de aula: &lt;a ser definido&gt;</a:t>
-            </a:r>
-          </a:p>
-          <a:p>
-            <a:pPr algn="just">
-              <a:defRPr/>
-            </a:pPr>
-            <a:endParaRPr lang="pt-BR" sz="1800" dirty="0">
-              <a:latin typeface="Verdana" pitchFamily="34" charset="0"/>
-              <a:cs typeface="Times New Roman" pitchFamily="18" charset="0"/>
-            </a:endParaRPr>
-          </a:p>
-          <a:p>
-            <a:pPr algn="just">
-              <a:buFontTx/>
-              <a:buChar char="•"/>
-              <a:defRPr/>
-            </a:pPr>
-            <a:r>
-              <a:rPr lang="pt-BR" sz="1800" dirty="0">
-                <a:latin typeface="Verdana" pitchFamily="34" charset="0"/>
-                <a:cs typeface="Times New Roman" pitchFamily="18" charset="0"/>
-              </a:rPr>
-              <a:t> Turma E</a:t>
-            </a:r>
-          </a:p>
-          <a:p>
-            <a:pPr algn="just">
-              <a:buFontTx/>
-              <a:buChar char="•"/>
-              <a:defRPr/>
-            </a:pPr>
-            <a:endParaRPr lang="pt-BR" sz="1800" dirty="0">
-              <a:latin typeface="Verdana" pitchFamily="34" charset="0"/>
-              <a:cs typeface="Times New Roman" pitchFamily="18" charset="0"/>
-            </a:endParaRPr>
-          </a:p>
-          <a:p>
-            <a:pPr lvl="1" algn="just">
-              <a:buFont typeface="Wingdings" pitchFamily="2" charset="2"/>
-              <a:buChar char="ü"/>
-              <a:defRPr/>
-            </a:pPr>
-            <a:r>
-              <a:rPr lang="pt-BR" sz="1800" dirty="0">
-                <a:latin typeface="Verdana" pitchFamily="34" charset="0"/>
-                <a:cs typeface="Times New Roman" pitchFamily="18" charset="0"/>
-              </a:rPr>
-              <a:t> Prova 1 e Trabalho 1: &lt;a ser definido&gt;</a:t>
-            </a:r>
-          </a:p>
-          <a:p>
-            <a:pPr marL="1200150" lvl="2" indent="-285750" algn="just">
-              <a:buFont typeface="Wingdings" panose="05000000000000000000" pitchFamily="2" charset="2"/>
-              <a:buChar char="Ø"/>
-              <a:defRPr/>
-            </a:pPr>
-            <a:r>
-              <a:rPr lang="pt-BR" sz="1800" dirty="0">
-                <a:latin typeface="Verdana" pitchFamily="34" charset="0"/>
-                <a:cs typeface="Times New Roman" pitchFamily="18" charset="0"/>
-              </a:rPr>
-              <a:t> Recesso: &lt;a ser definido&gt;</a:t>
-            </a:r>
-          </a:p>
-          <a:p>
-            <a:pPr lvl="2" algn="just">
-              <a:defRPr/>
-            </a:pPr>
-            <a:endParaRPr lang="pt-BR" sz="1800" dirty="0">
-              <a:latin typeface="Verdana" pitchFamily="34" charset="0"/>
-              <a:cs typeface="Times New Roman" pitchFamily="18" charset="0"/>
-            </a:endParaRPr>
-          </a:p>
-          <a:p>
-            <a:pPr lvl="1" algn="just">
-              <a:buFont typeface="Wingdings" pitchFamily="2" charset="2"/>
-              <a:buChar char="ü"/>
-              <a:defRPr/>
-            </a:pPr>
-            <a:r>
-              <a:rPr lang="pt-BR" sz="1800" dirty="0">
-                <a:latin typeface="Verdana" pitchFamily="34" charset="0"/>
-                <a:cs typeface="Times New Roman" pitchFamily="18" charset="0"/>
-              </a:rPr>
-              <a:t> Prova 2 e Trabalho 2: &lt;a ser definido&gt;</a:t>
-            </a:r>
-          </a:p>
-          <a:p>
-            <a:pPr lvl="1" algn="just">
-              <a:buFont typeface="Wingdings" pitchFamily="2" charset="2"/>
-              <a:buChar char="ü"/>
-              <a:defRPr/>
-            </a:pPr>
-            <a:endParaRPr lang="pt-BR" sz="1800" dirty="0">
-              <a:latin typeface="Verdana" pitchFamily="34" charset="0"/>
-              <a:cs typeface="Times New Roman" pitchFamily="18" charset="0"/>
-            </a:endParaRPr>
-          </a:p>
-          <a:p>
-            <a:pPr lvl="1" algn="just">
-              <a:buFont typeface="Wingdings" pitchFamily="2" charset="2"/>
-              <a:buChar char="ü"/>
-              <a:defRPr/>
-            </a:pPr>
-            <a:r>
-              <a:rPr lang="pt-BR" sz="1800" dirty="0">
-                <a:latin typeface="Verdana" pitchFamily="34" charset="0"/>
-                <a:cs typeface="Times New Roman" pitchFamily="18" charset="0"/>
-              </a:rPr>
-              <a:t> Prova substitutiva: &lt;a ser definido&gt;</a:t>
-            </a:r>
-          </a:p>
-          <a:p>
-            <a:pPr algn="just">
-              <a:buFontTx/>
-              <a:buChar char="•"/>
-              <a:defRPr/>
-            </a:pPr>
-            <a:endParaRPr lang="pt-BR" sz="1800" dirty="0">
-              <a:latin typeface="Verdana" pitchFamily="34" charset="0"/>
-              <a:cs typeface="Times New Roman" pitchFamily="18" charset="0"/>
-              <a:sym typeface="Wingdings" pitchFamily="2" charset="2"/>
-            </a:endParaRPr>
-          </a:p>
-          <a:p>
-            <a:pPr lvl="2" algn="just">
-              <a:buFont typeface="Wingdings" pitchFamily="2" charset="2"/>
-              <a:buChar char="Ø"/>
-              <a:defRPr/>
-            </a:pPr>
-            <a:r>
-              <a:rPr lang="pt-BR" sz="1800" dirty="0">
-                <a:solidFill>
-                  <a:srgbClr val="C00000"/>
-                </a:solidFill>
-                <a:latin typeface="Verdana" pitchFamily="34" charset="0"/>
-                <a:cs typeface="Times New Roman" pitchFamily="18" charset="0"/>
-              </a:rPr>
-              <a:t> Só fará a prova substitutiva o aluno que faltar a alguma das Provas 1 ou 2. Essa prova substituirá apenas uma das nota.</a:t>
-            </a:r>
-          </a:p>
-          <a:p>
-            <a:pPr algn="just">
-              <a:buFontTx/>
-              <a:buChar char="•"/>
-              <a:defRPr/>
-            </a:pPr>
-            <a:endParaRPr lang="pt-BR" sz="1600" dirty="0">
-              <a:latin typeface="Verdana" pitchFamily="34" charset="0"/>
-              <a:cs typeface="Times New Roman" pitchFamily="18" charset="0"/>
-            </a:endParaRPr>
-          </a:p>
-        </p:txBody>
-      </p:sp>
-    </p:spTree>
-    <p:extLst>
-      <p:ext uri="{BB962C8B-B14F-4D97-AF65-F5344CB8AC3E}">
-        <p14:creationId xmlns:p14="http://schemas.microsoft.com/office/powerpoint/2010/main" val="479949683"/>
-      </p:ext>
-    </p:extLst>
-  </p:cSld>
-  <p:clrMapOvr>
-    <a:masterClrMapping/>
-  </p:clrMapOvr>
-</p:sld>
-</file>
-
-<file path=ppt/slides/slide13.xml><?xml version="1.0" encoding="utf-8"?>
-<p:sld xmlns:a="http://schemas.openxmlformats.org/drawingml/2006/main" xmlns:r="http://schemas.openxmlformats.org/officeDocument/2006/relationships" xmlns:p="http://schemas.openxmlformats.org/presentationml/2006/main">
-  <p:cSld>
-    <p:spTree>
-      <p:nvGrpSpPr>
-        <p:cNvPr id="1" name=""/>
-        <p:cNvGrpSpPr/>
-        <p:nvPr/>
-      </p:nvGrpSpPr>
-      <p:grpSpPr>
-        <a:xfrm>
-          <a:off x="0" y="0"/>
-          <a:ext cx="0" cy="0"/>
-          <a:chOff x="0" y="0"/>
-          <a:chExt cx="0" cy="0"/>
-        </a:xfrm>
-      </p:grpSpPr>
-      <p:sp>
-        <p:nvSpPr>
-          <p:cNvPr id="2" name="Date Placeholder 1"/>
-          <p:cNvSpPr>
-            <a:spLocks noGrp="1"/>
-          </p:cNvSpPr>
-          <p:nvPr>
-            <p:ph type="dt" sz="quarter" idx="10"/>
-          </p:nvPr>
-        </p:nvSpPr>
-        <p:spPr/>
-        <p:txBody>
-          <a:bodyPr/>
-          <a:lstStyle/>
-          <a:p>
-            <a:pPr>
-              <a:defRPr/>
-            </a:pPr>
-            <a:fld id="{BD0E1E77-F1BA-4DA4-8402-702C27B98F33}" type="datetime1">
-              <a:rPr lang="pt-BR" smtClean="0"/>
-              <a:pPr>
-                <a:defRPr/>
-              </a:pPr>
-              <a:t>28/02/2018</a:t>
-            </a:fld>
-            <a:endParaRPr lang="pt-BR" dirty="0"/>
-          </a:p>
-        </p:txBody>
-      </p:sp>
-      <p:sp>
-        <p:nvSpPr>
-          <p:cNvPr id="3" name="Slide Number Placeholder 2"/>
-          <p:cNvSpPr>
-            <a:spLocks noGrp="1"/>
-          </p:cNvSpPr>
-          <p:nvPr>
-            <p:ph type="sldNum" sz="quarter" idx="12"/>
-          </p:nvPr>
-        </p:nvSpPr>
-        <p:spPr/>
-        <p:txBody>
-          <a:bodyPr/>
-          <a:lstStyle/>
-          <a:p>
-            <a:pPr>
-              <a:defRPr/>
-            </a:pPr>
-            <a:fld id="{EE3FD203-000D-4E59-A3A7-5A7E1F53CF66}" type="slidenum">
-              <a:rPr lang="pt-BR" smtClean="0"/>
-              <a:pPr>
-                <a:defRPr/>
-              </a:pPr>
-              <a:t>13</a:t>
-            </a:fld>
-            <a:endParaRPr lang="pt-BR"/>
-          </a:p>
-        </p:txBody>
-      </p:sp>
-      <p:sp>
-        <p:nvSpPr>
-          <p:cNvPr id="5" name="Text Box 2052"/>
-          <p:cNvSpPr txBox="1">
-            <a:spLocks noChangeArrowheads="1"/>
-          </p:cNvSpPr>
-          <p:nvPr/>
-        </p:nvSpPr>
-        <p:spPr bwMode="auto">
-          <a:xfrm>
-            <a:off x="1071563" y="1285875"/>
-            <a:ext cx="6934200" cy="2585323"/>
-          </a:xfrm>
-          <a:prstGeom prst="rect">
-            <a:avLst/>
-          </a:prstGeom>
-          <a:noFill/>
-          <a:ln w="9525">
-            <a:noFill/>
-            <a:miter lim="800000"/>
-            <a:headEnd/>
-            <a:tailEnd/>
-          </a:ln>
-          <a:effectLst/>
-        </p:spPr>
-        <p:txBody>
-          <a:bodyPr>
-            <a:spAutoFit/>
-          </a:bodyPr>
-          <a:lstStyle/>
-          <a:p>
-            <a:pPr algn="just">
-              <a:buFontTx/>
-              <a:buChar char="•"/>
-              <a:defRPr/>
-            </a:pPr>
-            <a:r>
-              <a:rPr lang="pt-BR" sz="1800" dirty="0">
-                <a:latin typeface="Verdana" pitchFamily="34" charset="0"/>
-                <a:cs typeface="Times New Roman" pitchFamily="18" charset="0"/>
-              </a:rPr>
-              <a:t> Endereço:  </a:t>
-            </a:r>
-          </a:p>
-          <a:p>
-            <a:pPr lvl="1" algn="just">
-              <a:buFont typeface="Wingdings" pitchFamily="2" charset="2"/>
-              <a:buChar char="ü"/>
-              <a:defRPr/>
-            </a:pPr>
-            <a:r>
-              <a:rPr lang="pt-BR" sz="1800" dirty="0">
-                <a:latin typeface="Verdana" pitchFamily="34" charset="0"/>
-                <a:cs typeface="Times New Roman" pitchFamily="18" charset="0"/>
-              </a:rPr>
-              <a:t> http://aprender.unb.br/</a:t>
-            </a:r>
-          </a:p>
-          <a:p>
-            <a:pPr algn="just">
-              <a:buFontTx/>
-              <a:buChar char="•"/>
-              <a:defRPr/>
-            </a:pPr>
-            <a:endParaRPr lang="pt-BR" sz="1800" dirty="0">
-              <a:latin typeface="Verdana" pitchFamily="34" charset="0"/>
-              <a:cs typeface="Times New Roman" pitchFamily="18" charset="0"/>
-            </a:endParaRPr>
-          </a:p>
-          <a:p>
-            <a:pPr algn="just">
-              <a:buFontTx/>
-              <a:buChar char="•"/>
-              <a:defRPr/>
-            </a:pPr>
-            <a:r>
-              <a:rPr lang="pt-BR" sz="1800" dirty="0">
-                <a:latin typeface="Verdana" pitchFamily="34" charset="0"/>
-                <a:cs typeface="Times New Roman" pitchFamily="18" charset="0"/>
-              </a:rPr>
-              <a:t> Disciplina:</a:t>
-            </a:r>
-          </a:p>
-          <a:p>
-            <a:pPr lvl="1" algn="just">
-              <a:buFont typeface="Wingdings" pitchFamily="2" charset="2"/>
-              <a:buChar char="ü"/>
-              <a:defRPr/>
-            </a:pPr>
-            <a:r>
-              <a:rPr lang="pt-BR" sz="1800" dirty="0">
-                <a:latin typeface="Verdana" pitchFamily="34" charset="0"/>
-                <a:cs typeface="Times New Roman" pitchFamily="18" charset="0"/>
-              </a:rPr>
-              <a:t> Algoritmos e Programação de Computadores - Prof. Alexandre </a:t>
-            </a:r>
-            <a:r>
-              <a:rPr lang="pt-BR" sz="1800" dirty="0" err="1">
-                <a:latin typeface="Verdana" pitchFamily="34" charset="0"/>
-                <a:cs typeface="Times New Roman" pitchFamily="18" charset="0"/>
-              </a:rPr>
-              <a:t>Zaghetto</a:t>
-            </a:r>
-            <a:endParaRPr lang="pt-BR" sz="1800" dirty="0">
-              <a:latin typeface="Verdana" pitchFamily="34" charset="0"/>
-              <a:cs typeface="Times New Roman" pitchFamily="18" charset="0"/>
-            </a:endParaRPr>
-          </a:p>
-          <a:p>
-            <a:pPr lvl="3" algn="just">
-              <a:defRPr/>
-            </a:pPr>
-            <a:endParaRPr lang="pt-BR" sz="1800" dirty="0">
-              <a:latin typeface="Verdana" pitchFamily="34" charset="0"/>
-              <a:cs typeface="Times New Roman" pitchFamily="18" charset="0"/>
-            </a:endParaRPr>
-          </a:p>
-          <a:p>
-            <a:pPr algn="just">
-              <a:buFontTx/>
-              <a:buChar char="•"/>
-              <a:defRPr/>
-            </a:pPr>
-            <a:r>
-              <a:rPr lang="pt-BR" sz="1800" dirty="0">
-                <a:latin typeface="Verdana" pitchFamily="34" charset="0"/>
-                <a:cs typeface="Times New Roman" pitchFamily="18" charset="0"/>
-              </a:rPr>
-              <a:t> Código de Inscrição</a:t>
-            </a:r>
-          </a:p>
-          <a:p>
-            <a:pPr lvl="1" algn="just">
-              <a:buFont typeface="Wingdings" pitchFamily="2" charset="2"/>
-              <a:buChar char="ü"/>
-              <a:defRPr/>
-            </a:pPr>
-            <a:r>
-              <a:rPr lang="pt-BR" sz="1800" dirty="0">
-                <a:latin typeface="Verdana" pitchFamily="34" charset="0"/>
-                <a:cs typeface="Times New Roman" pitchFamily="18" charset="0"/>
-              </a:rPr>
-              <a:t> &lt;a ser definido&gt;</a:t>
-            </a:r>
-          </a:p>
-        </p:txBody>
-      </p:sp>
-      <p:sp>
-        <p:nvSpPr>
-          <p:cNvPr id="6" name="Text Box 2051"/>
-          <p:cNvSpPr txBox="1">
-            <a:spLocks noChangeArrowheads="1"/>
-          </p:cNvSpPr>
-          <p:nvPr/>
-        </p:nvSpPr>
-        <p:spPr bwMode="auto">
-          <a:xfrm>
-            <a:off x="685800" y="842963"/>
-            <a:ext cx="7772400" cy="369887"/>
-          </a:xfrm>
-          <a:prstGeom prst="rect">
-            <a:avLst/>
-          </a:prstGeom>
-          <a:noFill/>
-          <a:ln w="9525">
-            <a:noFill/>
-            <a:miter lim="800000"/>
-            <a:headEnd/>
-            <a:tailEnd/>
-          </a:ln>
-          <a:effectLst/>
-        </p:spPr>
-        <p:txBody>
-          <a:bodyPr>
-            <a:spAutoFit/>
-          </a:bodyPr>
-          <a:lstStyle/>
-          <a:p>
-            <a:pPr algn="ctr">
-              <a:defRPr/>
-            </a:pPr>
-            <a:r>
-              <a:rPr lang="pt-BR" sz="1800" b="1" dirty="0">
-                <a:latin typeface="Verdana" pitchFamily="34" charset="0"/>
-              </a:rPr>
-              <a:t>6. Moodle</a:t>
-            </a:r>
-          </a:p>
-        </p:txBody>
-      </p:sp>
-      <p:sp>
-        <p:nvSpPr>
-          <p:cNvPr id="13318" name="Rectangle 5"/>
-          <p:cNvSpPr>
-            <a:spLocks noChangeArrowheads="1"/>
-          </p:cNvSpPr>
-          <p:nvPr/>
-        </p:nvSpPr>
-        <p:spPr bwMode="auto">
-          <a:xfrm>
-            <a:off x="0" y="0"/>
-            <a:ext cx="9144000" cy="0"/>
-          </a:xfrm>
-          <a:prstGeom prst="rect">
-            <a:avLst/>
-          </a:prstGeom>
-          <a:noFill/>
-          <a:ln w="9525">
-            <a:noFill/>
-            <a:miter lim="800000"/>
-            <a:headEnd/>
-            <a:tailEnd/>
-          </a:ln>
-        </p:spPr>
-        <p:txBody>
-          <a:bodyPr wrap="none" anchor="ctr">
-            <a:spAutoFit/>
-          </a:bodyPr>
-          <a:lstStyle/>
-          <a:p>
-            <a:endParaRPr lang="pt-BR"/>
-          </a:p>
-        </p:txBody>
-      </p:sp>
-      <p:sp>
-        <p:nvSpPr>
-          <p:cNvPr id="13319" name="Rectangle 8"/>
-          <p:cNvSpPr>
-            <a:spLocks noChangeArrowheads="1"/>
-          </p:cNvSpPr>
-          <p:nvPr/>
-        </p:nvSpPr>
-        <p:spPr bwMode="auto">
-          <a:xfrm>
-            <a:off x="0" y="0"/>
-            <a:ext cx="9144000" cy="0"/>
-          </a:xfrm>
-          <a:prstGeom prst="rect">
-            <a:avLst/>
-          </a:prstGeom>
-          <a:noFill/>
-          <a:ln w="9525">
-            <a:noFill/>
-            <a:miter lim="800000"/>
-            <a:headEnd/>
-            <a:tailEnd/>
-          </a:ln>
-        </p:spPr>
-        <p:txBody>
-          <a:bodyPr wrap="none" anchor="ctr">
-            <a:spAutoFit/>
-          </a:bodyPr>
-          <a:lstStyle/>
-          <a:p>
-            <a:endParaRPr lang="pt-BR"/>
-          </a:p>
-        </p:txBody>
-      </p:sp>
-    </p:spTree>
-    <p:extLst>
-      <p:ext uri="{BB962C8B-B14F-4D97-AF65-F5344CB8AC3E}">
-        <p14:creationId xmlns:p14="http://schemas.microsoft.com/office/powerpoint/2010/main" val="420056327"/>
-      </p:ext>
-    </p:extLst>
-  </p:cSld>
-  <p:clrMapOvr>
-    <a:masterClrMapping/>
-  </p:clrMapOvr>
-</p:sld>
-</file>
-
-<file path=ppt/slides/slide14.xml><?xml version="1.0" encoding="utf-8"?>
-<p:sld xmlns:a="http://schemas.openxmlformats.org/drawingml/2006/main" xmlns:r="http://schemas.openxmlformats.org/officeDocument/2006/relationships" xmlns:p="http://schemas.openxmlformats.org/presentationml/2006/main">
-  <p:cSld>
-    <p:spTree>
-      <p:nvGrpSpPr>
-        <p:cNvPr id="1" name=""/>
-        <p:cNvGrpSpPr/>
-        <p:nvPr/>
-      </p:nvGrpSpPr>
-      <p:grpSpPr>
-        <a:xfrm>
-          <a:off x="0" y="0"/>
-          <a:ext cx="0" cy="0"/>
-          <a:chOff x="0" y="0"/>
-          <a:chExt cx="0" cy="0"/>
-        </a:xfrm>
-      </p:grpSpPr>
-      <p:sp>
-        <p:nvSpPr>
-          <p:cNvPr id="2" name="Date Placeholder 1"/>
-          <p:cNvSpPr>
-            <a:spLocks noGrp="1"/>
-          </p:cNvSpPr>
-          <p:nvPr>
-            <p:ph type="dt" sz="quarter" idx="10"/>
-          </p:nvPr>
-        </p:nvSpPr>
-        <p:spPr/>
-        <p:txBody>
-          <a:bodyPr/>
-          <a:lstStyle/>
-          <a:p>
-            <a:pPr>
-              <a:defRPr/>
-            </a:pPr>
-            <a:fld id="{BD0E1E77-F1BA-4DA4-8402-702C27B98F33}" type="datetime1">
-              <a:rPr lang="pt-BR" smtClean="0"/>
-              <a:pPr>
-                <a:defRPr/>
-              </a:pPr>
-              <a:t>28/02/2018</a:t>
-            </a:fld>
-            <a:endParaRPr lang="pt-BR" dirty="0"/>
-          </a:p>
-        </p:txBody>
-      </p:sp>
-      <p:sp>
-        <p:nvSpPr>
-          <p:cNvPr id="3" name="Slide Number Placeholder 2"/>
-          <p:cNvSpPr>
-            <a:spLocks noGrp="1"/>
-          </p:cNvSpPr>
-          <p:nvPr>
-            <p:ph type="sldNum" sz="quarter" idx="12"/>
-          </p:nvPr>
-        </p:nvSpPr>
-        <p:spPr/>
-        <p:txBody>
-          <a:bodyPr/>
-          <a:lstStyle/>
-          <a:p>
-            <a:pPr>
-              <a:defRPr/>
-            </a:pPr>
-            <a:fld id="{66D2F62C-30AE-4521-B094-676FE0663369}" type="slidenum">
-              <a:rPr lang="pt-BR" smtClean="0"/>
-              <a:pPr>
-                <a:defRPr/>
-              </a:pPr>
-              <a:t>14</a:t>
-            </a:fld>
-            <a:endParaRPr lang="pt-BR"/>
-          </a:p>
-        </p:txBody>
-      </p:sp>
-      <p:sp>
-        <p:nvSpPr>
-          <p:cNvPr id="5" name="Text Box 2052"/>
-          <p:cNvSpPr txBox="1">
-            <a:spLocks noChangeArrowheads="1"/>
-          </p:cNvSpPr>
-          <p:nvPr/>
-        </p:nvSpPr>
-        <p:spPr bwMode="auto">
-          <a:xfrm>
-            <a:off x="990600" y="1349375"/>
-            <a:ext cx="6934200" cy="4770438"/>
-          </a:xfrm>
-          <a:prstGeom prst="rect">
-            <a:avLst/>
-          </a:prstGeom>
-          <a:noFill/>
-          <a:ln w="9525">
-            <a:noFill/>
-            <a:miter lim="800000"/>
-            <a:headEnd/>
-            <a:tailEnd/>
-          </a:ln>
-          <a:effectLst/>
-        </p:spPr>
-        <p:txBody>
-          <a:bodyPr>
-            <a:spAutoFit/>
-          </a:bodyPr>
-          <a:lstStyle/>
-          <a:p>
-            <a:pPr algn="ctr">
-              <a:defRPr/>
-            </a:pPr>
-            <a:endParaRPr lang="pt-BR" sz="1800" dirty="0">
-              <a:effectLst>
-                <a:outerShdw blurRad="38100" dist="38100" dir="2700000" algn="tl">
-                  <a:srgbClr val="C0C0C0"/>
-                </a:outerShdw>
-              </a:effectLst>
-              <a:latin typeface="Verdana" pitchFamily="34" charset="0"/>
-              <a:cs typeface="Times New Roman" pitchFamily="18" charset="0"/>
-            </a:endParaRPr>
-          </a:p>
-          <a:p>
-            <a:pPr algn="just">
-              <a:buFontTx/>
-              <a:buChar char="•"/>
-              <a:defRPr/>
-            </a:pPr>
-            <a:r>
-              <a:rPr lang="pt-BR" sz="1300" dirty="0">
-                <a:latin typeface="Verdana" pitchFamily="34" charset="0"/>
-                <a:cs typeface="Times New Roman" pitchFamily="18" charset="0"/>
-              </a:rPr>
-              <a:t> GUIMARÃES, A. M. &amp; LAGES, N.  A. C., </a:t>
-            </a:r>
-            <a:r>
-              <a:rPr lang="pt-BR" sz="1300" b="1" i="1" dirty="0">
-                <a:latin typeface="Verdana" pitchFamily="34" charset="0"/>
-                <a:cs typeface="Times New Roman" pitchFamily="18" charset="0"/>
-              </a:rPr>
-              <a:t>Algoritmos e Estrutura de Dados</a:t>
-            </a:r>
-            <a:r>
-              <a:rPr lang="pt-BR" sz="1300" dirty="0">
-                <a:latin typeface="Verdana" pitchFamily="34" charset="0"/>
-                <a:cs typeface="Times New Roman" pitchFamily="18" charset="0"/>
-              </a:rPr>
-              <a:t>. LTC, 1994.</a:t>
-            </a:r>
-          </a:p>
-          <a:p>
-            <a:pPr algn="just">
-              <a:defRPr/>
-            </a:pPr>
-            <a:endParaRPr lang="pt-BR" sz="1300" dirty="0">
-              <a:latin typeface="Verdana" pitchFamily="34" charset="0"/>
-              <a:cs typeface="Times New Roman" pitchFamily="18" charset="0"/>
-            </a:endParaRPr>
-          </a:p>
-          <a:p>
-            <a:pPr algn="just">
-              <a:buFontTx/>
-              <a:buChar char="•"/>
-              <a:defRPr/>
-            </a:pPr>
-            <a:r>
-              <a:rPr lang="pt-BR" sz="1300" dirty="0">
-                <a:latin typeface="Verdana" pitchFamily="34" charset="0"/>
-                <a:cs typeface="Times New Roman" pitchFamily="18" charset="0"/>
-              </a:rPr>
-              <a:t> MIZRAHI, V. V., </a:t>
-            </a:r>
-            <a:r>
-              <a:rPr lang="pt-BR" sz="1300" b="1" i="1" dirty="0">
-                <a:latin typeface="Verdana" pitchFamily="34" charset="0"/>
-                <a:cs typeface="Times New Roman" pitchFamily="18" charset="0"/>
-              </a:rPr>
-              <a:t>Treinamento em Linguagem C</a:t>
-            </a:r>
-            <a:r>
-              <a:rPr lang="pt-BR" sz="1300" i="1" dirty="0">
-                <a:latin typeface="Verdana" pitchFamily="34" charset="0"/>
-                <a:cs typeface="Times New Roman" pitchFamily="18" charset="0"/>
-              </a:rPr>
-              <a:t>: </a:t>
-            </a:r>
-            <a:r>
-              <a:rPr lang="pt-BR" sz="1300" b="1" i="1" dirty="0">
-                <a:latin typeface="Verdana" pitchFamily="34" charset="0"/>
-                <a:cs typeface="Times New Roman" pitchFamily="18" charset="0"/>
-              </a:rPr>
-              <a:t>C</a:t>
-            </a:r>
-            <a:r>
-              <a:rPr lang="pt-BR" sz="1300" b="1" dirty="0">
-                <a:latin typeface="Verdana" pitchFamily="34" charset="0"/>
-                <a:cs typeface="Times New Roman" pitchFamily="18" charset="0"/>
-              </a:rPr>
-              <a:t>urso completo em um volume. </a:t>
-            </a:r>
-            <a:r>
-              <a:rPr lang="pt-BR" sz="1300" dirty="0">
-                <a:latin typeface="Verdana" pitchFamily="34" charset="0"/>
-                <a:cs typeface="Times New Roman" pitchFamily="18" charset="0"/>
-              </a:rPr>
-              <a:t>3ª Ed. São Paulo: Pearson, 2008.</a:t>
-            </a:r>
-          </a:p>
-          <a:p>
-            <a:pPr algn="just">
-              <a:buFontTx/>
-              <a:buChar char="•"/>
-              <a:defRPr/>
-            </a:pPr>
-            <a:endParaRPr lang="pt-BR" sz="1300" dirty="0">
-              <a:latin typeface="Verdana" pitchFamily="34" charset="0"/>
-              <a:cs typeface="Times New Roman" pitchFamily="18" charset="0"/>
-            </a:endParaRPr>
-          </a:p>
-          <a:p>
-            <a:pPr algn="just">
-              <a:buFontTx/>
-              <a:buChar char="•"/>
-              <a:defRPr/>
-            </a:pPr>
-            <a:r>
-              <a:rPr lang="pt-BR" sz="1300" dirty="0">
-                <a:latin typeface="Verdana" pitchFamily="34" charset="0"/>
-                <a:cs typeface="Times New Roman" pitchFamily="18" charset="0"/>
-              </a:rPr>
-              <a:t> SCHILDT, H., </a:t>
-            </a:r>
-            <a:r>
-              <a:rPr lang="pt-BR" sz="1300" b="1" i="1" dirty="0">
-                <a:latin typeface="Verdana" pitchFamily="34" charset="0"/>
-                <a:cs typeface="Times New Roman" pitchFamily="18" charset="0"/>
-              </a:rPr>
-              <a:t>C Completo e Total</a:t>
-            </a:r>
-            <a:r>
-              <a:rPr lang="pt-BR" sz="1300" dirty="0">
-                <a:latin typeface="Verdana" pitchFamily="34" charset="0"/>
-                <a:cs typeface="Times New Roman" pitchFamily="18" charset="0"/>
-              </a:rPr>
-              <a:t>. 3ª Ed. São Paulo: </a:t>
-            </a:r>
-            <a:r>
-              <a:rPr lang="pt-BR" sz="1300" dirty="0" err="1">
-                <a:latin typeface="Verdana" pitchFamily="34" charset="0"/>
-                <a:cs typeface="Times New Roman" pitchFamily="18" charset="0"/>
-              </a:rPr>
-              <a:t>Makron</a:t>
-            </a:r>
-            <a:r>
-              <a:rPr lang="pt-BR" sz="1300" dirty="0">
-                <a:latin typeface="Verdana" pitchFamily="34" charset="0"/>
-                <a:cs typeface="Times New Roman" pitchFamily="18" charset="0"/>
-              </a:rPr>
-              <a:t> Books, 1996.</a:t>
-            </a:r>
-          </a:p>
-          <a:p>
-            <a:pPr algn="just">
-              <a:buFontTx/>
-              <a:buChar char="•"/>
-              <a:defRPr/>
-            </a:pPr>
-            <a:endParaRPr lang="pt-BR" sz="1300" dirty="0">
-              <a:latin typeface="Verdana" pitchFamily="34" charset="0"/>
-              <a:cs typeface="Times New Roman" pitchFamily="18" charset="0"/>
-            </a:endParaRPr>
-          </a:p>
-          <a:p>
-            <a:pPr algn="just">
-              <a:buFontTx/>
-              <a:buChar char="•"/>
-              <a:defRPr/>
-            </a:pPr>
-            <a:r>
-              <a:rPr lang="pt-BR" sz="1300" dirty="0">
-                <a:latin typeface="Verdana" pitchFamily="34" charset="0"/>
-                <a:cs typeface="Times New Roman" pitchFamily="18" charset="0"/>
-              </a:rPr>
-              <a:t> MENDONÇA, A. &amp; ZELENOVSKY, R., </a:t>
-            </a:r>
-            <a:r>
-              <a:rPr lang="pt-BR" sz="1300" b="1" i="1" dirty="0">
-                <a:latin typeface="Verdana" pitchFamily="34" charset="0"/>
-                <a:cs typeface="Times New Roman" pitchFamily="18" charset="0"/>
-              </a:rPr>
-              <a:t>Eletrônica Digital: Curso Prático e Exercícios</a:t>
-            </a:r>
-            <a:r>
-              <a:rPr lang="pt-BR" sz="1300" dirty="0">
-                <a:latin typeface="Verdana" pitchFamily="34" charset="0"/>
-                <a:cs typeface="Times New Roman" pitchFamily="18" charset="0"/>
-              </a:rPr>
-              <a:t>. MZ Editora, 2004. </a:t>
-            </a:r>
-          </a:p>
-          <a:p>
-            <a:pPr algn="just">
-              <a:buFontTx/>
-              <a:buChar char="•"/>
-              <a:defRPr/>
-            </a:pPr>
-            <a:endParaRPr lang="pt-BR" sz="1300" dirty="0">
-              <a:latin typeface="Verdana" pitchFamily="34" charset="0"/>
-              <a:cs typeface="Times New Roman" pitchFamily="18" charset="0"/>
-            </a:endParaRPr>
-          </a:p>
-          <a:p>
-            <a:pPr algn="just">
-              <a:buFontTx/>
-              <a:buChar char="•"/>
-              <a:defRPr/>
-            </a:pPr>
-            <a:r>
-              <a:rPr lang="pt-BR" sz="1300" dirty="0">
-                <a:latin typeface="Verdana" pitchFamily="34" charset="0"/>
-                <a:cs typeface="Times New Roman" pitchFamily="18" charset="0"/>
-              </a:rPr>
-              <a:t> GUIMARÂES, A. M.  &amp; LAGES, N. A. C., </a:t>
-            </a:r>
-            <a:r>
-              <a:rPr lang="pt-BR" sz="1300" b="1" i="1" dirty="0">
-                <a:latin typeface="Verdana" pitchFamily="34" charset="0"/>
-                <a:cs typeface="Times New Roman" pitchFamily="18" charset="0"/>
-              </a:rPr>
-              <a:t>Introdução à Ciência da Computação. </a:t>
-            </a:r>
-            <a:r>
-              <a:rPr lang="pt-BR" sz="1300" dirty="0">
-                <a:latin typeface="Verdana" pitchFamily="34" charset="0"/>
-                <a:cs typeface="Times New Roman" pitchFamily="18" charset="0"/>
-              </a:rPr>
-              <a:t>Rio de Janeiro: LTC, 1985.</a:t>
-            </a:r>
-          </a:p>
-          <a:p>
-            <a:pPr algn="just">
-              <a:buFontTx/>
-              <a:buChar char="•"/>
-              <a:defRPr/>
-            </a:pPr>
-            <a:endParaRPr lang="pt-BR" sz="1300" dirty="0">
-              <a:latin typeface="Verdana" pitchFamily="34" charset="0"/>
-              <a:cs typeface="Times New Roman" pitchFamily="18" charset="0"/>
-            </a:endParaRPr>
-          </a:p>
-          <a:p>
-            <a:pPr algn="just">
-              <a:buFontTx/>
-              <a:buChar char="•"/>
-              <a:defRPr/>
-            </a:pPr>
-            <a:r>
-              <a:rPr lang="pt-BR" sz="1300" dirty="0">
-                <a:latin typeface="Verdana" pitchFamily="34" charset="0"/>
-                <a:cs typeface="Times New Roman" pitchFamily="18" charset="0"/>
-              </a:rPr>
-              <a:t> MONTEIRO, M. A</a:t>
-            </a:r>
-            <a:r>
-              <a:rPr lang="pt-BR" sz="1300" b="1" i="1" dirty="0">
-                <a:latin typeface="Verdana" pitchFamily="34" charset="0"/>
-                <a:cs typeface="Times New Roman" pitchFamily="18" charset="0"/>
-              </a:rPr>
-              <a:t>., Introdução à Organização de Computadores</a:t>
-            </a:r>
-            <a:r>
-              <a:rPr lang="pt-BR" sz="1300" dirty="0">
-                <a:latin typeface="Verdana" pitchFamily="34" charset="0"/>
-                <a:cs typeface="Times New Roman" pitchFamily="18" charset="0"/>
-              </a:rPr>
-              <a:t>. 4ª Ed. Rio de Janeiro: LTC, 2002.</a:t>
-            </a:r>
-          </a:p>
-          <a:p>
-            <a:pPr algn="just">
-              <a:defRPr/>
-            </a:pPr>
-            <a:endParaRPr lang="pt-BR" sz="1300" dirty="0">
-              <a:latin typeface="Verdana" pitchFamily="34" charset="0"/>
-              <a:cs typeface="Times New Roman" pitchFamily="18" charset="0"/>
-            </a:endParaRPr>
-          </a:p>
-          <a:p>
-            <a:pPr algn="just">
-              <a:buFontTx/>
-              <a:buChar char="•"/>
-              <a:defRPr/>
-            </a:pPr>
-            <a:r>
-              <a:rPr lang="pt-BR" sz="1300" dirty="0">
-                <a:latin typeface="Verdana" pitchFamily="34" charset="0"/>
-                <a:cs typeface="Times New Roman" pitchFamily="18" charset="0"/>
-              </a:rPr>
-              <a:t> KERNIGHAN, B. W. &amp; RITCHIE, D. M., C</a:t>
-            </a:r>
-            <a:r>
-              <a:rPr lang="pt-BR" sz="1300" i="1" dirty="0">
-                <a:latin typeface="Verdana" pitchFamily="34" charset="0"/>
-                <a:cs typeface="Times New Roman" pitchFamily="18" charset="0"/>
-              </a:rPr>
-              <a:t>,</a:t>
-            </a:r>
-            <a:r>
-              <a:rPr lang="pt-BR" sz="1300" b="1" i="1" dirty="0">
-                <a:latin typeface="Verdana" pitchFamily="34" charset="0"/>
-                <a:cs typeface="Times New Roman" pitchFamily="18" charset="0"/>
-              </a:rPr>
-              <a:t> A Linguagem de Programação Padrão ANSI.</a:t>
-            </a:r>
-            <a:r>
-              <a:rPr lang="pt-BR" sz="1300" dirty="0">
-                <a:latin typeface="Verdana" pitchFamily="34" charset="0"/>
-                <a:cs typeface="Times New Roman" pitchFamily="18" charset="0"/>
-              </a:rPr>
-              <a:t> Campus, 1989.</a:t>
-            </a:r>
-          </a:p>
-          <a:p>
-            <a:pPr algn="just">
-              <a:defRPr/>
-            </a:pPr>
-            <a:endParaRPr lang="pt-BR" sz="1300" dirty="0">
-              <a:latin typeface="Verdana" pitchFamily="34" charset="0"/>
-              <a:cs typeface="Times New Roman" pitchFamily="18" charset="0"/>
-            </a:endParaRPr>
-          </a:p>
-          <a:p>
-            <a:pPr algn="just">
-              <a:buFontTx/>
-              <a:buChar char="•"/>
-              <a:defRPr/>
-            </a:pPr>
-            <a:r>
-              <a:rPr lang="pt-BR" sz="1300" dirty="0">
-                <a:latin typeface="Verdana" pitchFamily="34" charset="0"/>
-                <a:cs typeface="Times New Roman" pitchFamily="18" charset="0"/>
-              </a:rPr>
-              <a:t> TENENBAUM, A. M. </a:t>
-            </a:r>
-            <a:r>
-              <a:rPr lang="pt-BR" sz="1300" dirty="0" err="1">
-                <a:latin typeface="Verdana" pitchFamily="34" charset="0"/>
-                <a:cs typeface="Times New Roman" pitchFamily="18" charset="0"/>
-              </a:rPr>
-              <a:t>et</a:t>
-            </a:r>
-            <a:r>
-              <a:rPr lang="pt-BR" sz="1300" dirty="0">
-                <a:latin typeface="Verdana" pitchFamily="34" charset="0"/>
-                <a:cs typeface="Times New Roman" pitchFamily="18" charset="0"/>
-              </a:rPr>
-              <a:t> al., </a:t>
-            </a:r>
-            <a:r>
-              <a:rPr lang="pt-BR" sz="1300" b="1" i="1" dirty="0">
-                <a:latin typeface="Verdana" pitchFamily="34" charset="0"/>
-                <a:cs typeface="Times New Roman" pitchFamily="18" charset="0"/>
-              </a:rPr>
-              <a:t>Estrutura de Dados Usando C. </a:t>
-            </a:r>
-            <a:r>
-              <a:rPr lang="pt-BR" sz="1300" dirty="0">
-                <a:latin typeface="Verdana" pitchFamily="34" charset="0"/>
-                <a:cs typeface="Times New Roman" pitchFamily="18" charset="0"/>
-              </a:rPr>
-              <a:t>São Paulo: </a:t>
-            </a:r>
-            <a:r>
-              <a:rPr lang="pt-BR" sz="1300" dirty="0" err="1">
-                <a:latin typeface="Verdana" pitchFamily="34" charset="0"/>
-                <a:cs typeface="Times New Roman" pitchFamily="18" charset="0"/>
-              </a:rPr>
-              <a:t>Makron</a:t>
-            </a:r>
-            <a:r>
-              <a:rPr lang="pt-BR" sz="1300" dirty="0">
-                <a:latin typeface="Verdana" pitchFamily="34" charset="0"/>
-                <a:cs typeface="Times New Roman" pitchFamily="18" charset="0"/>
-              </a:rPr>
-              <a:t> Books,  1995.</a:t>
-            </a:r>
-          </a:p>
-        </p:txBody>
-      </p:sp>
-      <p:sp>
-        <p:nvSpPr>
-          <p:cNvPr id="6" name="Text Box 2051"/>
-          <p:cNvSpPr txBox="1">
-            <a:spLocks noChangeArrowheads="1"/>
-          </p:cNvSpPr>
-          <p:nvPr/>
-        </p:nvSpPr>
-        <p:spPr bwMode="auto">
-          <a:xfrm>
-            <a:off x="685800" y="842963"/>
-            <a:ext cx="7772400" cy="369887"/>
-          </a:xfrm>
-          <a:prstGeom prst="rect">
-            <a:avLst/>
-          </a:prstGeom>
-          <a:noFill/>
-          <a:ln w="9525">
-            <a:noFill/>
-            <a:miter lim="800000"/>
-            <a:headEnd/>
-            <a:tailEnd/>
-          </a:ln>
-          <a:effectLst/>
-        </p:spPr>
-        <p:txBody>
-          <a:bodyPr>
-            <a:spAutoFit/>
-          </a:bodyPr>
-          <a:lstStyle/>
-          <a:p>
-            <a:pPr algn="ctr">
-              <a:defRPr/>
-            </a:pPr>
-            <a:r>
-              <a:rPr lang="pt-BR" sz="1800" b="1" dirty="0">
-                <a:latin typeface="Verdana" pitchFamily="34" charset="0"/>
-              </a:rPr>
-              <a:t>7. Bibliografia</a:t>
-            </a:r>
-          </a:p>
-        </p:txBody>
-      </p:sp>
-      <p:sp>
-        <p:nvSpPr>
-          <p:cNvPr id="14342" name="Rectangle 5"/>
-          <p:cNvSpPr>
-            <a:spLocks noChangeArrowheads="1"/>
-          </p:cNvSpPr>
-          <p:nvPr/>
-        </p:nvSpPr>
-        <p:spPr bwMode="auto">
-          <a:xfrm>
-            <a:off x="0" y="0"/>
-            <a:ext cx="9144000" cy="0"/>
-          </a:xfrm>
-          <a:prstGeom prst="rect">
-            <a:avLst/>
-          </a:prstGeom>
-          <a:noFill/>
-          <a:ln w="9525">
-            <a:noFill/>
-            <a:miter lim="800000"/>
-            <a:headEnd/>
-            <a:tailEnd/>
-          </a:ln>
-        </p:spPr>
-        <p:txBody>
-          <a:bodyPr wrap="none" anchor="ctr">
-            <a:spAutoFit/>
-          </a:bodyPr>
-          <a:lstStyle/>
-          <a:p>
-            <a:endParaRPr lang="pt-BR"/>
-          </a:p>
-        </p:txBody>
-      </p:sp>
-      <p:sp>
-        <p:nvSpPr>
-          <p:cNvPr id="14343" name="Rectangle 8"/>
-          <p:cNvSpPr>
-            <a:spLocks noChangeArrowheads="1"/>
-          </p:cNvSpPr>
-          <p:nvPr/>
-        </p:nvSpPr>
-        <p:spPr bwMode="auto">
-          <a:xfrm>
-            <a:off x="0" y="0"/>
-            <a:ext cx="9144000" cy="0"/>
-          </a:xfrm>
-          <a:prstGeom prst="rect">
-            <a:avLst/>
-          </a:prstGeom>
-          <a:noFill/>
-          <a:ln w="9525">
-            <a:noFill/>
-            <a:miter lim="800000"/>
-            <a:headEnd/>
-            <a:tailEnd/>
-          </a:ln>
-        </p:spPr>
-        <p:txBody>
-          <a:bodyPr wrap="none" anchor="ctr">
-            <a:spAutoFit/>
-          </a:bodyPr>
-          <a:lstStyle/>
-          <a:p>
-            <a:endParaRPr lang="pt-BR"/>
-          </a:p>
-        </p:txBody>
-      </p:sp>
     </p:spTree>
     <p:extLst>
       <p:ext uri="{BB962C8B-B14F-4D97-AF65-F5344CB8AC3E}">
@@ -5503,7 +4404,7 @@
 </p:sld>
 </file>
 
-<file path=ppt/slides/slide15.xml><?xml version="1.0" encoding="utf-8"?>
+<file path=ppt/slides/slide13.xml><?xml version="1.0" encoding="utf-8"?>
 <p:sld xmlns:a="http://schemas.openxmlformats.org/drawingml/2006/main" xmlns:r="http://schemas.openxmlformats.org/officeDocument/2006/relationships" xmlns:p="http://schemas.openxmlformats.org/presentationml/2006/main">
   <p:cSld>
     <p:spTree>
@@ -5729,209 +4630,6 @@
       </p:sp>
       <p:sp>
         <p:nvSpPr>
-          <p:cNvPr id="5" name="Text Box 2052"/>
-          <p:cNvSpPr txBox="1">
-            <a:spLocks noChangeArrowheads="1"/>
-          </p:cNvSpPr>
-          <p:nvPr/>
-        </p:nvSpPr>
-        <p:spPr bwMode="auto">
-          <a:xfrm>
-            <a:off x="990600" y="1349375"/>
-            <a:ext cx="6934200" cy="4604337"/>
-          </a:xfrm>
-          <a:prstGeom prst="rect">
-            <a:avLst/>
-          </a:prstGeom>
-          <a:noFill/>
-          <a:ln w="9525">
-            <a:noFill/>
-            <a:miter lim="800000"/>
-            <a:headEnd/>
-            <a:tailEnd/>
-          </a:ln>
-          <a:effectLst/>
-        </p:spPr>
-        <p:txBody>
-          <a:bodyPr>
-            <a:spAutoFit/>
-          </a:bodyPr>
-          <a:lstStyle/>
-          <a:p>
-            <a:pPr algn="just">
-              <a:buFontTx/>
-              <a:buChar char="•"/>
-              <a:defRPr/>
-            </a:pPr>
-            <a:r>
-              <a:rPr lang="pt-BR" sz="1800" dirty="0">
-                <a:latin typeface="Verdana" pitchFamily="34" charset="0"/>
-                <a:cs typeface="Times New Roman" pitchFamily="18" charset="0"/>
-              </a:rPr>
-              <a:t> Desenvolver um “pensamento computacional”:</a:t>
-            </a:r>
-          </a:p>
-          <a:p>
-            <a:pPr algn="just">
-              <a:buFontTx/>
-              <a:buChar char="•"/>
-              <a:defRPr/>
-            </a:pPr>
-            <a:endParaRPr lang="pt-BR" sz="1800" dirty="0">
-              <a:latin typeface="Verdana" pitchFamily="34" charset="0"/>
-              <a:cs typeface="Times New Roman" pitchFamily="18" charset="0"/>
-            </a:endParaRPr>
-          </a:p>
-          <a:p>
-            <a:pPr lvl="1" algn="just">
-              <a:buFont typeface="Wingdings" pitchFamily="2" charset="2"/>
-              <a:buChar char="Ø"/>
-              <a:defRPr/>
-            </a:pPr>
-            <a:r>
-              <a:rPr lang="pt-BR" sz="1600" dirty="0">
-                <a:latin typeface="Verdana" pitchFamily="34" charset="0"/>
-                <a:cs typeface="Times New Roman" pitchFamily="18" charset="0"/>
-              </a:rPr>
-              <a:t> </a:t>
-            </a:r>
-            <a:r>
-              <a:rPr lang="pt-BR" sz="1710" dirty="0">
-                <a:latin typeface="Verdana" pitchFamily="34" charset="0"/>
-                <a:cs typeface="Times New Roman" pitchFamily="18" charset="0"/>
-              </a:rPr>
-              <a:t>Compreender a organização básica de um computador.</a:t>
-            </a:r>
-          </a:p>
-          <a:p>
-            <a:pPr lvl="1" algn="just">
-              <a:buFont typeface="Wingdings" pitchFamily="2" charset="2"/>
-              <a:buChar char="Ø"/>
-              <a:defRPr/>
-            </a:pPr>
-            <a:endParaRPr lang="pt-BR" sz="1710" dirty="0">
-              <a:latin typeface="Verdana" pitchFamily="34" charset="0"/>
-              <a:cs typeface="Times New Roman" pitchFamily="18" charset="0"/>
-            </a:endParaRPr>
-          </a:p>
-          <a:p>
-            <a:pPr lvl="1" algn="just">
-              <a:buFont typeface="Wingdings" pitchFamily="2" charset="2"/>
-              <a:buChar char="Ø"/>
-              <a:defRPr/>
-            </a:pPr>
-            <a:r>
-              <a:rPr lang="pt-BR" sz="1710" dirty="0">
-                <a:latin typeface="Verdana" pitchFamily="34" charset="0"/>
-                <a:cs typeface="Times New Roman" pitchFamily="18" charset="0"/>
-              </a:rPr>
-              <a:t> Adquirir competência para representar a resolução de problemas por meio de algoritmos.</a:t>
-            </a:r>
-          </a:p>
-          <a:p>
-            <a:pPr lvl="1" algn="just">
-              <a:buFont typeface="Wingdings" pitchFamily="2" charset="2"/>
-              <a:buChar char="Ø"/>
-              <a:defRPr/>
-            </a:pPr>
-            <a:endParaRPr lang="pt-BR" sz="1710" dirty="0">
-              <a:latin typeface="Verdana" pitchFamily="34" charset="0"/>
-              <a:cs typeface="Times New Roman" pitchFamily="18" charset="0"/>
-            </a:endParaRPr>
-          </a:p>
-          <a:p>
-            <a:pPr lvl="1" algn="just">
-              <a:buFont typeface="Wingdings" pitchFamily="2" charset="2"/>
-              <a:buChar char="Ø"/>
-              <a:defRPr/>
-            </a:pPr>
-            <a:r>
-              <a:rPr lang="pt-BR" sz="1710" dirty="0">
-                <a:latin typeface="Verdana" pitchFamily="34" charset="0"/>
-                <a:cs typeface="Times New Roman" pitchFamily="18" charset="0"/>
-              </a:rPr>
-              <a:t> Adquirir conhecimentos básicos em linguagem de programação C, padrão ANSI: </a:t>
-            </a:r>
-            <a:r>
-              <a:rPr lang="pt-BR" sz="1710" b="1" dirty="0">
-                <a:solidFill>
-                  <a:srgbClr val="800000"/>
-                </a:solidFill>
-                <a:latin typeface="Verdana" pitchFamily="34" charset="0"/>
-                <a:cs typeface="Times New Roman" pitchFamily="18" charset="0"/>
-              </a:rPr>
-              <a:t>não será um curso de C.</a:t>
-            </a:r>
-          </a:p>
-          <a:p>
-            <a:pPr lvl="1" algn="just">
-              <a:buFont typeface="Wingdings" pitchFamily="2" charset="2"/>
-              <a:buChar char="Ø"/>
-              <a:defRPr/>
-            </a:pPr>
-            <a:endParaRPr lang="pt-BR" sz="1710" b="1" dirty="0">
-              <a:latin typeface="Verdana" pitchFamily="34" charset="0"/>
-              <a:cs typeface="Times New Roman" pitchFamily="18" charset="0"/>
-            </a:endParaRPr>
-          </a:p>
-          <a:p>
-            <a:pPr lvl="1" algn="just">
-              <a:buFont typeface="Wingdings" pitchFamily="2" charset="2"/>
-              <a:buChar char="Ø"/>
-              <a:defRPr/>
-            </a:pPr>
-            <a:r>
-              <a:rPr lang="pt-BR" sz="1710" b="1" dirty="0">
-                <a:latin typeface="Verdana" pitchFamily="34" charset="0"/>
-                <a:cs typeface="Times New Roman" pitchFamily="18" charset="0"/>
-              </a:rPr>
-              <a:t> </a:t>
-            </a:r>
-            <a:r>
-              <a:rPr lang="pt-BR" sz="1710" dirty="0">
-                <a:latin typeface="Verdana" pitchFamily="34" charset="0"/>
-                <a:cs typeface="Times New Roman" pitchFamily="18" charset="0"/>
-              </a:rPr>
-              <a:t>Adquirir de forma autodidata conhecimentos básicos em Linguagem de programação Python: </a:t>
-            </a:r>
-            <a:r>
-              <a:rPr lang="pt-BR" sz="1710" b="1" dirty="0">
-                <a:solidFill>
-                  <a:srgbClr val="800000"/>
-                </a:solidFill>
-                <a:latin typeface="Verdana" pitchFamily="34" charset="0"/>
-                <a:cs typeface="Times New Roman" pitchFamily="18" charset="0"/>
-              </a:rPr>
-              <a:t>não será um curso Python.</a:t>
-            </a:r>
-          </a:p>
-          <a:p>
-            <a:pPr lvl="1" algn="just">
-              <a:defRPr/>
-            </a:pPr>
-            <a:endParaRPr lang="pt-BR" sz="1600" dirty="0">
-              <a:latin typeface="Verdana" pitchFamily="34" charset="0"/>
-              <a:cs typeface="Times New Roman" pitchFamily="18" charset="0"/>
-            </a:endParaRPr>
-          </a:p>
-          <a:p>
-            <a:pPr algn="just">
-              <a:buFontTx/>
-              <a:buChar char="•"/>
-              <a:defRPr/>
-            </a:pPr>
-            <a:r>
-              <a:rPr lang="pt-BR" sz="1800" dirty="0">
-                <a:latin typeface="Verdana" pitchFamily="34" charset="0"/>
-                <a:cs typeface="Times New Roman" pitchFamily="18" charset="0"/>
-              </a:rPr>
-              <a:t> Destinado a alunos que têm pouca ou nenhuma experiência pregressa com programação. </a:t>
-            </a:r>
-          </a:p>
-        </p:txBody>
-      </p:sp>
-      <p:sp>
-        <p:nvSpPr>
           <p:cNvPr id="6" name="Text Box 2051"/>
           <p:cNvSpPr txBox="1">
             <a:spLocks noChangeArrowheads="1"/>
@@ -5969,6 +4667,208 @@
                 <a:latin typeface="Verdana" pitchFamily="34" charset="0"/>
               </a:rPr>
               <a:t>1. Objetivos</a:t>
+            </a:r>
+          </a:p>
+        </p:txBody>
+      </p:sp>
+      <p:sp>
+        <p:nvSpPr>
+          <p:cNvPr id="9" name="Text Box 2052">
+            <a:extLst>
+              <a:ext uri="{FF2B5EF4-FFF2-40B4-BE49-F238E27FC236}">
+                <a16:creationId xmlns:a16="http://schemas.microsoft.com/office/drawing/2014/main" id="{E9EB22FD-1B81-4500-8A44-250FF611732C}"/>
+              </a:ext>
+            </a:extLst>
+          </p:cNvPr>
+          <p:cNvSpPr txBox="1">
+            <a:spLocks noChangeArrowheads="1"/>
+          </p:cNvSpPr>
+          <p:nvPr/>
+        </p:nvSpPr>
+        <p:spPr bwMode="auto">
+          <a:xfrm>
+            <a:off x="990600" y="1346076"/>
+            <a:ext cx="6934200" cy="4062651"/>
+          </a:xfrm>
+          <a:prstGeom prst="rect">
+            <a:avLst/>
+          </a:prstGeom>
+          <a:noFill/>
+          <a:ln w="9525">
+            <a:noFill/>
+            <a:miter lim="800000"/>
+            <a:headEnd/>
+            <a:tailEnd/>
+          </a:ln>
+          <a:effectLst/>
+        </p:spPr>
+        <p:txBody>
+          <a:bodyPr>
+            <a:spAutoFit/>
+          </a:bodyPr>
+          <a:lstStyle/>
+          <a:p>
+            <a:pPr algn="just">
+              <a:buFontTx/>
+              <a:buChar char="•"/>
+              <a:defRPr/>
+            </a:pPr>
+            <a:r>
+              <a:rPr lang="pt-BR" sz="1600" dirty="0">
+                <a:latin typeface="Verdana" pitchFamily="34" charset="0"/>
+                <a:cs typeface="Times New Roman" pitchFamily="18" charset="0"/>
+              </a:rPr>
+              <a:t> Desenvolver um “pensamento computacional”:</a:t>
+            </a:r>
+          </a:p>
+          <a:p>
+            <a:pPr algn="just">
+              <a:buFontTx/>
+              <a:buChar char="•"/>
+              <a:defRPr/>
+            </a:pPr>
+            <a:endParaRPr lang="pt-BR" sz="1600" dirty="0">
+              <a:latin typeface="Verdana" pitchFamily="34" charset="0"/>
+              <a:cs typeface="Times New Roman" pitchFamily="18" charset="0"/>
+            </a:endParaRPr>
+          </a:p>
+          <a:p>
+            <a:pPr lvl="1" algn="just">
+              <a:buFont typeface="Wingdings" pitchFamily="2" charset="2"/>
+              <a:buChar char="Ø"/>
+              <a:defRPr/>
+            </a:pPr>
+            <a:r>
+              <a:rPr lang="pt-BR" sz="1600" dirty="0">
+                <a:latin typeface="Verdana" pitchFamily="34" charset="0"/>
+                <a:cs typeface="Times New Roman" pitchFamily="18" charset="0"/>
+              </a:rPr>
+              <a:t> Compreender a organização básica de um computador.</a:t>
+            </a:r>
+          </a:p>
+          <a:p>
+            <a:pPr lvl="1" algn="just">
+              <a:buFont typeface="Wingdings" pitchFamily="2" charset="2"/>
+              <a:buChar char="Ø"/>
+              <a:defRPr/>
+            </a:pPr>
+            <a:endParaRPr lang="pt-BR" sz="1600" dirty="0">
+              <a:latin typeface="Verdana" pitchFamily="34" charset="0"/>
+              <a:cs typeface="Times New Roman" pitchFamily="18" charset="0"/>
+            </a:endParaRPr>
+          </a:p>
+          <a:p>
+            <a:pPr lvl="1" algn="just">
+              <a:buFont typeface="Wingdings" pitchFamily="2" charset="2"/>
+              <a:buChar char="Ø"/>
+              <a:defRPr/>
+            </a:pPr>
+            <a:r>
+              <a:rPr lang="pt-BR" sz="1600" dirty="0">
+                <a:latin typeface="Verdana" pitchFamily="34" charset="0"/>
+                <a:cs typeface="Times New Roman" pitchFamily="18" charset="0"/>
+              </a:rPr>
+              <a:t> Adquirir competência para representar a resolução de problemas por meio de algoritmos.</a:t>
+            </a:r>
+          </a:p>
+          <a:p>
+            <a:pPr lvl="1" algn="just">
+              <a:buFont typeface="Wingdings" pitchFamily="2" charset="2"/>
+              <a:buChar char="Ø"/>
+              <a:defRPr/>
+            </a:pPr>
+            <a:endParaRPr lang="pt-BR" sz="1600" dirty="0">
+              <a:latin typeface="Verdana" pitchFamily="34" charset="0"/>
+              <a:cs typeface="Times New Roman" pitchFamily="18" charset="0"/>
+            </a:endParaRPr>
+          </a:p>
+          <a:p>
+            <a:pPr lvl="1" algn="just">
+              <a:buFont typeface="Wingdings" pitchFamily="2" charset="2"/>
+              <a:buChar char="Ø"/>
+              <a:defRPr/>
+            </a:pPr>
+            <a:r>
+              <a:rPr lang="pt-BR" sz="1600" dirty="0">
+                <a:latin typeface="Verdana" pitchFamily="34" charset="0"/>
+                <a:cs typeface="Times New Roman" pitchFamily="18" charset="0"/>
+              </a:rPr>
+              <a:t> Adquirir conhecimentos básicos em linguagem de programação C, padrão ANSI: </a:t>
+            </a:r>
+            <a:r>
+              <a:rPr lang="pt-BR" sz="1600" b="1" dirty="0">
+                <a:solidFill>
+                  <a:srgbClr val="800000"/>
+                </a:solidFill>
+                <a:latin typeface="Verdana" pitchFamily="34" charset="0"/>
+                <a:cs typeface="Times New Roman" pitchFamily="18" charset="0"/>
+              </a:rPr>
+              <a:t>não será um curso de C.</a:t>
+            </a:r>
+          </a:p>
+          <a:p>
+            <a:pPr lvl="1" algn="just">
+              <a:buFont typeface="Wingdings" pitchFamily="2" charset="2"/>
+              <a:buChar char="Ø"/>
+              <a:defRPr/>
+            </a:pPr>
+            <a:endParaRPr lang="pt-BR" sz="1600" b="1" dirty="0">
+              <a:latin typeface="Verdana" pitchFamily="34" charset="0"/>
+              <a:cs typeface="Times New Roman" pitchFamily="18" charset="0"/>
+            </a:endParaRPr>
+          </a:p>
+          <a:p>
+            <a:pPr lvl="1" algn="just">
+              <a:buFont typeface="Wingdings" pitchFamily="2" charset="2"/>
+              <a:buChar char="Ø"/>
+              <a:defRPr/>
+            </a:pPr>
+            <a:r>
+              <a:rPr lang="pt-BR" sz="1600" b="1" dirty="0">
+                <a:latin typeface="Verdana" pitchFamily="34" charset="0"/>
+                <a:cs typeface="Times New Roman" pitchFamily="18" charset="0"/>
+              </a:rPr>
+              <a:t> </a:t>
+            </a:r>
+            <a:r>
+              <a:rPr lang="pt-BR" sz="1600" dirty="0">
+                <a:latin typeface="Verdana" pitchFamily="34" charset="0"/>
+                <a:cs typeface="Times New Roman" pitchFamily="18" charset="0"/>
+              </a:rPr>
+              <a:t>Adquirir de forma autodidata conhecimentos básicos em Linguagem de programação Python: </a:t>
+            </a:r>
+            <a:r>
+              <a:rPr lang="pt-BR" sz="1600" b="1" dirty="0">
+                <a:solidFill>
+                  <a:srgbClr val="800000"/>
+                </a:solidFill>
+                <a:latin typeface="Verdana" pitchFamily="34" charset="0"/>
+                <a:cs typeface="Times New Roman" pitchFamily="18" charset="0"/>
+              </a:rPr>
+              <a:t>não será um curso Python.</a:t>
+            </a:r>
+          </a:p>
+          <a:p>
+            <a:pPr lvl="1" algn="just">
+              <a:defRPr/>
+            </a:pPr>
+            <a:endParaRPr lang="pt-BR" sz="1600" dirty="0">
+              <a:latin typeface="Verdana" pitchFamily="34" charset="0"/>
+              <a:cs typeface="Times New Roman" pitchFamily="18" charset="0"/>
+            </a:endParaRPr>
+          </a:p>
+          <a:p>
+            <a:pPr algn="just">
+              <a:buFontTx/>
+              <a:buChar char="•"/>
+              <a:defRPr/>
+            </a:pPr>
+            <a:r>
+              <a:rPr lang="pt-BR" sz="1600" dirty="0">
+                <a:latin typeface="Verdana" pitchFamily="34" charset="0"/>
+                <a:cs typeface="Times New Roman" pitchFamily="18" charset="0"/>
+              </a:rPr>
+              <a:t> Destinado a alunos que têm pouca ou nenhuma experiência pregressa com programação. </a:t>
             </a:r>
           </a:p>
         </p:txBody>
@@ -6072,7 +4972,7 @@
         <p:spPr bwMode="auto">
           <a:xfrm>
             <a:off x="990600" y="1349375"/>
-            <a:ext cx="6934200" cy="3693319"/>
+            <a:ext cx="6934200" cy="2800767"/>
           </a:xfrm>
           <a:prstGeom prst="rect">
             <a:avLst/>
@@ -6098,7 +4998,7 @@
               <a:defRPr/>
             </a:pPr>
             <a:r>
-              <a:rPr lang="pt-BR" sz="1800" dirty="0">
+              <a:rPr lang="pt-BR" sz="1600" dirty="0">
                 <a:latin typeface="Verdana" pitchFamily="34" charset="0"/>
                 <a:cs typeface="Times New Roman" pitchFamily="18" charset="0"/>
               </a:rPr>
@@ -6111,7 +5011,7 @@
               <a:buChar char="•"/>
               <a:defRPr/>
             </a:pPr>
-            <a:endParaRPr lang="pt-BR" sz="1800" dirty="0">
+            <a:endParaRPr lang="pt-BR" sz="1600" dirty="0">
               <a:latin typeface="Verdana" pitchFamily="34" charset="0"/>
               <a:cs typeface="Times New Roman" pitchFamily="18" charset="0"/>
             </a:endParaRPr>
@@ -6123,7 +5023,7 @@
               <a:defRPr/>
             </a:pPr>
             <a:r>
-              <a:rPr lang="pt-BR" sz="1800" dirty="0">
+              <a:rPr lang="pt-BR" sz="1600" dirty="0">
                 <a:latin typeface="Verdana" pitchFamily="34" charset="0"/>
                 <a:cs typeface="Times New Roman" pitchFamily="18" charset="0"/>
               </a:rPr>
@@ -6136,7 +5036,7 @@
               <a:buChar char="•"/>
               <a:defRPr/>
             </a:pPr>
-            <a:endParaRPr lang="pt-BR" sz="1800" dirty="0">
+            <a:endParaRPr lang="pt-BR" sz="1600" dirty="0">
               <a:latin typeface="Verdana" pitchFamily="34" charset="0"/>
               <a:cs typeface="Times New Roman" pitchFamily="18" charset="0"/>
             </a:endParaRPr>
@@ -6148,7 +5048,7 @@
               <a:defRPr/>
             </a:pPr>
             <a:r>
-              <a:rPr lang="pt-BR" sz="1800" dirty="0">
+              <a:rPr lang="pt-BR" sz="1600" dirty="0">
                 <a:latin typeface="Verdana" pitchFamily="34" charset="0"/>
                 <a:cs typeface="Times New Roman" pitchFamily="18" charset="0"/>
               </a:rPr>
@@ -6161,7 +5061,7 @@
               <a:buChar char="•"/>
               <a:defRPr/>
             </a:pPr>
-            <a:endParaRPr lang="pt-BR" sz="1800" dirty="0">
+            <a:endParaRPr lang="pt-BR" sz="1600" dirty="0">
               <a:latin typeface="Verdana" pitchFamily="34" charset="0"/>
               <a:cs typeface="Times New Roman" pitchFamily="18" charset="0"/>
             </a:endParaRPr>
@@ -6173,7 +5073,7 @@
               <a:defRPr/>
             </a:pPr>
             <a:r>
-              <a:rPr lang="pt-BR" sz="1800" dirty="0">
+              <a:rPr lang="pt-BR" sz="1600" dirty="0">
                 <a:latin typeface="Verdana" pitchFamily="34" charset="0"/>
                 <a:cs typeface="Times New Roman" pitchFamily="18" charset="0"/>
               </a:rPr>
@@ -7351,258 +6251,708 @@
           </a:p>
         </p:txBody>
       </p:sp>
-      <p:sp>
-        <p:nvSpPr>
-          <p:cNvPr id="5" name="Text Box 2052"/>
-          <p:cNvSpPr txBox="1">
-            <a:spLocks noChangeArrowheads="1"/>
-          </p:cNvSpPr>
-          <p:nvPr/>
-        </p:nvSpPr>
-        <p:spPr bwMode="auto">
-          <a:xfrm>
-            <a:off x="990600" y="1349375"/>
-            <a:ext cx="6934200" cy="3785652"/>
-          </a:xfrm>
-          <a:prstGeom prst="rect">
-            <a:avLst/>
-          </a:prstGeom>
-          <a:noFill/>
-          <a:ln w="9525">
-            <a:noFill/>
-            <a:miter lim="800000"/>
-            <a:headEnd/>
-            <a:tailEnd/>
-          </a:ln>
-          <a:effectLst/>
-        </p:spPr>
-        <p:txBody>
-          <a:bodyPr>
-            <a:spAutoFit/>
-          </a:bodyPr>
-          <a:lstStyle/>
-          <a:p>
-            <a:pPr algn="just">
-              <a:buFontTx/>
-              <a:buChar char="•"/>
-              <a:defRPr/>
-            </a:pPr>
-            <a:r>
-              <a:rPr lang="pt-BR" sz="1600" dirty="0">
-                <a:latin typeface="Verdana" pitchFamily="34" charset="0"/>
-                <a:cs typeface="Times New Roman" pitchFamily="18" charset="0"/>
-              </a:rPr>
-              <a:t>  A menção será baseada em 2 provas, 2 trabalhos, 10 laboratórios e uma lista de exercícios realizada no </a:t>
-            </a:r>
-            <a:r>
-              <a:rPr lang="pt-BR" sz="1600" i="1" dirty="0">
-                <a:latin typeface="Verdana" pitchFamily="34" charset="0"/>
-                <a:cs typeface="Times New Roman" pitchFamily="18" charset="0"/>
-              </a:rPr>
-              <a:t>URI Online </a:t>
-            </a:r>
-            <a:r>
-              <a:rPr lang="pt-BR" sz="1600" i="1" dirty="0" err="1">
-                <a:latin typeface="Verdana" pitchFamily="34" charset="0"/>
-                <a:cs typeface="Times New Roman" pitchFamily="18" charset="0"/>
-              </a:rPr>
-              <a:t>Judge</a:t>
-            </a:r>
-            <a:r>
-              <a:rPr lang="pt-BR" sz="1600" dirty="0">
-                <a:latin typeface="Verdana" pitchFamily="34" charset="0"/>
-                <a:cs typeface="Times New Roman" pitchFamily="18" charset="0"/>
-              </a:rPr>
-              <a:t>.</a:t>
-            </a:r>
-          </a:p>
-          <a:p>
-            <a:pPr algn="just">
-              <a:buFontTx/>
-              <a:buChar char="•"/>
-              <a:defRPr/>
-            </a:pPr>
-            <a:endParaRPr lang="pt-BR" sz="1600" dirty="0">
-              <a:latin typeface="Verdana" pitchFamily="34" charset="0"/>
-              <a:cs typeface="Times New Roman" pitchFamily="18" charset="0"/>
-            </a:endParaRPr>
-          </a:p>
-          <a:p>
-            <a:pPr algn="just">
-              <a:buFontTx/>
-              <a:buChar char="•"/>
-              <a:defRPr/>
-            </a:pPr>
-            <a:r>
-              <a:rPr lang="pt-BR" sz="1600" dirty="0">
-                <a:latin typeface="Verdana" pitchFamily="34" charset="0"/>
-                <a:cs typeface="Times New Roman" pitchFamily="18" charset="0"/>
-              </a:rPr>
-              <a:t>  A média final será dada por:</a:t>
-            </a:r>
-          </a:p>
-          <a:p>
-            <a:pPr algn="just">
-              <a:buFontTx/>
-              <a:buChar char="•"/>
-              <a:defRPr/>
-            </a:pPr>
-            <a:endParaRPr lang="pt-BR" sz="1600" dirty="0">
-              <a:effectLst>
-                <a:outerShdw blurRad="38100" dist="38100" dir="2700000" algn="tl">
-                  <a:srgbClr val="C0C0C0"/>
-                </a:outerShdw>
-              </a:effectLst>
-              <a:latin typeface="Verdana" pitchFamily="34" charset="0"/>
-              <a:cs typeface="Times New Roman" pitchFamily="18" charset="0"/>
-            </a:endParaRPr>
-          </a:p>
-          <a:p>
-            <a:pPr algn="just">
-              <a:buFontTx/>
-              <a:buChar char="•"/>
-              <a:defRPr/>
-            </a:pPr>
-            <a:endParaRPr lang="pt-BR" sz="1600" dirty="0">
-              <a:effectLst>
-                <a:outerShdw blurRad="38100" dist="38100" dir="2700000" algn="tl">
-                  <a:srgbClr val="C0C0C0"/>
-                </a:outerShdw>
-              </a:effectLst>
-              <a:latin typeface="Verdana" pitchFamily="34" charset="0"/>
-              <a:cs typeface="Times New Roman" pitchFamily="18" charset="0"/>
-            </a:endParaRPr>
-          </a:p>
-          <a:p>
-            <a:pPr algn="just">
-              <a:buFontTx/>
-              <a:buChar char="•"/>
-              <a:defRPr/>
-            </a:pPr>
-            <a:endParaRPr lang="pt-BR" sz="1600" dirty="0">
-              <a:effectLst>
-                <a:outerShdw blurRad="38100" dist="38100" dir="2700000" algn="tl">
-                  <a:srgbClr val="C0C0C0"/>
-                </a:outerShdw>
-              </a:effectLst>
-              <a:latin typeface="Verdana" pitchFamily="34" charset="0"/>
-              <a:cs typeface="Times New Roman" pitchFamily="18" charset="0"/>
-            </a:endParaRPr>
-          </a:p>
-          <a:p>
-            <a:pPr algn="just">
-              <a:buFontTx/>
-              <a:buChar char="•"/>
-              <a:defRPr/>
-            </a:pPr>
-            <a:endParaRPr lang="pt-BR" sz="1600" dirty="0">
-              <a:effectLst>
-                <a:outerShdw blurRad="38100" dist="38100" dir="2700000" algn="tl">
-                  <a:srgbClr val="C0C0C0"/>
-                </a:outerShdw>
-              </a:effectLst>
-              <a:latin typeface="Verdana" pitchFamily="34" charset="0"/>
-              <a:cs typeface="Times New Roman" pitchFamily="18" charset="0"/>
-            </a:endParaRPr>
-          </a:p>
-          <a:p>
-            <a:pPr algn="just">
-              <a:buFontTx/>
-              <a:buChar char="•"/>
-              <a:defRPr/>
-            </a:pPr>
-            <a:endParaRPr lang="pt-BR" sz="1600" dirty="0">
-              <a:effectLst>
-                <a:outerShdw blurRad="38100" dist="38100" dir="2700000" algn="tl">
-                  <a:srgbClr val="C0C0C0"/>
-                </a:outerShdw>
-              </a:effectLst>
-              <a:latin typeface="Verdana" pitchFamily="34" charset="0"/>
-              <a:cs typeface="Times New Roman" pitchFamily="18" charset="0"/>
-            </a:endParaRPr>
-          </a:p>
-          <a:p>
-            <a:pPr algn="just">
-              <a:buFontTx/>
-              <a:buChar char="•"/>
-              <a:defRPr/>
-            </a:pPr>
-            <a:endParaRPr lang="pt-BR" sz="1600" dirty="0">
-              <a:effectLst>
-                <a:outerShdw blurRad="38100" dist="38100" dir="2700000" algn="tl">
-                  <a:srgbClr val="C0C0C0"/>
-                </a:outerShdw>
-              </a:effectLst>
-              <a:latin typeface="Verdana" pitchFamily="34" charset="0"/>
-              <a:cs typeface="Times New Roman" pitchFamily="18" charset="0"/>
-            </a:endParaRPr>
-          </a:p>
-          <a:p>
-            <a:pPr algn="just">
-              <a:buFontTx/>
-              <a:buChar char="•"/>
-              <a:defRPr/>
-            </a:pPr>
-            <a:endParaRPr lang="pt-BR" sz="1600" dirty="0">
-              <a:effectLst>
-                <a:outerShdw blurRad="38100" dist="38100" dir="2700000" algn="tl">
-                  <a:srgbClr val="C0C0C0"/>
-                </a:outerShdw>
-              </a:effectLst>
-              <a:latin typeface="Verdana" pitchFamily="34" charset="0"/>
-              <a:cs typeface="Times New Roman" pitchFamily="18" charset="0"/>
-            </a:endParaRPr>
-          </a:p>
-          <a:p>
-            <a:pPr algn="just">
-              <a:buFontTx/>
-              <a:buChar char="•"/>
-              <a:defRPr/>
-            </a:pPr>
-            <a:endParaRPr lang="pt-BR" sz="1600" dirty="0">
-              <a:effectLst>
-                <a:outerShdw blurRad="38100" dist="38100" dir="2700000" algn="tl">
-                  <a:srgbClr val="C0C0C0"/>
-                </a:outerShdw>
-              </a:effectLst>
-              <a:latin typeface="Verdana" pitchFamily="34" charset="0"/>
-              <a:cs typeface="Times New Roman" pitchFamily="18" charset="0"/>
-            </a:endParaRPr>
-          </a:p>
-          <a:p>
-            <a:pPr algn="just">
-              <a:buFontTx/>
-              <a:buChar char="•"/>
-              <a:defRPr/>
-            </a:pPr>
-            <a:endParaRPr lang="pt-BR" sz="1600" dirty="0">
-              <a:effectLst>
-                <a:outerShdw blurRad="38100" dist="38100" dir="2700000" algn="tl">
-                  <a:srgbClr val="C0C0C0"/>
-                </a:outerShdw>
-              </a:effectLst>
-              <a:latin typeface="Verdana" pitchFamily="34" charset="0"/>
-              <a:cs typeface="Times New Roman" pitchFamily="18" charset="0"/>
-            </a:endParaRPr>
-          </a:p>
-          <a:p>
-            <a:pPr algn="just">
-              <a:buFontTx/>
-              <a:buChar char="•"/>
-              <a:defRPr/>
-            </a:pPr>
-            <a:endParaRPr lang="pt-BR" sz="1600" dirty="0">
-              <a:effectLst>
-                <a:outerShdw blurRad="38100" dist="38100" dir="2700000" algn="tl">
-                  <a:srgbClr val="C0C0C0"/>
-                </a:outerShdw>
-              </a:effectLst>
-              <a:latin typeface="Verdana" pitchFamily="34" charset="0"/>
-              <a:cs typeface="Times New Roman" pitchFamily="18" charset="0"/>
-            </a:endParaRPr>
-          </a:p>
-        </p:txBody>
-      </p:sp>
+      <mc:AlternateContent xmlns:mc="http://schemas.openxmlformats.org/markup-compatibility/2006">
+        <mc:Choice xmlns:a14="http://schemas.microsoft.com/office/drawing/2010/main" Requires="a14">
+          <p:sp>
+            <p:nvSpPr>
+              <p:cNvPr id="5" name="Text Box 2052"/>
+              <p:cNvSpPr txBox="1">
+                <a:spLocks noChangeArrowheads="1"/>
+              </p:cNvSpPr>
+              <p:nvPr/>
+            </p:nvSpPr>
+            <p:spPr bwMode="auto">
+              <a:xfrm>
+                <a:off x="990600" y="1349375"/>
+                <a:ext cx="6934200" cy="4628318"/>
+              </a:xfrm>
+              <a:prstGeom prst="rect">
+                <a:avLst/>
+              </a:prstGeom>
+              <a:noFill/>
+              <a:ln w="9525">
+                <a:noFill/>
+                <a:miter lim="800000"/>
+                <a:headEnd/>
+                <a:tailEnd/>
+              </a:ln>
+              <a:effectLst/>
+            </p:spPr>
+            <p:txBody>
+              <a:bodyPr>
+                <a:spAutoFit/>
+              </a:bodyPr>
+              <a:lstStyle/>
+              <a:p>
+                <a:pPr algn="just">
+                  <a:buFontTx/>
+                  <a:buChar char="•"/>
+                  <a:defRPr/>
+                </a:pPr>
+                <a:r>
+                  <a:rPr lang="pt-BR" sz="1600" dirty="0">
+                    <a:latin typeface="Verdana" pitchFamily="34" charset="0"/>
+                    <a:cs typeface="Times New Roman" pitchFamily="18" charset="0"/>
+                  </a:rPr>
+                  <a:t>  A menção será baseada em 2 provas, 1 trabalho e 10 laboratórios.</a:t>
+                </a:r>
+              </a:p>
+              <a:p>
+                <a:pPr algn="just">
+                  <a:buFontTx/>
+                  <a:buChar char="•"/>
+                  <a:defRPr/>
+                </a:pPr>
+                <a:endParaRPr lang="pt-BR" sz="1600" dirty="0">
+                  <a:latin typeface="Verdana" pitchFamily="34" charset="0"/>
+                  <a:cs typeface="Times New Roman" pitchFamily="18" charset="0"/>
+                </a:endParaRPr>
+              </a:p>
+              <a:p>
+                <a:pPr algn="just">
+                  <a:buFontTx/>
+                  <a:buChar char="•"/>
+                  <a:defRPr/>
+                </a:pPr>
+                <a:r>
+                  <a:rPr lang="pt-BR" sz="1600" dirty="0">
+                    <a:latin typeface="Verdana" pitchFamily="34" charset="0"/>
+                    <a:cs typeface="Times New Roman" pitchFamily="18" charset="0"/>
+                  </a:rPr>
+                  <a:t>  A média final será dada por:</a:t>
+                </a:r>
+              </a:p>
+              <a:p>
+                <a:pPr>
+                  <a:buFontTx/>
+                  <a:buChar char="•"/>
+                  <a:defRPr/>
+                </a:pPr>
+                <a:endParaRPr lang="pt-BR" dirty="0">
+                  <a:effectLst>
+                    <a:outerShdw blurRad="38100" dist="38100" dir="2700000" algn="tl">
+                      <a:srgbClr val="C0C0C0"/>
+                    </a:outerShdw>
+                  </a:effectLst>
+                  <a:latin typeface="Verdana" pitchFamily="34" charset="0"/>
+                  <a:cs typeface="Times New Roman" pitchFamily="18" charset="0"/>
+                </a:endParaRPr>
+              </a:p>
+              <a:p>
+                <a:pPr>
+                  <a:defRPr/>
+                </a:pPr>
+                <a14:m>
+                  <m:oMathPara xmlns:m="http://schemas.openxmlformats.org/officeDocument/2006/math">
+                    <m:oMathParaPr>
+                      <m:jc m:val="left"/>
+                    </m:oMathParaPr>
+                    <m:oMath xmlns:m="http://schemas.openxmlformats.org/officeDocument/2006/math">
+                      <m:sSub>
+                        <m:sSubPr>
+                          <m:ctrlPr>
+                            <a:rPr lang="en-US" b="0" i="1" smtClean="0">
+                              <a:effectLst/>
+                              <a:latin typeface="Cambria Math" panose="02040503050406030204" pitchFamily="18" charset="0"/>
+                              <a:cs typeface="Times New Roman" pitchFamily="18" charset="0"/>
+                            </a:rPr>
+                          </m:ctrlPr>
+                        </m:sSubPr>
+                        <m:e>
+                          <m:r>
+                            <a:rPr lang="en-US" i="1">
+                              <a:effectLst/>
+                              <a:latin typeface="Cambria Math" panose="02040503050406030204" pitchFamily="18" charset="0"/>
+                              <a:cs typeface="Times New Roman" pitchFamily="18" charset="0"/>
+                            </a:rPr>
+                            <m:t>𝑀</m:t>
+                          </m:r>
+                        </m:e>
+                        <m:sub>
+                          <m:r>
+                            <a:rPr lang="en-US" b="0" i="1" smtClean="0">
+                              <a:effectLst/>
+                              <a:latin typeface="Cambria Math" panose="02040503050406030204" pitchFamily="18" charset="0"/>
+                              <a:cs typeface="Times New Roman" pitchFamily="18" charset="0"/>
+                            </a:rPr>
+                            <m:t>𝐹𝑖𝑛𝑎𝑙</m:t>
+                          </m:r>
+                        </m:sub>
+                      </m:sSub>
+                      <m:r>
+                        <a:rPr lang="en-US" b="0" i="0" smtClean="0">
+                          <a:effectLst/>
+                          <a:latin typeface="Cambria Math" panose="02040503050406030204" pitchFamily="18" charset="0"/>
+                          <a:cs typeface="Times New Roman" pitchFamily="18" charset="0"/>
+                        </a:rPr>
+                        <m:t>=</m:t>
+                      </m:r>
+                      <m:f>
+                        <m:fPr>
+                          <m:ctrlPr>
+                            <a:rPr lang="en-US" b="0" i="1" smtClean="0">
+                              <a:effectLst/>
+                              <a:latin typeface="Cambria Math" panose="02040503050406030204" pitchFamily="18" charset="0"/>
+                              <a:cs typeface="Times New Roman" pitchFamily="18" charset="0"/>
+                            </a:rPr>
+                          </m:ctrlPr>
+                        </m:fPr>
+                        <m:num>
+                          <m:sSub>
+                            <m:sSubPr>
+                              <m:ctrlPr>
+                                <a:rPr lang="en-US" i="1">
+                                  <a:effectLst/>
+                                  <a:latin typeface="Cambria Math" panose="02040503050406030204" pitchFamily="18" charset="0"/>
+                                  <a:cs typeface="Times New Roman" pitchFamily="18" charset="0"/>
+                                </a:rPr>
+                              </m:ctrlPr>
+                            </m:sSubPr>
+                            <m:e>
+                              <m:r>
+                                <a:rPr lang="en-US" i="1">
+                                  <a:effectLst/>
+                                  <a:latin typeface="Cambria Math" panose="02040503050406030204" pitchFamily="18" charset="0"/>
+                                  <a:cs typeface="Times New Roman" pitchFamily="18" charset="0"/>
+                                </a:rPr>
+                                <m:t>3</m:t>
+                              </m:r>
+                              <m:r>
+                                <a:rPr lang="en-US" i="1">
+                                  <a:effectLst/>
+                                  <a:latin typeface="Cambria Math" panose="02040503050406030204" pitchFamily="18" charset="0"/>
+                                  <a:ea typeface="Cambria Math" panose="02040503050406030204" pitchFamily="18" charset="0"/>
+                                  <a:cs typeface="Times New Roman" pitchFamily="18" charset="0"/>
+                                </a:rPr>
+                                <m:t>∙</m:t>
+                              </m:r>
+                              <m:r>
+                                <a:rPr lang="en-US" i="1">
+                                  <a:effectLst/>
+                                  <a:latin typeface="Cambria Math" panose="02040503050406030204" pitchFamily="18" charset="0"/>
+                                  <a:cs typeface="Times New Roman" pitchFamily="18" charset="0"/>
+                                </a:rPr>
+                                <m:t>𝑇𝑟𝑎𝑏</m:t>
+                              </m:r>
+                              <m:r>
+                                <a:rPr lang="en-US" i="1">
+                                  <a:effectLst/>
+                                  <a:latin typeface="Cambria Math" panose="02040503050406030204" pitchFamily="18" charset="0"/>
+                                  <a:cs typeface="Times New Roman" pitchFamily="18" charset="0"/>
+                                </a:rPr>
+                                <m:t>+ </m:t>
+                              </m:r>
+                              <m:r>
+                                <a:rPr lang="en-US" i="1">
+                                  <a:effectLst/>
+                                  <a:latin typeface="Cambria Math" panose="02040503050406030204" pitchFamily="18" charset="0"/>
+                                  <a:cs typeface="Times New Roman" pitchFamily="18" charset="0"/>
+                                </a:rPr>
+                                <m:t>𝑀</m:t>
+                              </m:r>
+                            </m:e>
+                            <m:sub>
+                              <m:r>
+                                <a:rPr lang="en-US" b="0" i="1" smtClean="0">
+                                  <a:effectLst/>
+                                  <a:latin typeface="Cambria Math" panose="02040503050406030204" pitchFamily="18" charset="0"/>
+                                  <a:cs typeface="Times New Roman" pitchFamily="18" charset="0"/>
+                                </a:rPr>
+                                <m:t>𝐿</m:t>
+                              </m:r>
+                              <m:r>
+                                <a:rPr lang="en-US" i="1">
+                                  <a:effectLst/>
+                                  <a:latin typeface="Cambria Math" panose="02040503050406030204" pitchFamily="18" charset="0"/>
+                                  <a:cs typeface="Times New Roman" pitchFamily="18" charset="0"/>
+                                </a:rPr>
+                                <m:t>𝑎𝑏𝑠</m:t>
+                              </m:r>
+                            </m:sub>
+                          </m:sSub>
+                          <m:r>
+                            <a:rPr lang="en-US" i="1">
+                              <a:effectLst/>
+                              <a:latin typeface="Cambria Math" panose="02040503050406030204" pitchFamily="18" charset="0"/>
+                              <a:cs typeface="Times New Roman" pitchFamily="18" charset="0"/>
+                            </a:rPr>
+                            <m:t>+</m:t>
+                          </m:r>
+                          <m:sSub>
+                            <m:sSubPr>
+                              <m:ctrlPr>
+                                <a:rPr lang="en-US" i="1">
+                                  <a:effectLst/>
+                                  <a:latin typeface="Cambria Math" panose="02040503050406030204" pitchFamily="18" charset="0"/>
+                                  <a:cs typeface="Times New Roman" pitchFamily="18" charset="0"/>
+                                </a:rPr>
+                              </m:ctrlPr>
+                            </m:sSubPr>
+                            <m:e>
+                              <m:r>
+                                <a:rPr lang="en-US" i="1">
+                                  <a:effectLst/>
+                                  <a:latin typeface="Cambria Math" panose="02040503050406030204" pitchFamily="18" charset="0"/>
+                                  <a:cs typeface="Times New Roman" pitchFamily="18" charset="0"/>
+                                </a:rPr>
+                                <m:t>6</m:t>
+                              </m:r>
+                              <m:r>
+                                <a:rPr lang="en-US" i="1">
+                                  <a:effectLst/>
+                                  <a:latin typeface="Cambria Math" panose="02040503050406030204" pitchFamily="18" charset="0"/>
+                                  <a:ea typeface="Cambria Math" panose="02040503050406030204" pitchFamily="18" charset="0"/>
+                                  <a:cs typeface="Times New Roman" pitchFamily="18" charset="0"/>
+                                </a:rPr>
+                                <m:t>∙</m:t>
+                              </m:r>
+                              <m:r>
+                                <a:rPr lang="en-US" i="1">
+                                  <a:effectLst/>
+                                  <a:latin typeface="Cambria Math" panose="02040503050406030204" pitchFamily="18" charset="0"/>
+                                  <a:cs typeface="Times New Roman" pitchFamily="18" charset="0"/>
+                                </a:rPr>
+                                <m:t>𝑀</m:t>
+                              </m:r>
+                            </m:e>
+                            <m:sub>
+                              <m:r>
+                                <a:rPr lang="en-US" b="0" i="1" smtClean="0">
+                                  <a:effectLst/>
+                                  <a:latin typeface="Cambria Math" panose="02040503050406030204" pitchFamily="18" charset="0"/>
+                                  <a:cs typeface="Times New Roman" pitchFamily="18" charset="0"/>
+                                </a:rPr>
+                                <m:t>𝑃</m:t>
+                              </m:r>
+                              <m:r>
+                                <a:rPr lang="en-US" i="1">
+                                  <a:effectLst/>
+                                  <a:latin typeface="Cambria Math" panose="02040503050406030204" pitchFamily="18" charset="0"/>
+                                  <a:cs typeface="Times New Roman" pitchFamily="18" charset="0"/>
+                                </a:rPr>
+                                <m:t>𝑟𝑜𝑣𝑎𝑠</m:t>
+                              </m:r>
+                            </m:sub>
+                          </m:sSub>
+                        </m:num>
+                        <m:den>
+                          <m:r>
+                            <a:rPr lang="en-US" b="0" i="1" smtClean="0">
+                              <a:effectLst/>
+                              <a:latin typeface="Cambria Math" panose="02040503050406030204" pitchFamily="18" charset="0"/>
+                              <a:cs typeface="Times New Roman" pitchFamily="18" charset="0"/>
+                            </a:rPr>
+                            <m:t>10</m:t>
+                          </m:r>
+                        </m:den>
+                      </m:f>
+                    </m:oMath>
+                  </m:oMathPara>
+                </a14:m>
+                <a:endParaRPr lang="pt-BR" dirty="0">
+                  <a:effectLst/>
+                  <a:latin typeface="Verdana" pitchFamily="34" charset="0"/>
+                  <a:cs typeface="Times New Roman" pitchFamily="18" charset="0"/>
+                </a:endParaRPr>
+              </a:p>
+              <a:p>
+                <a:pPr>
+                  <a:defRPr/>
+                </a:pPr>
+                <a:endParaRPr lang="pt-BR" dirty="0">
+                  <a:latin typeface="Verdana" pitchFamily="34" charset="0"/>
+                  <a:cs typeface="Times New Roman" pitchFamily="18" charset="0"/>
+                </a:endParaRPr>
+              </a:p>
+              <a:p>
+                <a:pPr>
+                  <a:defRPr/>
+                </a:pPr>
+                <a14:m>
+                  <m:oMathPara xmlns:m="http://schemas.openxmlformats.org/officeDocument/2006/math">
+                    <m:oMathParaPr>
+                      <m:jc m:val="left"/>
+                    </m:oMathParaPr>
+                    <m:oMath xmlns:m="http://schemas.openxmlformats.org/officeDocument/2006/math">
+                      <m:sSub>
+                        <m:sSubPr>
+                          <m:ctrlPr>
+                            <a:rPr lang="pt-BR" i="1">
+                              <a:latin typeface="Cambria Math" panose="02040503050406030204" pitchFamily="18" charset="0"/>
+                            </a:rPr>
+                          </m:ctrlPr>
+                        </m:sSubPr>
+                        <m:e>
+                          <m:r>
+                            <a:rPr lang="en-US" i="1">
+                              <a:latin typeface="Cambria Math" panose="02040503050406030204" pitchFamily="18" charset="0"/>
+                            </a:rPr>
+                            <m:t>𝑀</m:t>
+                          </m:r>
+                        </m:e>
+                        <m:sub>
+                          <m:r>
+                            <a:rPr lang="en-US" b="0" i="1" smtClean="0">
+                              <a:latin typeface="Cambria Math" panose="02040503050406030204" pitchFamily="18" charset="0"/>
+                            </a:rPr>
+                            <m:t>𝑃</m:t>
+                          </m:r>
+                          <m:r>
+                            <a:rPr lang="en-US" i="1">
+                              <a:latin typeface="Cambria Math" panose="02040503050406030204" pitchFamily="18" charset="0"/>
+                            </a:rPr>
+                            <m:t>𝑟𝑜𝑣𝑎𝑠</m:t>
+                          </m:r>
+                        </m:sub>
+                      </m:sSub>
+                      <m:r>
+                        <a:rPr lang="en-US" i="1">
+                          <a:latin typeface="Cambria Math" panose="02040503050406030204" pitchFamily="18" charset="0"/>
+                        </a:rPr>
+                        <m:t>=</m:t>
+                      </m:r>
+                      <m:f>
+                        <m:fPr>
+                          <m:ctrlPr>
+                            <a:rPr lang="en-US" i="1">
+                              <a:latin typeface="Cambria Math" panose="02040503050406030204" pitchFamily="18" charset="0"/>
+                              <a:ea typeface="Cambria Math" panose="02040503050406030204" pitchFamily="18" charset="0"/>
+                            </a:rPr>
+                          </m:ctrlPr>
+                        </m:fPr>
+                        <m:num>
+                          <m:r>
+                            <a:rPr lang="en-US" i="1">
+                              <a:latin typeface="Cambria Math" panose="02040503050406030204" pitchFamily="18" charset="0"/>
+                            </a:rPr>
+                            <m:t>1⋅</m:t>
+                          </m:r>
+                          <m:sSub>
+                            <m:sSubPr>
+                              <m:ctrlPr>
+                                <a:rPr lang="en-US" i="1">
+                                  <a:latin typeface="Cambria Math" panose="02040503050406030204" pitchFamily="18" charset="0"/>
+                                  <a:ea typeface="Cambria Math" panose="02040503050406030204" pitchFamily="18" charset="0"/>
+                                </a:rPr>
+                              </m:ctrlPr>
+                            </m:sSubPr>
+                            <m:e>
+                              <m:r>
+                                <a:rPr lang="en-US" i="1">
+                                  <a:latin typeface="Cambria Math" panose="02040503050406030204" pitchFamily="18" charset="0"/>
+                                  <a:ea typeface="Cambria Math" panose="02040503050406030204" pitchFamily="18" charset="0"/>
+                                </a:rPr>
+                                <m:t>𝑃</m:t>
+                              </m:r>
+                            </m:e>
+                            <m:sub>
+                              <m:r>
+                                <a:rPr lang="en-US" i="1">
+                                  <a:latin typeface="Cambria Math" panose="02040503050406030204" pitchFamily="18" charset="0"/>
+                                  <a:ea typeface="Cambria Math" panose="02040503050406030204" pitchFamily="18" charset="0"/>
+                                </a:rPr>
+                                <m:t>1</m:t>
+                              </m:r>
+                            </m:sub>
+                          </m:sSub>
+                          <m:r>
+                            <a:rPr lang="en-US" i="1">
+                              <a:latin typeface="Cambria Math" panose="02040503050406030204" pitchFamily="18" charset="0"/>
+                              <a:ea typeface="Cambria Math" panose="02040503050406030204" pitchFamily="18" charset="0"/>
+                            </a:rPr>
+                            <m:t>+2⋅</m:t>
+                          </m:r>
+                          <m:sSub>
+                            <m:sSubPr>
+                              <m:ctrlPr>
+                                <a:rPr lang="en-US" i="1">
+                                  <a:latin typeface="Cambria Math" panose="02040503050406030204" pitchFamily="18" charset="0"/>
+                                  <a:ea typeface="Cambria Math" panose="02040503050406030204" pitchFamily="18" charset="0"/>
+                                </a:rPr>
+                              </m:ctrlPr>
+                            </m:sSubPr>
+                            <m:e>
+                              <m:r>
+                                <a:rPr lang="en-US" i="1">
+                                  <a:latin typeface="Cambria Math" panose="02040503050406030204" pitchFamily="18" charset="0"/>
+                                  <a:ea typeface="Cambria Math" panose="02040503050406030204" pitchFamily="18" charset="0"/>
+                                </a:rPr>
+                                <m:t>𝑃</m:t>
+                              </m:r>
+                            </m:e>
+                            <m:sub>
+                              <m:r>
+                                <a:rPr lang="en-US" i="1">
+                                  <a:latin typeface="Cambria Math" panose="02040503050406030204" pitchFamily="18" charset="0"/>
+                                  <a:ea typeface="Cambria Math" panose="02040503050406030204" pitchFamily="18" charset="0"/>
+                                </a:rPr>
+                                <m:t>2</m:t>
+                              </m:r>
+                            </m:sub>
+                          </m:sSub>
+                        </m:num>
+                        <m:den>
+                          <m:r>
+                            <a:rPr lang="en-US" i="1">
+                              <a:latin typeface="Cambria Math" panose="02040503050406030204" pitchFamily="18" charset="0"/>
+                              <a:ea typeface="Cambria Math" panose="02040503050406030204" pitchFamily="18" charset="0"/>
+                            </a:rPr>
+                            <m:t>3</m:t>
+                          </m:r>
+                        </m:den>
+                      </m:f>
+                    </m:oMath>
+                  </m:oMathPara>
+                </a14:m>
+                <a:endParaRPr lang="en-US" dirty="0">
+                  <a:effectLst/>
+                  <a:latin typeface="Verdana" pitchFamily="34" charset="0"/>
+                  <a:cs typeface="Times New Roman" pitchFamily="18" charset="0"/>
+                </a:endParaRPr>
+              </a:p>
+              <a:p>
+                <a:pPr>
+                  <a:buFontTx/>
+                  <a:buChar char="•"/>
+                  <a:defRPr/>
+                </a:pPr>
+                <a:endParaRPr lang="en-US" dirty="0">
+                  <a:effectLst/>
+                  <a:latin typeface="Verdana" pitchFamily="34" charset="0"/>
+                  <a:cs typeface="Times New Roman" pitchFamily="18" charset="0"/>
+                </a:endParaRPr>
+              </a:p>
+              <a:p>
+                <a:pPr>
+                  <a:defRPr/>
+                </a:pPr>
+                <a14:m>
+                  <m:oMathPara xmlns:m="http://schemas.openxmlformats.org/officeDocument/2006/math">
+                    <m:oMathParaPr>
+                      <m:jc m:val="left"/>
+                    </m:oMathParaPr>
+                    <m:oMath xmlns:m="http://schemas.openxmlformats.org/officeDocument/2006/math">
+                      <m:sSub>
+                        <m:sSubPr>
+                          <m:ctrlPr>
+                            <a:rPr lang="en-US" b="0" i="1" smtClean="0">
+                              <a:effectLst/>
+                              <a:latin typeface="Cambria Math" panose="02040503050406030204" pitchFamily="18" charset="0"/>
+                              <a:cs typeface="Times New Roman" pitchFamily="18" charset="0"/>
+                            </a:rPr>
+                          </m:ctrlPr>
+                        </m:sSubPr>
+                        <m:e>
+                          <m:r>
+                            <a:rPr lang="en-US" b="0" i="1" smtClean="0">
+                              <a:effectLst/>
+                              <a:latin typeface="Cambria Math" panose="02040503050406030204" pitchFamily="18" charset="0"/>
+                              <a:cs typeface="Times New Roman" pitchFamily="18" charset="0"/>
+                            </a:rPr>
+                            <m:t>𝑀</m:t>
+                          </m:r>
+                        </m:e>
+                        <m:sub>
+                          <m:r>
+                            <a:rPr lang="en-US" b="0" i="1" smtClean="0">
+                              <a:effectLst/>
+                              <a:latin typeface="Cambria Math" panose="02040503050406030204" pitchFamily="18" charset="0"/>
+                              <a:cs typeface="Times New Roman" pitchFamily="18" charset="0"/>
+                            </a:rPr>
+                            <m:t>𝐿𝑎𝑏𝑠</m:t>
+                          </m:r>
+                        </m:sub>
+                      </m:sSub>
+                      <m:r>
+                        <a:rPr lang="en-US" i="1">
+                          <a:effectLst/>
+                          <a:latin typeface="Cambria Math" panose="02040503050406030204" pitchFamily="18" charset="0"/>
+                          <a:cs typeface="Times New Roman" pitchFamily="18" charset="0"/>
+                        </a:rPr>
+                        <m:t>=</m:t>
+                      </m:r>
+                      <m:f>
+                        <m:fPr>
+                          <m:ctrlPr>
+                            <a:rPr lang="en-US" b="0" i="1" smtClean="0">
+                              <a:effectLst/>
+                              <a:latin typeface="Cambria Math" panose="02040503050406030204" pitchFamily="18" charset="0"/>
+                              <a:cs typeface="Times New Roman" pitchFamily="18" charset="0"/>
+                            </a:rPr>
+                          </m:ctrlPr>
+                        </m:fPr>
+                        <m:num>
+                          <m:r>
+                            <a:rPr lang="en-US" b="0" i="1" smtClean="0">
+                              <a:effectLst/>
+                              <a:latin typeface="Cambria Math" panose="02040503050406030204" pitchFamily="18" charset="0"/>
+                              <a:cs typeface="Times New Roman" pitchFamily="18" charset="0"/>
+                            </a:rPr>
+                            <m:t>1</m:t>
+                          </m:r>
+                        </m:num>
+                        <m:den>
+                          <m:r>
+                            <a:rPr lang="en-US" b="0" i="1" smtClean="0">
+                              <a:effectLst/>
+                              <a:latin typeface="Cambria Math" panose="02040503050406030204" pitchFamily="18" charset="0"/>
+                              <a:cs typeface="Times New Roman" pitchFamily="18" charset="0"/>
+                            </a:rPr>
+                            <m:t>10</m:t>
+                          </m:r>
+                        </m:den>
+                      </m:f>
+                      <m:r>
+                        <a:rPr lang="en-US" b="0" i="1" smtClean="0">
+                          <a:effectLst/>
+                          <a:latin typeface="Cambria Math" panose="02040503050406030204" pitchFamily="18" charset="0"/>
+                          <a:cs typeface="Times New Roman" pitchFamily="18" charset="0"/>
+                        </a:rPr>
+                        <m:t>⋅</m:t>
+                      </m:r>
+                      <m:nary>
+                        <m:naryPr>
+                          <m:chr m:val="∑"/>
+                          <m:ctrlPr>
+                            <a:rPr lang="en-US" b="0" i="1" smtClean="0">
+                              <a:effectLst/>
+                              <a:latin typeface="Cambria Math" panose="02040503050406030204" pitchFamily="18" charset="0"/>
+                              <a:cs typeface="Times New Roman" pitchFamily="18" charset="0"/>
+                            </a:rPr>
+                          </m:ctrlPr>
+                        </m:naryPr>
+                        <m:sub>
+                          <m:r>
+                            <a:rPr lang="en-US" b="0" i="1" smtClean="0">
+                              <a:effectLst/>
+                              <a:latin typeface="Cambria Math" panose="02040503050406030204" pitchFamily="18" charset="0"/>
+                              <a:cs typeface="Times New Roman" pitchFamily="18" charset="0"/>
+                            </a:rPr>
+                            <m:t>𝑖</m:t>
+                          </m:r>
+                          <m:r>
+                            <a:rPr lang="en-US" b="0" i="1" smtClean="0">
+                              <a:effectLst/>
+                              <a:latin typeface="Cambria Math" panose="02040503050406030204" pitchFamily="18" charset="0"/>
+                              <a:cs typeface="Times New Roman" pitchFamily="18" charset="0"/>
+                            </a:rPr>
+                            <m:t>=0</m:t>
+                          </m:r>
+                        </m:sub>
+                        <m:sup>
+                          <m:r>
+                            <a:rPr lang="en-US" b="0" i="1" smtClean="0">
+                              <a:effectLst/>
+                              <a:latin typeface="Cambria Math" panose="02040503050406030204" pitchFamily="18" charset="0"/>
+                              <a:cs typeface="Times New Roman" pitchFamily="18" charset="0"/>
+                            </a:rPr>
+                            <m:t>10</m:t>
+                          </m:r>
+                        </m:sup>
+                        <m:e>
+                          <m:r>
+                            <a:rPr lang="en-US" b="0" i="1" smtClean="0">
+                              <a:effectLst/>
+                              <a:latin typeface="Cambria Math" panose="02040503050406030204" pitchFamily="18" charset="0"/>
+                              <a:cs typeface="Times New Roman" pitchFamily="18" charset="0"/>
+                            </a:rPr>
+                            <m:t>𝐿𝑎</m:t>
+                          </m:r>
+                          <m:sSub>
+                            <m:sSubPr>
+                              <m:ctrlPr>
+                                <a:rPr lang="en-US" b="0" i="1" smtClean="0">
+                                  <a:effectLst/>
+                                  <a:latin typeface="Cambria Math" panose="02040503050406030204" pitchFamily="18" charset="0"/>
+                                  <a:cs typeface="Times New Roman" pitchFamily="18" charset="0"/>
+                                </a:rPr>
+                              </m:ctrlPr>
+                            </m:sSubPr>
+                            <m:e>
+                              <m:r>
+                                <a:rPr lang="en-US" b="0" i="1" smtClean="0">
+                                  <a:effectLst/>
+                                  <a:latin typeface="Cambria Math" panose="02040503050406030204" pitchFamily="18" charset="0"/>
+                                  <a:cs typeface="Times New Roman" pitchFamily="18" charset="0"/>
+                                </a:rPr>
+                                <m:t>𝑏</m:t>
+                              </m:r>
+                            </m:e>
+                            <m:sub>
+                              <m:r>
+                                <a:rPr lang="en-US" b="0" i="1" smtClean="0">
+                                  <a:effectLst/>
+                                  <a:latin typeface="Cambria Math" panose="02040503050406030204" pitchFamily="18" charset="0"/>
+                                  <a:cs typeface="Times New Roman" pitchFamily="18" charset="0"/>
+                                </a:rPr>
+                                <m:t>𝑖</m:t>
+                              </m:r>
+                            </m:sub>
+                          </m:sSub>
+                        </m:e>
+                      </m:nary>
+                    </m:oMath>
+                  </m:oMathPara>
+                </a14:m>
+                <a:endParaRPr lang="en-US" b="0" dirty="0">
+                  <a:effectLst>
+                    <a:outerShdw blurRad="38100" dist="38100" dir="2700000" algn="tl">
+                      <a:srgbClr val="C0C0C0"/>
+                    </a:outerShdw>
+                  </a:effectLst>
+                  <a:latin typeface="Verdana" pitchFamily="34" charset="0"/>
+                  <a:cs typeface="Times New Roman" pitchFamily="18" charset="0"/>
+                </a:endParaRPr>
+              </a:p>
+            </p:txBody>
+          </p:sp>
+        </mc:Choice>
+        <mc:Fallback>
+          <p:sp>
+            <p:nvSpPr>
+              <p:cNvPr id="5" name="Text Box 2052"/>
+              <p:cNvSpPr txBox="1">
+                <a:spLocks noRot="1" noChangeAspect="1" noMove="1" noResize="1" noEditPoints="1" noAdjustHandles="1" noChangeArrowheads="1" noChangeShapeType="1" noTextEdit="1"/>
+              </p:cNvSpPr>
+              <p:nvPr/>
+            </p:nvSpPr>
+            <p:spPr bwMode="auto">
+              <a:xfrm>
+                <a:off x="990600" y="1349375"/>
+                <a:ext cx="6934200" cy="4628318"/>
+              </a:xfrm>
+              <a:prstGeom prst="rect">
+                <a:avLst/>
+              </a:prstGeom>
+              <a:blipFill>
+                <a:blip r:embed="rId2"/>
+                <a:stretch>
+                  <a:fillRect l="-528" t="-395" r="-440"/>
+                </a:stretch>
+              </a:blipFill>
+              <a:ln w="9525">
+                <a:noFill/>
+                <a:miter lim="800000"/>
+                <a:headEnd/>
+                <a:tailEnd/>
+              </a:ln>
+              <a:effectLst/>
+            </p:spPr>
+            <p:txBody>
+              <a:bodyPr/>
+              <a:lstStyle/>
+              <a:p>
+                <a:r>
+                  <a:rPr lang="pt-BR">
+                    <a:noFill/>
+                  </a:rPr>
+                  <a:t> </a:t>
+                </a:r>
+              </a:p>
+            </p:txBody>
+          </p:sp>
+        </mc:Fallback>
+      </mc:AlternateContent>
       <p:sp>
         <p:nvSpPr>
           <p:cNvPr id="6" name="Text Box 2051"/>
@@ -7714,234 +7064,6 @@
           </a:p>
         </p:txBody>
       </p:sp>
-      <p:graphicFrame>
-        <p:nvGraphicFramePr>
-          <p:cNvPr id="7" name="Objeto 6"/>
-          <p:cNvGraphicFramePr>
-            <a:graphicFrameLocks noChangeAspect="1"/>
-          </p:cNvGraphicFramePr>
-          <p:nvPr>
-            <p:extLst>
-              <p:ext uri="{D42A27DB-BD31-4B8C-83A1-F6EECF244321}">
-                <p14:modId xmlns:p14="http://schemas.microsoft.com/office/powerpoint/2010/main" val="3597458539"/>
-              </p:ext>
-            </p:extLst>
-          </p:nvPr>
-        </p:nvGraphicFramePr>
-        <p:xfrm>
-          <a:off x="1614958" y="2708920"/>
-          <a:ext cx="5621338" cy="898525"/>
-        </p:xfrm>
-        <a:graphic>
-          <a:graphicData uri="http://schemas.openxmlformats.org/presentationml/2006/ole">
-            <mc:AlternateContent xmlns:mc="http://schemas.openxmlformats.org/markup-compatibility/2006">
-              <mc:Choice xmlns:v="urn:schemas-microsoft-com:vml" Requires="v">
-                <p:oleObj spid="_x0000_s8280" name="Equação" r:id="rId3" imgW="2463480" imgH="393480" progId="Equation.3">
-                  <p:embed/>
-                </p:oleObj>
-              </mc:Choice>
-              <mc:Fallback>
-                <p:oleObj name="Equação" r:id="rId3" imgW="2463480" imgH="393480" progId="Equation.3">
-                  <p:embed/>
-                  <p:pic>
-                    <p:nvPicPr>
-                      <p:cNvPr id="0" name=""/>
-                      <p:cNvPicPr/>
-                      <p:nvPr/>
-                    </p:nvPicPr>
-                    <p:blipFill>
-                      <a:blip r:embed="rId4"/>
-                      <a:stretch>
-                        <a:fillRect/>
-                      </a:stretch>
-                    </p:blipFill>
-                    <p:spPr>
-                      <a:xfrm>
-                        <a:off x="1614958" y="2708920"/>
-                        <a:ext cx="5621338" cy="898525"/>
-                      </a:xfrm>
-                      <a:prstGeom prst="rect">
-                        <a:avLst/>
-                      </a:prstGeom>
-                    </p:spPr>
-                  </p:pic>
-                </p:oleObj>
-              </mc:Fallback>
-            </mc:AlternateContent>
-          </a:graphicData>
-        </a:graphic>
-      </p:graphicFrame>
-      <p:graphicFrame>
-        <p:nvGraphicFramePr>
-          <p:cNvPr id="8" name="Objeto 7"/>
-          <p:cNvGraphicFramePr>
-            <a:graphicFrameLocks noChangeAspect="1"/>
-          </p:cNvGraphicFramePr>
-          <p:nvPr>
-            <p:extLst>
-              <p:ext uri="{D42A27DB-BD31-4B8C-83A1-F6EECF244321}">
-                <p14:modId xmlns:p14="http://schemas.microsoft.com/office/powerpoint/2010/main" val="2161544791"/>
-              </p:ext>
-            </p:extLst>
-          </p:nvPr>
-        </p:nvGraphicFramePr>
-        <p:xfrm>
-          <a:off x="971600" y="3645024"/>
-          <a:ext cx="2304256" cy="1268636"/>
-        </p:xfrm>
-        <a:graphic>
-          <a:graphicData uri="http://schemas.openxmlformats.org/presentationml/2006/ole">
-            <mc:AlternateContent xmlns:mc="http://schemas.openxmlformats.org/markup-compatibility/2006">
-              <mc:Choice xmlns:v="urn:schemas-microsoft-com:vml" Requires="v">
-                <p:oleObj spid="_x0000_s8281" name="Equação" r:id="rId5" imgW="1130040" imgH="622080" progId="Equation.3">
-                  <p:embed/>
-                </p:oleObj>
-              </mc:Choice>
-              <mc:Fallback>
-                <p:oleObj name="Equação" r:id="rId5" imgW="1130040" imgH="622080" progId="Equation.3">
-                  <p:embed/>
-                  <p:pic>
-                    <p:nvPicPr>
-                      <p:cNvPr id="0" name=""/>
-                      <p:cNvPicPr/>
-                      <p:nvPr/>
-                    </p:nvPicPr>
-                    <p:blipFill>
-                      <a:blip r:embed="rId6"/>
-                      <a:stretch>
-                        <a:fillRect/>
-                      </a:stretch>
-                    </p:blipFill>
-                    <p:spPr>
-                      <a:xfrm>
-                        <a:off x="971600" y="3645024"/>
-                        <a:ext cx="2304256" cy="1268636"/>
-                      </a:xfrm>
-                      <a:prstGeom prst="rect">
-                        <a:avLst/>
-                      </a:prstGeom>
-                    </p:spPr>
-                  </p:pic>
-                </p:oleObj>
-              </mc:Fallback>
-            </mc:AlternateContent>
-          </a:graphicData>
-        </a:graphic>
-      </p:graphicFrame>
-      <p:graphicFrame>
-        <p:nvGraphicFramePr>
-          <p:cNvPr id="9" name="Objeto 8"/>
-          <p:cNvGraphicFramePr>
-            <a:graphicFrameLocks noChangeAspect="1"/>
-          </p:cNvGraphicFramePr>
-          <p:nvPr>
-            <p:extLst>
-              <p:ext uri="{D42A27DB-BD31-4B8C-83A1-F6EECF244321}">
-                <p14:modId xmlns:p14="http://schemas.microsoft.com/office/powerpoint/2010/main" val="1827579183"/>
-              </p:ext>
-            </p:extLst>
-          </p:nvPr>
-        </p:nvGraphicFramePr>
-        <p:xfrm>
-          <a:off x="3147169" y="5013176"/>
-          <a:ext cx="2720975" cy="944563"/>
-        </p:xfrm>
-        <a:graphic>
-          <a:graphicData uri="http://schemas.openxmlformats.org/presentationml/2006/ole">
-            <mc:AlternateContent xmlns:mc="http://schemas.openxmlformats.org/markup-compatibility/2006">
-              <mc:Choice xmlns:v="urn:schemas-microsoft-com:vml" Requires="v">
-                <p:oleObj spid="_x0000_s8282" name="Equação" r:id="rId7" imgW="1244520" imgH="431640" progId="Equation.3">
-                  <p:embed/>
-                </p:oleObj>
-              </mc:Choice>
-              <mc:Fallback>
-                <p:oleObj name="Equação" r:id="rId7" imgW="1244520" imgH="431640" progId="Equation.3">
-                  <p:embed/>
-                  <p:pic>
-                    <p:nvPicPr>
-                      <p:cNvPr id="0" name=""/>
-                      <p:cNvPicPr/>
-                      <p:nvPr/>
-                    </p:nvPicPr>
-                    <p:blipFill>
-                      <a:blip r:embed="rId8"/>
-                      <a:stretch>
-                        <a:fillRect/>
-                      </a:stretch>
-                    </p:blipFill>
-                    <p:spPr>
-                      <a:xfrm>
-                        <a:off x="3147169" y="5013176"/>
-                        <a:ext cx="2720975" cy="944563"/>
-                      </a:xfrm>
-                      <a:prstGeom prst="rect">
-                        <a:avLst/>
-                      </a:prstGeom>
-                    </p:spPr>
-                  </p:pic>
-                </p:oleObj>
-              </mc:Fallback>
-            </mc:AlternateContent>
-          </a:graphicData>
-        </a:graphic>
-      </p:graphicFrame>
-      <p:graphicFrame>
-        <p:nvGraphicFramePr>
-          <p:cNvPr id="10" name="Objeto 9"/>
-          <p:cNvGraphicFramePr>
-            <a:graphicFrameLocks noChangeAspect="1"/>
-          </p:cNvGraphicFramePr>
-          <p:nvPr>
-            <p:extLst>
-              <p:ext uri="{D42A27DB-BD31-4B8C-83A1-F6EECF244321}">
-                <p14:modId xmlns:p14="http://schemas.microsoft.com/office/powerpoint/2010/main" val="115737516"/>
-              </p:ext>
-            </p:extLst>
-          </p:nvPr>
-        </p:nvGraphicFramePr>
-        <p:xfrm>
-          <a:off x="5292080" y="3789040"/>
-          <a:ext cx="2967238" cy="867777"/>
-        </p:xfrm>
-        <a:graphic>
-          <a:graphicData uri="http://schemas.openxmlformats.org/presentationml/2006/ole">
-            <mc:AlternateContent xmlns:mc="http://schemas.openxmlformats.org/markup-compatibility/2006">
-              <mc:Choice xmlns:v="urn:schemas-microsoft-com:vml" Requires="v">
-                <p:oleObj spid="_x0000_s8283" name="Equação" r:id="rId9" imgW="1346040" imgH="393480" progId="Equation.3">
-                  <p:embed/>
-                </p:oleObj>
-              </mc:Choice>
-              <mc:Fallback>
-                <p:oleObj name="Equação" r:id="rId9" imgW="1346040" imgH="393480" progId="Equation.3">
-                  <p:embed/>
-                  <p:pic>
-                    <p:nvPicPr>
-                      <p:cNvPr id="0" name=""/>
-                      <p:cNvPicPr/>
-                      <p:nvPr/>
-                    </p:nvPicPr>
-                    <p:blipFill>
-                      <a:blip r:embed="rId10"/>
-                      <a:stretch>
-                        <a:fillRect/>
-                      </a:stretch>
-                    </p:blipFill>
-                    <p:spPr>
-                      <a:xfrm>
-                        <a:off x="5292080" y="3789040"/>
-                        <a:ext cx="2967238" cy="867777"/>
-                      </a:xfrm>
-                      <a:prstGeom prst="rect">
-                        <a:avLst/>
-                      </a:prstGeom>
-                    </p:spPr>
-                  </p:pic>
-                </p:oleObj>
-              </mc:Fallback>
-            </mc:AlternateContent>
-          </a:graphicData>
-        </a:graphic>
-      </p:graphicFrame>
     </p:spTree>
     <p:extLst>
       <p:ext uri="{BB962C8B-B14F-4D97-AF65-F5344CB8AC3E}">
@@ -8249,177 +7371,161 @@
           </a:p>
         </p:txBody>
       </p:sp>
-      <p:graphicFrame>
-        <p:nvGraphicFramePr>
-          <p:cNvPr id="4" name="Objeto 3"/>
-          <p:cNvGraphicFramePr>
-            <a:graphicFrameLocks noChangeAspect="1"/>
-          </p:cNvGraphicFramePr>
-          <p:nvPr>
-            <p:extLst>
-              <p:ext uri="{D42A27DB-BD31-4B8C-83A1-F6EECF244321}">
-                <p14:modId xmlns:p14="http://schemas.microsoft.com/office/powerpoint/2010/main" val="3178351725"/>
-              </p:ext>
-            </p:extLst>
-          </p:nvPr>
-        </p:nvGraphicFramePr>
-        <p:xfrm>
-          <a:off x="1032706" y="2606757"/>
-          <a:ext cx="7078587" cy="466720"/>
-        </p:xfrm>
-        <a:graphic>
-          <a:graphicData uri="http://schemas.openxmlformats.org/presentationml/2006/ole">
-            <mc:AlternateContent xmlns:mc="http://schemas.openxmlformats.org/markup-compatibility/2006">
-              <mc:Choice xmlns:v="urn:schemas-microsoft-com:vml" Requires="v">
-                <p:oleObj spid="_x0000_s9277" name="Equação" r:id="rId3" imgW="3466800" imgH="228600" progId="Equation.3">
-                  <p:embed/>
-                </p:oleObj>
-              </mc:Choice>
-              <mc:Fallback>
-                <p:oleObj name="Equação" r:id="rId3" imgW="3466800" imgH="228600" progId="Equation.3">
-                  <p:embed/>
-                  <p:pic>
-                    <p:nvPicPr>
-                      <p:cNvPr id="0" name=""/>
-                      <p:cNvPicPr/>
-                      <p:nvPr/>
-                    </p:nvPicPr>
-                    <p:blipFill>
-                      <a:blip r:embed="rId4"/>
-                      <a:stretch>
-                        <a:fillRect/>
-                      </a:stretch>
-                    </p:blipFill>
-                    <p:spPr>
-                      <a:xfrm>
-                        <a:off x="1032706" y="2606757"/>
-                        <a:ext cx="7078587" cy="466720"/>
-                      </a:xfrm>
-                      <a:prstGeom prst="rect">
-                        <a:avLst/>
-                      </a:prstGeom>
-                    </p:spPr>
-                  </p:pic>
-                </p:oleObj>
-              </mc:Fallback>
-            </mc:AlternateContent>
-          </a:graphicData>
-        </a:graphic>
-      </p:graphicFrame>
-      <p:graphicFrame>
-        <p:nvGraphicFramePr>
-          <p:cNvPr id="6" name="Objeto 5"/>
-          <p:cNvGraphicFramePr>
-            <a:graphicFrameLocks noChangeAspect="1"/>
-          </p:cNvGraphicFramePr>
-          <p:nvPr>
-            <p:extLst>
-              <p:ext uri="{D42A27DB-BD31-4B8C-83A1-F6EECF244321}">
-                <p14:modId xmlns:p14="http://schemas.microsoft.com/office/powerpoint/2010/main" val="49747372"/>
-              </p:ext>
-            </p:extLst>
-          </p:nvPr>
-        </p:nvGraphicFramePr>
-        <p:xfrm>
-          <a:off x="1115616" y="3174924"/>
-          <a:ext cx="1678786" cy="542108"/>
-        </p:xfrm>
-        <a:graphic>
-          <a:graphicData uri="http://schemas.openxmlformats.org/presentationml/2006/ole">
-            <mc:AlternateContent xmlns:mc="http://schemas.openxmlformats.org/markup-compatibility/2006">
-              <mc:Choice xmlns:v="urn:schemas-microsoft-com:vml" Requires="v">
-                <p:oleObj spid="_x0000_s9278" name="Equação" r:id="rId5" imgW="1218960" imgH="393480" progId="Equation.3">
-                  <p:embed/>
-                </p:oleObj>
-              </mc:Choice>
-              <mc:Fallback>
-                <p:oleObj name="Equação" r:id="rId5" imgW="1218960" imgH="393480" progId="Equation.3">
-                  <p:embed/>
-                  <p:pic>
-                    <p:nvPicPr>
-                      <p:cNvPr id="0" name=""/>
-                      <p:cNvPicPr/>
-                      <p:nvPr/>
-                    </p:nvPicPr>
-                    <p:blipFill>
-                      <a:blip r:embed="rId6"/>
-                      <a:stretch>
-                        <a:fillRect/>
-                      </a:stretch>
-                    </p:blipFill>
-                    <p:spPr>
-                      <a:xfrm>
-                        <a:off x="1115616" y="3174924"/>
-                        <a:ext cx="1678786" cy="542108"/>
-                      </a:xfrm>
-                      <a:prstGeom prst="rect">
-                        <a:avLst/>
-                      </a:prstGeom>
-                    </p:spPr>
-                  </p:pic>
-                </p:oleObj>
-              </mc:Fallback>
-            </mc:AlternateContent>
-          </a:graphicData>
-        </a:graphic>
-      </p:graphicFrame>
-      <p:graphicFrame>
-        <p:nvGraphicFramePr>
-          <p:cNvPr id="7" name="Objeto 6"/>
-          <p:cNvGraphicFramePr>
-            <a:graphicFrameLocks noChangeAspect="1"/>
-          </p:cNvGraphicFramePr>
-          <p:nvPr>
-            <p:extLst>
-              <p:ext uri="{D42A27DB-BD31-4B8C-83A1-F6EECF244321}">
-                <p14:modId xmlns:p14="http://schemas.microsoft.com/office/powerpoint/2010/main" val="200145576"/>
-              </p:ext>
-            </p:extLst>
-          </p:nvPr>
-        </p:nvGraphicFramePr>
-        <p:xfrm>
-          <a:off x="3347864" y="3174202"/>
-          <a:ext cx="864096" cy="398814"/>
-        </p:xfrm>
-        <a:graphic>
-          <a:graphicData uri="http://schemas.openxmlformats.org/presentationml/2006/ole">
-            <mc:AlternateContent xmlns:mc="http://schemas.openxmlformats.org/markup-compatibility/2006">
-              <mc:Choice xmlns:v="urn:schemas-microsoft-com:vml" Requires="v">
-                <p:oleObj spid="_x0000_s9279" name="Equação" r:id="rId7" imgW="495000" imgH="228600" progId="Equation.3">
-                  <p:embed/>
-                </p:oleObj>
-              </mc:Choice>
-              <mc:Fallback>
-                <p:oleObj name="Equação" r:id="rId7" imgW="495000" imgH="228600" progId="Equation.3">
-                  <p:embed/>
-                  <p:pic>
-                    <p:nvPicPr>
-                      <p:cNvPr id="0" name=""/>
-                      <p:cNvPicPr/>
-                      <p:nvPr/>
-                    </p:nvPicPr>
-                    <p:blipFill>
-                      <a:blip r:embed="rId8"/>
-                      <a:stretch>
-                        <a:fillRect/>
-                      </a:stretch>
-                    </p:blipFill>
-                    <p:spPr>
-                      <a:xfrm>
-                        <a:off x="3347864" y="3174202"/>
-                        <a:ext cx="864096" cy="398814"/>
-                      </a:xfrm>
-                      <a:prstGeom prst="rect">
-                        <a:avLst/>
-                      </a:prstGeom>
-                    </p:spPr>
-                  </p:pic>
-                </p:oleObj>
-              </mc:Fallback>
-            </mc:AlternateContent>
-          </a:graphicData>
-        </a:graphic>
-      </p:graphicFrame>
+      <mc:AlternateContent xmlns:mc="http://schemas.openxmlformats.org/markup-compatibility/2006">
+        <mc:Choice xmlns:a14="http://schemas.microsoft.com/office/drawing/2010/main" Requires="a14">
+          <p:sp>
+            <p:nvSpPr>
+              <p:cNvPr id="8" name="Retângulo 7">
+                <a:extLst>
+                  <a:ext uri="{FF2B5EF4-FFF2-40B4-BE49-F238E27FC236}">
+                    <a16:creationId xmlns:a16="http://schemas.microsoft.com/office/drawing/2014/main" id="{329EE903-C9A7-4AD3-A3EB-0C0587774E50}"/>
+                  </a:ext>
+                </a:extLst>
+              </p:cNvPr>
+              <p:cNvSpPr/>
+              <p:nvPr/>
+            </p:nvSpPr>
+            <p:spPr>
+              <a:xfrm>
+                <a:off x="1661977" y="2378452"/>
+                <a:ext cx="5688632" cy="461665"/>
+              </a:xfrm>
+              <a:prstGeom prst="rect">
+                <a:avLst/>
+              </a:prstGeom>
+            </p:spPr>
+            <p:txBody>
+              <a:bodyPr wrap="square">
+                <a:spAutoFit/>
+              </a:bodyPr>
+              <a:lstStyle/>
+              <a:p>
+                <a14:m>
+                  <m:oMathPara xmlns:m="http://schemas.openxmlformats.org/officeDocument/2006/math">
+                    <m:oMathParaPr>
+                      <m:jc m:val="centerGroup"/>
+                    </m:oMathParaPr>
+                    <m:oMath xmlns:m="http://schemas.openxmlformats.org/officeDocument/2006/math">
+                      <m:sSub>
+                        <m:sSubPr>
+                          <m:ctrlPr>
+                            <a:rPr lang="en-US" i="1" smtClean="0">
+                              <a:latin typeface="Cambria Math" panose="02040503050406030204" pitchFamily="18" charset="0"/>
+                              <a:cs typeface="Times New Roman" pitchFamily="18" charset="0"/>
+                            </a:rPr>
+                          </m:ctrlPr>
+                        </m:sSubPr>
+                        <m:e>
+                          <m:r>
+                            <a:rPr lang="en-US" i="1">
+                              <a:latin typeface="Cambria Math" panose="02040503050406030204" pitchFamily="18" charset="0"/>
+                              <a:cs typeface="Times New Roman" pitchFamily="18" charset="0"/>
+                            </a:rPr>
+                            <m:t>𝑀</m:t>
+                          </m:r>
+                        </m:e>
+                        <m:sub>
+                          <m:r>
+                            <a:rPr lang="en-US" i="1">
+                              <a:latin typeface="Cambria Math" panose="02040503050406030204" pitchFamily="18" charset="0"/>
+                              <a:cs typeface="Times New Roman" pitchFamily="18" charset="0"/>
+                            </a:rPr>
+                            <m:t>𝐹𝑖𝑛𝑎𝑙</m:t>
+                          </m:r>
+                        </m:sub>
+                      </m:sSub>
+                      <m:r>
+                        <a:rPr lang="pt-BR" i="1" smtClean="0"/>
+                        <m:t>≥</m:t>
+                      </m:r>
+                      <m:r>
+                        <a:rPr lang="en-US" b="0" i="1" smtClean="0">
+                          <a:latin typeface="Cambria Math" panose="02040503050406030204" pitchFamily="18" charset="0"/>
+                          <a:cs typeface="Times New Roman" pitchFamily="18" charset="0"/>
+                        </a:rPr>
+                        <m:t>5.0 </m:t>
+                      </m:r>
+                      <m:r>
+                        <a:rPr lang="en-US" b="0" i="1" smtClean="0">
+                          <a:latin typeface="Cambria Math" panose="02040503050406030204" pitchFamily="18" charset="0"/>
+                          <a:cs typeface="Times New Roman" pitchFamily="18" charset="0"/>
+                        </a:rPr>
+                        <m:t>𝑒</m:t>
+                      </m:r>
+                      <m:r>
+                        <a:rPr lang="en-US" b="0" i="1" smtClean="0">
+                          <a:latin typeface="Cambria Math" panose="02040503050406030204" pitchFamily="18" charset="0"/>
+                          <a:cs typeface="Times New Roman" pitchFamily="18" charset="0"/>
+                        </a:rPr>
+                        <m:t> </m:t>
+                      </m:r>
+                      <m:r>
+                        <a:rPr lang="en-US" b="0" i="1" smtClean="0">
+                          <a:latin typeface="Cambria Math" panose="02040503050406030204" pitchFamily="18" charset="0"/>
+                          <a:cs typeface="Times New Roman" pitchFamily="18" charset="0"/>
+                        </a:rPr>
+                        <m:t>𝐹𝑟𝑒𝑞𝑢𝑒𝑛𝑐𝑖𝑎</m:t>
+                      </m:r>
+                      <m:r>
+                        <a:rPr lang="en-US" b="0" i="1" smtClean="0">
+                          <a:latin typeface="Cambria Math" panose="02040503050406030204" pitchFamily="18" charset="0"/>
+                          <a:cs typeface="Times New Roman" pitchFamily="18" charset="0"/>
+                        </a:rPr>
+                        <m:t>≥75%</m:t>
+                      </m:r>
+                    </m:oMath>
+                  </m:oMathPara>
+                </a14:m>
+                <a:endParaRPr lang="pt-BR" dirty="0"/>
+              </a:p>
+            </p:txBody>
+          </p:sp>
+        </mc:Choice>
+        <mc:Fallback>
+          <p:sp>
+            <p:nvSpPr>
+              <p:cNvPr id="8" name="Retângulo 7">
+                <a:extLst>
+                  <a:ext uri="{FF2B5EF4-FFF2-40B4-BE49-F238E27FC236}">
+                    <a16:creationId xmlns:a16="http://schemas.microsoft.com/office/drawing/2014/main" id="{329EE903-C9A7-4AD3-A3EB-0C0587774E50}"/>
+                  </a:ext>
+                </a:extLst>
+              </p:cNvPr>
+              <p:cNvSpPr>
+                <a:spLocks noRot="1" noChangeAspect="1" noMove="1" noResize="1" noEditPoints="1" noAdjustHandles="1" noChangeArrowheads="1" noChangeShapeType="1" noTextEdit="1"/>
+              </p:cNvSpPr>
+              <p:nvPr/>
+            </p:nvSpPr>
+            <p:spPr>
+              <a:xfrm>
+                <a:off x="1661977" y="2378452"/>
+                <a:ext cx="5688632" cy="461665"/>
+              </a:xfrm>
+              <a:prstGeom prst="rect">
+                <a:avLst/>
+              </a:prstGeom>
+              <a:blipFill>
+                <a:blip r:embed="rId2"/>
+                <a:stretch>
+                  <a:fillRect b="-18421"/>
+                </a:stretch>
+              </a:blipFill>
+            </p:spPr>
+            <p:txBody>
+              <a:bodyPr/>
+              <a:lstStyle/>
+              <a:p>
+                <a:r>
+                  <a:rPr lang="pt-BR">
+                    <a:noFill/>
+                  </a:rPr>
+                  <a:t> </a:t>
+                </a:r>
+              </a:p>
+            </p:txBody>
+          </p:sp>
+        </mc:Fallback>
+      </mc:AlternateContent>
     </p:spTree>
     <p:extLst>
       <p:ext uri="{BB962C8B-B14F-4D97-AF65-F5344CB8AC3E}">
@@ -8519,7 +7625,7 @@
         <p:spPr bwMode="auto">
           <a:xfrm>
             <a:off x="990600" y="1349375"/>
-            <a:ext cx="6934200" cy="4524315"/>
+            <a:ext cx="6934200" cy="3785652"/>
           </a:xfrm>
           <a:prstGeom prst="rect">
             <a:avLst/>
@@ -8545,7 +7651,7 @@
               <a:defRPr/>
             </a:pPr>
             <a:r>
-              <a:rPr lang="pt-BR" sz="1800" dirty="0">
+              <a:rPr lang="pt-BR" sz="1600" dirty="0">
                 <a:latin typeface="Verdana" pitchFamily="34" charset="0"/>
                 <a:cs typeface="Times New Roman" pitchFamily="18" charset="0"/>
               </a:rPr>
@@ -8558,7 +7664,7 @@
               <a:buChar char="•"/>
               <a:defRPr/>
             </a:pPr>
-            <a:endParaRPr lang="pt-BR" sz="1800" dirty="0">
+            <a:endParaRPr lang="pt-BR" sz="1600" dirty="0">
               <a:latin typeface="Verdana" pitchFamily="34" charset="0"/>
               <a:cs typeface="Times New Roman" pitchFamily="18" charset="0"/>
             </a:endParaRPr>
@@ -8570,11 +7676,11 @@
               <a:defRPr/>
             </a:pPr>
             <a:r>
-              <a:rPr lang="pt-BR" sz="1800" dirty="0">
-                <a:latin typeface="Verdana" pitchFamily="34" charset="0"/>
-                <a:cs typeface="Times New Roman" pitchFamily="18" charset="0"/>
-              </a:rPr>
-              <a:t> As aulas de laboratório serão realizadas no LINF. O alunos é livre para trazer o seu próprio computador.</a:t>
+              <a:rPr lang="pt-BR" sz="1600" dirty="0">
+                <a:latin typeface="Verdana" pitchFamily="34" charset="0"/>
+                <a:cs typeface="Times New Roman" pitchFamily="18" charset="0"/>
+              </a:rPr>
+              <a:t> As aulas de laboratório são realizados no LINF. O alunos é livre para trazer o seu próprio computador.</a:t>
             </a:r>
           </a:p>
           <a:p>
@@ -8583,7 +7689,7 @@
               <a:buChar char="ü"/>
               <a:defRPr/>
             </a:pPr>
-            <a:endParaRPr lang="pt-BR" sz="1800" dirty="0">
+            <a:endParaRPr lang="pt-BR" sz="1600" dirty="0">
               <a:latin typeface="Verdana" pitchFamily="34" charset="0"/>
               <a:cs typeface="Times New Roman" pitchFamily="18" charset="0"/>
             </a:endParaRPr>
@@ -8595,7 +7701,7 @@
               <a:defRPr/>
             </a:pPr>
             <a:r>
-              <a:rPr lang="pt-BR" sz="1800" dirty="0">
+              <a:rPr lang="pt-BR" sz="1600" dirty="0">
                 <a:latin typeface="Verdana" pitchFamily="34" charset="0"/>
                 <a:cs typeface="Times New Roman" pitchFamily="18" charset="0"/>
               </a:rPr>
@@ -8608,7 +7714,7 @@
               <a:buChar char="ü"/>
               <a:defRPr/>
             </a:pPr>
-            <a:endParaRPr lang="pt-BR" sz="1800" dirty="0">
+            <a:endParaRPr lang="pt-BR" sz="1600" dirty="0">
               <a:latin typeface="Verdana" pitchFamily="34" charset="0"/>
               <a:cs typeface="Times New Roman" pitchFamily="18" charset="0"/>
             </a:endParaRPr>
@@ -8620,49 +7726,35 @@
               <a:defRPr/>
             </a:pPr>
             <a:r>
-              <a:rPr lang="pt-BR" sz="1800" dirty="0">
-                <a:latin typeface="Verdana" pitchFamily="34" charset="0"/>
-                <a:cs typeface="Times New Roman" pitchFamily="18" charset="0"/>
-              </a:rPr>
-              <a:t> Os códigos fontes devem ser compactados (</a:t>
-            </a:r>
-            <a:r>
-              <a:rPr lang="pt-BR" sz="1800" dirty="0" err="1">
-                <a:latin typeface="Verdana" pitchFamily="34" charset="0"/>
-                <a:cs typeface="Times New Roman" pitchFamily="18" charset="0"/>
-              </a:rPr>
-              <a:t>zip</a:t>
-            </a:r>
-            <a:r>
-              <a:rPr lang="pt-BR" sz="1800" dirty="0">
-                <a:latin typeface="Verdana" pitchFamily="34" charset="0"/>
-                <a:cs typeface="Times New Roman" pitchFamily="18" charset="0"/>
-              </a:rPr>
-              <a:t>/</a:t>
-            </a:r>
-            <a:r>
-              <a:rPr lang="pt-BR" sz="1800" dirty="0" err="1">
+              <a:rPr lang="pt-BR" sz="1600" dirty="0">
+                <a:latin typeface="Verdana" pitchFamily="34" charset="0"/>
+                <a:cs typeface="Times New Roman" pitchFamily="18" charset="0"/>
+              </a:rPr>
+              <a:t> Os códigos fontes devem ser compactados (zip/</a:t>
+            </a:r>
+            <a:r>
+              <a:rPr lang="pt-BR" sz="1600" dirty="0" err="1">
                 <a:latin typeface="Verdana" pitchFamily="34" charset="0"/>
                 <a:cs typeface="Times New Roman" pitchFamily="18" charset="0"/>
               </a:rPr>
               <a:t>rar</a:t>
             </a:r>
             <a:r>
-              <a:rPr lang="pt-BR" sz="1800" dirty="0">
+              <a:rPr lang="pt-BR" sz="1600" dirty="0">
                 <a:latin typeface="Verdana" pitchFamily="34" charset="0"/>
                 <a:cs typeface="Times New Roman" pitchFamily="18" charset="0"/>
               </a:rPr>
               <a:t>) e entregues em um arquivo único no formato "</a:t>
             </a:r>
             <a:r>
-              <a:rPr lang="pt-BR" sz="1800" b="1" dirty="0">
-                <a:latin typeface="Verdana" pitchFamily="34" charset="0"/>
-                <a:cs typeface="Times New Roman" pitchFamily="18" charset="0"/>
-              </a:rPr>
-              <a:t>nome_do_aluno_lab_x.zip</a:t>
-            </a:r>
-            <a:r>
-              <a:rPr lang="pt-BR" sz="1800" dirty="0">
+              <a:rPr lang="pt-BR" sz="1600" b="1" dirty="0">
+                <a:latin typeface="Verdana" pitchFamily="34" charset="0"/>
+                <a:cs typeface="Times New Roman" pitchFamily="18" charset="0"/>
+              </a:rPr>
+              <a:t>nome_do_aluno_lab_i.zip</a:t>
+            </a:r>
+            <a:r>
+              <a:rPr lang="pt-BR" sz="1600" dirty="0">
                 <a:latin typeface="Verdana" pitchFamily="34" charset="0"/>
                 <a:cs typeface="Times New Roman" pitchFamily="18" charset="0"/>
               </a:rPr>
@@ -8675,7 +7767,7 @@
               <a:buChar char="ü"/>
               <a:defRPr/>
             </a:pPr>
-            <a:endParaRPr lang="pt-BR" sz="1800" dirty="0">
+            <a:endParaRPr lang="pt-BR" sz="1600" dirty="0">
               <a:latin typeface="Verdana" pitchFamily="34" charset="0"/>
               <a:cs typeface="Times New Roman" pitchFamily="18" charset="0"/>
             </a:endParaRPr>
@@ -8687,21 +7779,21 @@
               <a:defRPr/>
             </a:pPr>
             <a:r>
-              <a:rPr lang="pt-BR" sz="1800" dirty="0">
+              <a:rPr lang="pt-BR" sz="1600" dirty="0">
                 <a:latin typeface="Verdana" pitchFamily="34" charset="0"/>
                 <a:cs typeface="Times New Roman" pitchFamily="18" charset="0"/>
               </a:rPr>
               <a:t> Toda entrega de atividade deve ser realizada </a:t>
             </a:r>
             <a:r>
-              <a:rPr lang="pt-BR" sz="1800" b="1" dirty="0">
+              <a:rPr lang="pt-BR" sz="1600" b="1" dirty="0">
                 <a:latin typeface="Verdana" pitchFamily="34" charset="0"/>
                 <a:cs typeface="Times New Roman" pitchFamily="18" charset="0"/>
               </a:rPr>
               <a:t>via Moodle</a:t>
             </a:r>
             <a:r>
-              <a:rPr lang="pt-BR" sz="1800" dirty="0">
+              <a:rPr lang="pt-BR" sz="1600" dirty="0">
                 <a:latin typeface="Verdana" pitchFamily="34" charset="0"/>
                 <a:cs typeface="Times New Roman" pitchFamily="18" charset="0"/>
               </a:rPr>
